--- a/NeuroMAVEN_instructions_v0.8_dev.pptx
+++ b/NeuroMAVEN_instructions_v0.8_dev.pptx
@@ -209,7 +209,7 @@
           <a:p>
             <a:fld id="{CF1572E8-749C-F149-82CB-6DD48544EA5F}" type="datetimeFigureOut">
               <a:rPr lang="en-US" smtClean="0"/>
-              <a:t>9/14/17</a:t>
+              <a:t>6/7/18</a:t>
             </a:fld>
             <a:endParaRPr lang="en-US"/>
           </a:p>
@@ -273,38 +273,37 @@
           <a:p>
             <a:pPr lvl="0"/>
             <a:r>
-              <a:rPr lang="en-US" smtClean="0"/>
+              <a:rPr lang="en-US"/>
               <a:t>Click to edit Master text styles</a:t>
             </a:r>
           </a:p>
           <a:p>
             <a:pPr lvl="1"/>
             <a:r>
-              <a:rPr lang="en-US" smtClean="0"/>
+              <a:rPr lang="en-US"/>
               <a:t>Second level</a:t>
             </a:r>
           </a:p>
           <a:p>
             <a:pPr lvl="2"/>
             <a:r>
-              <a:rPr lang="en-US" smtClean="0"/>
+              <a:rPr lang="en-US"/>
               <a:t>Third level</a:t>
             </a:r>
           </a:p>
           <a:p>
             <a:pPr lvl="3"/>
             <a:r>
-              <a:rPr lang="en-US" smtClean="0"/>
+              <a:rPr lang="en-US"/>
               <a:t>Fourth level</a:t>
             </a:r>
           </a:p>
           <a:p>
             <a:pPr lvl="4"/>
             <a:r>
-              <a:rPr lang="en-US" smtClean="0"/>
+              <a:rPr lang="en-US"/>
               <a:t>Fifth level</a:t>
             </a:r>
-            <a:endParaRPr lang="en-US"/>
           </a:p>
         </p:txBody>
       </p:sp>
@@ -606,38 +605,38 @@
           <a:lstStyle/>
           <a:p>
             <a:r>
-              <a:rPr lang="en-US" dirty="0" smtClean="0"/>
+              <a:rPr lang="en-US" dirty="0"/>
               <a:t>call to Makeandsaveresultwave2</a:t>
             </a:r>
             <a:r>
-              <a:rPr lang="en-US" baseline="0" dirty="0" smtClean="0"/>
+              <a:rPr lang="en-US" baseline="0" dirty="0"/>
               <a:t> with </a:t>
             </a:r>
             <a:r>
-              <a:rPr lang="en-US" baseline="0" dirty="0" err="1" smtClean="0"/>
+              <a:rPr lang="en-US" baseline="0" dirty="0" err="1"/>
               <a:t>SEdata</a:t>
             </a:r>
             <a:r>
-              <a:rPr lang="en-US" baseline="0" dirty="0" smtClean="0"/>
+              <a:rPr lang="en-US" baseline="0" dirty="0"/>
               <a:t> parameter.</a:t>
             </a:r>
           </a:p>
           <a:p>
             <a:r>
-              <a:rPr lang="en-US" baseline="0" dirty="0" smtClean="0"/>
+              <a:rPr lang="en-US" baseline="0" dirty="0"/>
               <a:t>if (function doesn’t want s0N and doesn’t want time sub) OR (function wants s0N and s00 doesn’t exist)</a:t>
             </a:r>
           </a:p>
           <a:p>
             <a:r>
-              <a:rPr lang="en-US" baseline="0" dirty="0" smtClean="0"/>
+              <a:rPr lang="en-US" baseline="0" dirty="0"/>
               <a:t>	</a:t>
             </a:r>
             <a:r>
-              <a:rPr lang="en-US" baseline="0" dirty="0" err="1" smtClean="0"/>
+              <a:rPr lang="en-US" baseline="0" dirty="0" err="1"/>
               <a:t>makeSEdata</a:t>
             </a:r>
-            <a:endParaRPr lang="en-US" baseline="0" dirty="0" smtClean="0"/>
+            <a:endParaRPr lang="en-US" baseline="0" dirty="0"/>
           </a:p>
           <a:p>
             <a:endParaRPr lang="en-US" dirty="0"/>
@@ -725,38 +724,38 @@
           <a:lstStyle/>
           <a:p>
             <a:r>
-              <a:rPr lang="en-US" dirty="0" smtClean="0"/>
+              <a:rPr lang="en-US" dirty="0"/>
               <a:t>call to Makeandsaveresultwave2</a:t>
             </a:r>
             <a:r>
-              <a:rPr lang="en-US" baseline="0" dirty="0" smtClean="0"/>
+              <a:rPr lang="en-US" baseline="0" dirty="0"/>
               <a:t> with </a:t>
             </a:r>
             <a:r>
-              <a:rPr lang="en-US" baseline="0" dirty="0" err="1" smtClean="0"/>
+              <a:rPr lang="en-US" baseline="0" dirty="0" err="1"/>
               <a:t>SEdata</a:t>
             </a:r>
             <a:r>
-              <a:rPr lang="en-US" baseline="0" dirty="0" smtClean="0"/>
+              <a:rPr lang="en-US" baseline="0" dirty="0"/>
               <a:t> parameter.</a:t>
             </a:r>
           </a:p>
           <a:p>
             <a:r>
-              <a:rPr lang="en-US" baseline="0" dirty="0" smtClean="0"/>
+              <a:rPr lang="en-US" baseline="0" dirty="0"/>
               <a:t>if (function doesn’t want s0N and doesn’t want time sub) OR (function wants s0N and s00 doesn’t exist)</a:t>
             </a:r>
           </a:p>
           <a:p>
             <a:r>
-              <a:rPr lang="en-US" baseline="0" dirty="0" smtClean="0"/>
+              <a:rPr lang="en-US" baseline="0" dirty="0"/>
               <a:t>	</a:t>
             </a:r>
             <a:r>
-              <a:rPr lang="en-US" baseline="0" dirty="0" err="1" smtClean="0"/>
+              <a:rPr lang="en-US" baseline="0" dirty="0" err="1"/>
               <a:t>makeSEdata</a:t>
             </a:r>
-            <a:endParaRPr lang="en-US" baseline="0" smtClean="0"/>
+            <a:endParaRPr lang="en-US" baseline="0"/>
           </a:p>
           <a:p>
             <a:endParaRPr lang="en-US" dirty="0"/>
@@ -841,7 +840,7 @@
           </a:lstStyle>
           <a:p>
             <a:r>
-              <a:rPr lang="en-US" smtClean="0"/>
+              <a:rPr lang="en-US"/>
               <a:t>Click to edit Master title style</a:t>
             </a:r>
             <a:endParaRPr lang="en-US" dirty="0"/>
@@ -906,7 +905,7 @@
           </a:lstStyle>
           <a:p>
             <a:r>
-              <a:rPr lang="en-US" smtClean="0"/>
+              <a:rPr lang="en-US"/>
               <a:t>Click to edit Master subtitle style</a:t>
             </a:r>
             <a:endParaRPr lang="en-US" dirty="0"/>
@@ -930,7 +929,7 @@
           <a:p>
             <a:fld id="{8180E9C6-3AEE-314F-A608-732FE6A50BEC}" type="datetimeFigureOut">
               <a:rPr lang="en-US" smtClean="0"/>
-              <a:t>9/14/17</a:t>
+              <a:t>6/7/18</a:t>
             </a:fld>
             <a:endParaRPr lang="en-US"/>
           </a:p>
@@ -1024,7 +1023,7 @@
           <a:lstStyle/>
           <a:p>
             <a:r>
-              <a:rPr lang="en-US" smtClean="0"/>
+              <a:rPr lang="en-US"/>
               <a:t>Click to edit Master title style</a:t>
             </a:r>
             <a:endParaRPr lang="en-US" dirty="0"/>
@@ -1048,35 +1047,35 @@
           <a:p>
             <a:pPr lvl="0"/>
             <a:r>
-              <a:rPr lang="en-US" smtClean="0"/>
+              <a:rPr lang="en-US"/>
               <a:t>Click to edit Master text styles</a:t>
             </a:r>
           </a:p>
           <a:p>
             <a:pPr lvl="1"/>
             <a:r>
-              <a:rPr lang="en-US" smtClean="0"/>
+              <a:rPr lang="en-US"/>
               <a:t>Second level</a:t>
             </a:r>
           </a:p>
           <a:p>
             <a:pPr lvl="2"/>
             <a:r>
-              <a:rPr lang="en-US" smtClean="0"/>
+              <a:rPr lang="en-US"/>
               <a:t>Third level</a:t>
             </a:r>
           </a:p>
           <a:p>
             <a:pPr lvl="3"/>
             <a:r>
-              <a:rPr lang="en-US" smtClean="0"/>
+              <a:rPr lang="en-US"/>
               <a:t>Fourth level</a:t>
             </a:r>
           </a:p>
           <a:p>
             <a:pPr lvl="4"/>
             <a:r>
-              <a:rPr lang="en-US" smtClean="0"/>
+              <a:rPr lang="en-US"/>
               <a:t>Fifth level</a:t>
             </a:r>
             <a:endParaRPr lang="en-US" dirty="0"/>
@@ -1100,7 +1099,7 @@
           <a:p>
             <a:fld id="{8180E9C6-3AEE-314F-A608-732FE6A50BEC}" type="datetimeFigureOut">
               <a:rPr lang="en-US" smtClean="0"/>
-              <a:t>9/14/17</a:t>
+              <a:t>6/7/18</a:t>
             </a:fld>
             <a:endParaRPr lang="en-US"/>
           </a:p>
@@ -1199,7 +1198,7 @@
           <a:lstStyle/>
           <a:p>
             <a:r>
-              <a:rPr lang="en-US" smtClean="0"/>
+              <a:rPr lang="en-US"/>
               <a:t>Click to edit Master title style</a:t>
             </a:r>
             <a:endParaRPr lang="en-US" dirty="0"/>
@@ -1228,35 +1227,35 @@
           <a:p>
             <a:pPr lvl="0"/>
             <a:r>
-              <a:rPr lang="en-US" smtClean="0"/>
+              <a:rPr lang="en-US"/>
               <a:t>Click to edit Master text styles</a:t>
             </a:r>
           </a:p>
           <a:p>
             <a:pPr lvl="1"/>
             <a:r>
-              <a:rPr lang="en-US" smtClean="0"/>
+              <a:rPr lang="en-US"/>
               <a:t>Second level</a:t>
             </a:r>
           </a:p>
           <a:p>
             <a:pPr lvl="2"/>
             <a:r>
-              <a:rPr lang="en-US" smtClean="0"/>
+              <a:rPr lang="en-US"/>
               <a:t>Third level</a:t>
             </a:r>
           </a:p>
           <a:p>
             <a:pPr lvl="3"/>
             <a:r>
-              <a:rPr lang="en-US" smtClean="0"/>
+              <a:rPr lang="en-US"/>
               <a:t>Fourth level</a:t>
             </a:r>
           </a:p>
           <a:p>
             <a:pPr lvl="4"/>
             <a:r>
-              <a:rPr lang="en-US" smtClean="0"/>
+              <a:rPr lang="en-US"/>
               <a:t>Fifth level</a:t>
             </a:r>
             <a:endParaRPr lang="en-US" dirty="0"/>
@@ -1280,7 +1279,7 @@
           <a:p>
             <a:fld id="{8180E9C6-3AEE-314F-A608-732FE6A50BEC}" type="datetimeFigureOut">
               <a:rPr lang="en-US" smtClean="0"/>
-              <a:t>9/14/17</a:t>
+              <a:t>6/7/18</a:t>
             </a:fld>
             <a:endParaRPr lang="en-US"/>
           </a:p>
@@ -1374,7 +1373,7 @@
           <a:lstStyle/>
           <a:p>
             <a:r>
-              <a:rPr lang="en-US" smtClean="0"/>
+              <a:rPr lang="en-US"/>
               <a:t>Click to edit Master title style</a:t>
             </a:r>
             <a:endParaRPr lang="en-US" dirty="0"/>
@@ -1398,35 +1397,35 @@
           <a:p>
             <a:pPr lvl="0"/>
             <a:r>
-              <a:rPr lang="en-US" smtClean="0"/>
+              <a:rPr lang="en-US"/>
               <a:t>Click to edit Master text styles</a:t>
             </a:r>
           </a:p>
           <a:p>
             <a:pPr lvl="1"/>
             <a:r>
-              <a:rPr lang="en-US" smtClean="0"/>
+              <a:rPr lang="en-US"/>
               <a:t>Second level</a:t>
             </a:r>
           </a:p>
           <a:p>
             <a:pPr lvl="2"/>
             <a:r>
-              <a:rPr lang="en-US" smtClean="0"/>
+              <a:rPr lang="en-US"/>
               <a:t>Third level</a:t>
             </a:r>
           </a:p>
           <a:p>
             <a:pPr lvl="3"/>
             <a:r>
-              <a:rPr lang="en-US" smtClean="0"/>
+              <a:rPr lang="en-US"/>
               <a:t>Fourth level</a:t>
             </a:r>
           </a:p>
           <a:p>
             <a:pPr lvl="4"/>
             <a:r>
-              <a:rPr lang="en-US" smtClean="0"/>
+              <a:rPr lang="en-US"/>
               <a:t>Fifth level</a:t>
             </a:r>
             <a:endParaRPr lang="en-US" dirty="0"/>
@@ -1450,7 +1449,7 @@
           <a:p>
             <a:fld id="{8180E9C6-3AEE-314F-A608-732FE6A50BEC}" type="datetimeFigureOut">
               <a:rPr lang="en-US" smtClean="0"/>
-              <a:t>9/14/17</a:t>
+              <a:t>6/7/18</a:t>
             </a:fld>
             <a:endParaRPr lang="en-US"/>
           </a:p>
@@ -1553,7 +1552,7 @@
           </a:lstStyle>
           <a:p>
             <a:r>
-              <a:rPr lang="en-US" smtClean="0"/>
+              <a:rPr lang="en-US"/>
               <a:t>Click to edit Master title style</a:t>
             </a:r>
             <a:endParaRPr lang="en-US" dirty="0"/>
@@ -1671,7 +1670,7 @@
           <a:p>
             <a:pPr lvl="0"/>
             <a:r>
-              <a:rPr lang="en-US" smtClean="0"/>
+              <a:rPr lang="en-US"/>
               <a:t>Click to edit Master text styles</a:t>
             </a:r>
           </a:p>
@@ -1694,7 +1693,7 @@
           <a:p>
             <a:fld id="{8180E9C6-3AEE-314F-A608-732FE6A50BEC}" type="datetimeFigureOut">
               <a:rPr lang="en-US" smtClean="0"/>
-              <a:t>9/14/17</a:t>
+              <a:t>6/7/18</a:t>
             </a:fld>
             <a:endParaRPr lang="en-US"/>
           </a:p>
@@ -1788,7 +1787,7 @@
           <a:lstStyle/>
           <a:p>
             <a:r>
-              <a:rPr lang="en-US" smtClean="0"/>
+              <a:rPr lang="en-US"/>
               <a:t>Click to edit Master title style</a:t>
             </a:r>
             <a:endParaRPr lang="en-US" dirty="0"/>
@@ -1817,35 +1816,35 @@
           <a:p>
             <a:pPr lvl="0"/>
             <a:r>
-              <a:rPr lang="en-US" smtClean="0"/>
+              <a:rPr lang="en-US"/>
               <a:t>Click to edit Master text styles</a:t>
             </a:r>
           </a:p>
           <a:p>
             <a:pPr lvl="1"/>
             <a:r>
-              <a:rPr lang="en-US" smtClean="0"/>
+              <a:rPr lang="en-US"/>
               <a:t>Second level</a:t>
             </a:r>
           </a:p>
           <a:p>
             <a:pPr lvl="2"/>
             <a:r>
-              <a:rPr lang="en-US" smtClean="0"/>
+              <a:rPr lang="en-US"/>
               <a:t>Third level</a:t>
             </a:r>
           </a:p>
           <a:p>
             <a:pPr lvl="3"/>
             <a:r>
-              <a:rPr lang="en-US" smtClean="0"/>
+              <a:rPr lang="en-US"/>
               <a:t>Fourth level</a:t>
             </a:r>
           </a:p>
           <a:p>
             <a:pPr lvl="4"/>
             <a:r>
-              <a:rPr lang="en-US" smtClean="0"/>
+              <a:rPr lang="en-US"/>
               <a:t>Fifth level</a:t>
             </a:r>
             <a:endParaRPr lang="en-US" dirty="0"/>
@@ -1874,35 +1873,35 @@
           <a:p>
             <a:pPr lvl="0"/>
             <a:r>
-              <a:rPr lang="en-US" smtClean="0"/>
+              <a:rPr lang="en-US"/>
               <a:t>Click to edit Master text styles</a:t>
             </a:r>
           </a:p>
           <a:p>
             <a:pPr lvl="1"/>
             <a:r>
-              <a:rPr lang="en-US" smtClean="0"/>
+              <a:rPr lang="en-US"/>
               <a:t>Second level</a:t>
             </a:r>
           </a:p>
           <a:p>
             <a:pPr lvl="2"/>
             <a:r>
-              <a:rPr lang="en-US" smtClean="0"/>
+              <a:rPr lang="en-US"/>
               <a:t>Third level</a:t>
             </a:r>
           </a:p>
           <a:p>
             <a:pPr lvl="3"/>
             <a:r>
-              <a:rPr lang="en-US" smtClean="0"/>
+              <a:rPr lang="en-US"/>
               <a:t>Fourth level</a:t>
             </a:r>
           </a:p>
           <a:p>
             <a:pPr lvl="4"/>
             <a:r>
-              <a:rPr lang="en-US" smtClean="0"/>
+              <a:rPr lang="en-US"/>
               <a:t>Fifth level</a:t>
             </a:r>
             <a:endParaRPr lang="en-US" dirty="0"/>
@@ -1926,7 +1925,7 @@
           <a:p>
             <a:fld id="{8180E9C6-3AEE-314F-A608-732FE6A50BEC}" type="datetimeFigureOut">
               <a:rPr lang="en-US" smtClean="0"/>
-              <a:t>9/14/17</a:t>
+              <a:t>6/7/18</a:t>
             </a:fld>
             <a:endParaRPr lang="en-US"/>
           </a:p>
@@ -2025,7 +2024,7 @@
           <a:lstStyle/>
           <a:p>
             <a:r>
-              <a:rPr lang="en-US" smtClean="0"/>
+              <a:rPr lang="en-US"/>
               <a:t>Click to edit Master title style</a:t>
             </a:r>
             <a:endParaRPr lang="en-US" dirty="0"/>
@@ -2091,7 +2090,7 @@
           <a:p>
             <a:pPr lvl="0"/>
             <a:r>
-              <a:rPr lang="en-US" smtClean="0"/>
+              <a:rPr lang="en-US"/>
               <a:t>Click to edit Master text styles</a:t>
             </a:r>
           </a:p>
@@ -2119,35 +2118,35 @@
           <a:p>
             <a:pPr lvl="0"/>
             <a:r>
-              <a:rPr lang="en-US" smtClean="0"/>
+              <a:rPr lang="en-US"/>
               <a:t>Click to edit Master text styles</a:t>
             </a:r>
           </a:p>
           <a:p>
             <a:pPr lvl="1"/>
             <a:r>
-              <a:rPr lang="en-US" smtClean="0"/>
+              <a:rPr lang="en-US"/>
               <a:t>Second level</a:t>
             </a:r>
           </a:p>
           <a:p>
             <a:pPr lvl="2"/>
             <a:r>
-              <a:rPr lang="en-US" smtClean="0"/>
+              <a:rPr lang="en-US"/>
               <a:t>Third level</a:t>
             </a:r>
           </a:p>
           <a:p>
             <a:pPr lvl="3"/>
             <a:r>
-              <a:rPr lang="en-US" smtClean="0"/>
+              <a:rPr lang="en-US"/>
               <a:t>Fourth level</a:t>
             </a:r>
           </a:p>
           <a:p>
             <a:pPr lvl="4"/>
             <a:r>
-              <a:rPr lang="en-US" smtClean="0"/>
+              <a:rPr lang="en-US"/>
               <a:t>Fifth level</a:t>
             </a:r>
             <a:endParaRPr lang="en-US" dirty="0"/>
@@ -2213,7 +2212,7 @@
           <a:p>
             <a:pPr lvl="0"/>
             <a:r>
-              <a:rPr lang="en-US" smtClean="0"/>
+              <a:rPr lang="en-US"/>
               <a:t>Click to edit Master text styles</a:t>
             </a:r>
           </a:p>
@@ -2241,35 +2240,35 @@
           <a:p>
             <a:pPr lvl="0"/>
             <a:r>
-              <a:rPr lang="en-US" smtClean="0"/>
+              <a:rPr lang="en-US"/>
               <a:t>Click to edit Master text styles</a:t>
             </a:r>
           </a:p>
           <a:p>
             <a:pPr lvl="1"/>
             <a:r>
-              <a:rPr lang="en-US" smtClean="0"/>
+              <a:rPr lang="en-US"/>
               <a:t>Second level</a:t>
             </a:r>
           </a:p>
           <a:p>
             <a:pPr lvl="2"/>
             <a:r>
-              <a:rPr lang="en-US" smtClean="0"/>
+              <a:rPr lang="en-US"/>
               <a:t>Third level</a:t>
             </a:r>
           </a:p>
           <a:p>
             <a:pPr lvl="3"/>
             <a:r>
-              <a:rPr lang="en-US" smtClean="0"/>
+              <a:rPr lang="en-US"/>
               <a:t>Fourth level</a:t>
             </a:r>
           </a:p>
           <a:p>
             <a:pPr lvl="4"/>
             <a:r>
-              <a:rPr lang="en-US" smtClean="0"/>
+              <a:rPr lang="en-US"/>
               <a:t>Fifth level</a:t>
             </a:r>
             <a:endParaRPr lang="en-US" dirty="0"/>
@@ -2293,7 +2292,7 @@
           <a:p>
             <a:fld id="{8180E9C6-3AEE-314F-A608-732FE6A50BEC}" type="datetimeFigureOut">
               <a:rPr lang="en-US" smtClean="0"/>
-              <a:t>9/14/17</a:t>
+              <a:t>6/7/18</a:t>
             </a:fld>
             <a:endParaRPr lang="en-US"/>
           </a:p>
@@ -2397,7 +2396,7 @@
           </a:lstStyle>
           <a:p>
             <a:r>
-              <a:rPr lang="en-US" smtClean="0"/>
+              <a:rPr lang="en-US"/>
               <a:t>Click to edit Master title style</a:t>
             </a:r>
             <a:endParaRPr lang="en-US" dirty="0"/>
@@ -2421,7 +2420,7 @@
           <a:p>
             <a:fld id="{8180E9C6-3AEE-314F-A608-732FE6A50BEC}" type="datetimeFigureOut">
               <a:rPr lang="en-US" smtClean="0"/>
-              <a:t>9/14/17</a:t>
+              <a:t>6/7/18</a:t>
             </a:fld>
             <a:endParaRPr lang="en-US"/>
           </a:p>
@@ -2516,7 +2515,7 @@
           <a:p>
             <a:fld id="{8180E9C6-3AEE-314F-A608-732FE6A50BEC}" type="datetimeFigureOut">
               <a:rPr lang="en-US" smtClean="0"/>
-              <a:t>9/14/17</a:t>
+              <a:t>6/7/18</a:t>
             </a:fld>
             <a:endParaRPr lang="en-US"/>
           </a:p>
@@ -2619,7 +2618,7 @@
           </a:lstStyle>
           <a:p>
             <a:r>
-              <a:rPr lang="en-US" smtClean="0"/>
+              <a:rPr lang="en-US"/>
               <a:t>Click to edit Master title style</a:t>
             </a:r>
             <a:endParaRPr lang="en-US" dirty="0"/>
@@ -2676,35 +2675,35 @@
           <a:p>
             <a:pPr lvl="0"/>
             <a:r>
-              <a:rPr lang="en-US" smtClean="0"/>
+              <a:rPr lang="en-US"/>
               <a:t>Click to edit Master text styles</a:t>
             </a:r>
           </a:p>
           <a:p>
             <a:pPr lvl="1"/>
             <a:r>
-              <a:rPr lang="en-US" smtClean="0"/>
+              <a:rPr lang="en-US"/>
               <a:t>Second level</a:t>
             </a:r>
           </a:p>
           <a:p>
             <a:pPr lvl="2"/>
             <a:r>
-              <a:rPr lang="en-US" smtClean="0"/>
+              <a:rPr lang="en-US"/>
               <a:t>Third level</a:t>
             </a:r>
           </a:p>
           <a:p>
             <a:pPr lvl="3"/>
             <a:r>
-              <a:rPr lang="en-US" smtClean="0"/>
+              <a:rPr lang="en-US"/>
               <a:t>Fourth level</a:t>
             </a:r>
           </a:p>
           <a:p>
             <a:pPr lvl="4"/>
             <a:r>
-              <a:rPr lang="en-US" smtClean="0"/>
+              <a:rPr lang="en-US"/>
               <a:t>Fifth level</a:t>
             </a:r>
             <a:endParaRPr lang="en-US" dirty="0"/>
@@ -2770,7 +2769,7 @@
           <a:p>
             <a:pPr lvl="0"/>
             <a:r>
-              <a:rPr lang="en-US" smtClean="0"/>
+              <a:rPr lang="en-US"/>
               <a:t>Click to edit Master text styles</a:t>
             </a:r>
           </a:p>
@@ -2793,7 +2792,7 @@
           <a:p>
             <a:fld id="{8180E9C6-3AEE-314F-A608-732FE6A50BEC}" type="datetimeFigureOut">
               <a:rPr lang="en-US" smtClean="0"/>
-              <a:t>9/14/17</a:t>
+              <a:t>6/7/18</a:t>
             </a:fld>
             <a:endParaRPr lang="en-US"/>
           </a:p>
@@ -2896,7 +2895,7 @@
           </a:lstStyle>
           <a:p>
             <a:r>
-              <a:rPr lang="en-US" smtClean="0"/>
+              <a:rPr lang="en-US"/>
               <a:t>Click to edit Master title style</a:t>
             </a:r>
             <a:endParaRPr lang="en-US" dirty="0"/>
@@ -2961,7 +2960,7 @@
           </a:lstStyle>
           <a:p>
             <a:r>
-              <a:rPr lang="en-US" smtClean="0"/>
+              <a:rPr lang="en-US"/>
               <a:t>Drag picture to placeholder or click icon to add</a:t>
             </a:r>
             <a:endParaRPr lang="en-US" dirty="0"/>
@@ -3027,7 +3026,7 @@
           <a:p>
             <a:pPr lvl="0"/>
             <a:r>
-              <a:rPr lang="en-US" smtClean="0"/>
+              <a:rPr lang="en-US"/>
               <a:t>Click to edit Master text styles</a:t>
             </a:r>
           </a:p>
@@ -3050,7 +3049,7 @@
           <a:p>
             <a:fld id="{8180E9C6-3AEE-314F-A608-732FE6A50BEC}" type="datetimeFigureOut">
               <a:rPr lang="en-US" smtClean="0"/>
-              <a:t>9/14/17</a:t>
+              <a:t>6/7/18</a:t>
             </a:fld>
             <a:endParaRPr lang="en-US"/>
           </a:p>
@@ -3159,7 +3158,7 @@
           <a:lstStyle/>
           <a:p>
             <a:r>
-              <a:rPr lang="en-US" smtClean="0"/>
+              <a:rPr lang="en-US"/>
               <a:t>Click to edit Master title style</a:t>
             </a:r>
             <a:endParaRPr lang="en-US" dirty="0"/>
@@ -3193,35 +3192,35 @@
           <a:p>
             <a:pPr lvl="0"/>
             <a:r>
-              <a:rPr lang="en-US" smtClean="0"/>
+              <a:rPr lang="en-US"/>
               <a:t>Click to edit Master text styles</a:t>
             </a:r>
           </a:p>
           <a:p>
             <a:pPr lvl="1"/>
             <a:r>
-              <a:rPr lang="en-US" smtClean="0"/>
+              <a:rPr lang="en-US"/>
               <a:t>Second level</a:t>
             </a:r>
           </a:p>
           <a:p>
             <a:pPr lvl="2"/>
             <a:r>
-              <a:rPr lang="en-US" smtClean="0"/>
+              <a:rPr lang="en-US"/>
               <a:t>Third level</a:t>
             </a:r>
           </a:p>
           <a:p>
             <a:pPr lvl="3"/>
             <a:r>
-              <a:rPr lang="en-US" smtClean="0"/>
+              <a:rPr lang="en-US"/>
               <a:t>Fourth level</a:t>
             </a:r>
           </a:p>
           <a:p>
             <a:pPr lvl="4"/>
             <a:r>
-              <a:rPr lang="en-US" smtClean="0"/>
+              <a:rPr lang="en-US"/>
               <a:t>Fifth level</a:t>
             </a:r>
             <a:endParaRPr lang="en-US" dirty="0"/>
@@ -3263,7 +3262,7 @@
           <a:p>
             <a:fld id="{8180E9C6-3AEE-314F-A608-732FE6A50BEC}" type="datetimeFigureOut">
               <a:rPr lang="en-US" smtClean="0"/>
-              <a:t>9/14/17</a:t>
+              <a:t>6/7/18</a:t>
             </a:fld>
             <a:endParaRPr lang="en-US"/>
           </a:p>
@@ -3689,10 +3688,9 @@
           <a:lstStyle/>
           <a:p>
             <a:r>
-              <a:rPr lang="en-US" dirty="0" smtClean="0"/>
+              <a:rPr lang="en-US" dirty="0"/>
               <a:t>Setup instructions</a:t>
             </a:r>
-            <a:endParaRPr lang="en-US" dirty="0"/>
           </a:p>
         </p:txBody>
       </p:sp>
@@ -3723,7 +3721,7 @@
               <a:buAutoNum type="arabicPeriod"/>
             </a:pPr>
             <a:r>
-              <a:rPr lang="en-US" dirty="0" smtClean="0">
+              <a:rPr lang="en-US" dirty="0">
                 <a:latin typeface="Tahoma" charset="0"/>
                 <a:ea typeface="Tahoma" charset="0"/>
                 <a:cs typeface="Tahoma" charset="0"/>
@@ -3737,7 +3735,7 @@
               <a:buAutoNum type="arabicPeriod"/>
             </a:pPr>
             <a:r>
-              <a:rPr lang="en-US" dirty="0" smtClean="0">
+              <a:rPr lang="en-US" dirty="0">
                 <a:latin typeface="Tahoma" charset="0"/>
                 <a:ea typeface="Tahoma" charset="0"/>
                 <a:cs typeface="Tahoma" charset="0"/>
@@ -3745,7 +3743,7 @@
               <a:t>Place NeuroMAVEN_0.6 and </a:t>
             </a:r>
             <a:r>
-              <a:rPr lang="en-US" dirty="0" err="1" smtClean="0">
+              <a:rPr lang="en-US" dirty="0" err="1">
                 <a:latin typeface="Tahoma" charset="0"/>
                 <a:ea typeface="Tahoma" charset="0"/>
                 <a:cs typeface="Tahoma" charset="0"/>
@@ -3753,7 +3751,7 @@
               <a:t>uu</a:t>
             </a:r>
             <a:r>
-              <a:rPr lang="en-US" dirty="0" smtClean="0">
+              <a:rPr lang="en-US" dirty="0">
                 <a:latin typeface="Tahoma" charset="0"/>
                 <a:ea typeface="Tahoma" charset="0"/>
                 <a:cs typeface="Tahoma" charset="0"/>
@@ -3764,20 +3762,12 @@
           <a:p>
             <a:pPr lvl="1"/>
             <a:r>
-              <a:rPr lang="en-US" sz="1400" dirty="0" smtClean="0">
-                <a:latin typeface="Tahoma" charset="0"/>
-                <a:ea typeface="Tahoma" charset="0"/>
-                <a:cs typeface="Tahoma" charset="0"/>
-              </a:rPr>
-              <a:t>(~/</a:t>
-            </a:r>
-            <a:r>
               <a:rPr lang="en-US" sz="1400" dirty="0">
                 <a:latin typeface="Tahoma" charset="0"/>
                 <a:ea typeface="Tahoma" charset="0"/>
                 <a:cs typeface="Tahoma" charset="0"/>
               </a:rPr>
-              <a:t>Documents/</a:t>
+              <a:t>(~/Documents/</a:t>
             </a:r>
             <a:r>
               <a:rPr lang="en-US" sz="1400" dirty="0" err="1">
@@ -3793,15 +3783,7 @@
                 <a:ea typeface="Tahoma" charset="0"/>
                 <a:cs typeface="Tahoma" charset="0"/>
               </a:rPr>
-              <a:t>/Igor Pro 7 User Files/Igor </a:t>
-            </a:r>
-            <a:r>
-              <a:rPr lang="en-US" sz="1400" dirty="0" smtClean="0">
-                <a:latin typeface="Tahoma" charset="0"/>
-                <a:ea typeface="Tahoma" charset="0"/>
-                <a:cs typeface="Tahoma" charset="0"/>
-              </a:rPr>
-              <a:t>Procedures; created by Igor installer)</a:t>
+              <a:t>/Igor Pro 7 User Files/Igor Procedures; created by Igor installer)</a:t>
             </a:r>
           </a:p>
           <a:p>
@@ -3810,7 +3792,7 @@
               <a:buAutoNum type="arabicPeriod"/>
             </a:pPr>
             <a:r>
-              <a:rPr lang="en-US" dirty="0" smtClean="0">
+              <a:rPr lang="en-US" dirty="0">
                 <a:latin typeface="Tahoma" charset="0"/>
                 <a:ea typeface="Tahoma" charset="0"/>
                 <a:cs typeface="Tahoma" charset="0"/>
@@ -3824,7 +3806,7 @@
               <a:buAutoNum type="arabicPeriod"/>
             </a:pPr>
             <a:r>
-              <a:rPr lang="en-US" dirty="0" smtClean="0">
+              <a:rPr lang="en-US" dirty="0">
                 <a:latin typeface="Tahoma" charset="0"/>
                 <a:ea typeface="Tahoma" charset="0"/>
                 <a:cs typeface="Tahoma" charset="0"/>
@@ -3832,7 +3814,7 @@
               <a:t>At the Igor command window, type </a:t>
             </a:r>
             <a:r>
-              <a:rPr lang="en-US" altLang="en-US" dirty="0" err="1" smtClean="0">
+              <a:rPr lang="en-US" altLang="en-US" dirty="0" err="1">
                 <a:latin typeface="Tahoma" charset="0"/>
                 <a:ea typeface="Tahoma" charset="0"/>
                 <a:cs typeface="Tahoma" charset="0"/>
@@ -3840,14 +3822,14 @@
               <a:t>init_neuromaven_environment</a:t>
             </a:r>
             <a:r>
-              <a:rPr lang="en-US" altLang="en-US" dirty="0" smtClean="0">
+              <a:rPr lang="en-US" altLang="en-US" dirty="0">
                 <a:latin typeface="Tahoma" charset="0"/>
                 <a:ea typeface="Tahoma" charset="0"/>
                 <a:cs typeface="Tahoma" charset="0"/>
               </a:rPr>
               <a:t>()</a:t>
             </a:r>
-            <a:endParaRPr lang="en-US" dirty="0" smtClean="0">
+            <a:endParaRPr lang="en-US" dirty="0">
               <a:latin typeface="Tahoma" charset="0"/>
               <a:ea typeface="Tahoma" charset="0"/>
               <a:cs typeface="Tahoma" charset="0"/>
@@ -3859,30 +3841,22 @@
               <a:buAutoNum type="arabicPeriod"/>
             </a:pPr>
             <a:r>
-              <a:rPr lang="en-US" dirty="0" smtClean="0">
-                <a:latin typeface="Tahoma" charset="0"/>
-                <a:ea typeface="Tahoma" charset="0"/>
-                <a:cs typeface="Tahoma" charset="0"/>
-              </a:rPr>
-              <a:t>Hit command-2 (ctrl-2 on Windows) to summon the paths panel. </a:t>
-            </a:r>
-            <a:r>
-              <a:rPr lang="en-US" dirty="0" smtClean="0">
-                <a:latin typeface="Tahoma" charset="0"/>
-                <a:ea typeface="Tahoma" charset="0"/>
-                <a:cs typeface="Tahoma" charset="0"/>
-              </a:rPr>
-              <a:t>Enter file system paths to your raw data and desired </a:t>
-            </a:r>
-            <a:r>
-              <a:rPr lang="en-US" smtClean="0">
+              <a:rPr lang="en-US" dirty="0">
+                <a:latin typeface="Tahoma" charset="0"/>
+                <a:ea typeface="Tahoma" charset="0"/>
+                <a:cs typeface="Tahoma" charset="0"/>
+              </a:rPr>
+              <a:t>Hit command-2 (ctrl-2 on Windows) to summon the paths panel. Enter file system paths to your raw data and desired </a:t>
+            </a:r>
+            <a:r>
+              <a:rPr lang="en-US">
                 <a:latin typeface="Tahoma" charset="0"/>
                 <a:ea typeface="Tahoma" charset="0"/>
                 <a:cs typeface="Tahoma" charset="0"/>
               </a:rPr>
               <a:t>database location.</a:t>
             </a:r>
-            <a:endParaRPr lang="en-US" b="1" dirty="0" smtClean="0">
+            <a:endParaRPr lang="en-US" b="1" dirty="0">
               <a:solidFill>
                 <a:srgbClr val="00B050"/>
               </a:solidFill>
@@ -3897,7 +3871,7 @@
               <a:buAutoNum type="arabicPeriod"/>
             </a:pPr>
             <a:r>
-              <a:rPr lang="en-US" dirty="0" smtClean="0">
+              <a:rPr lang="en-US" dirty="0">
                 <a:latin typeface="Tahoma" charset="0"/>
                 <a:ea typeface="Tahoma" charset="0"/>
                 <a:cs typeface="Tahoma" charset="0"/>
@@ -3911,7 +3885,7 @@
               <a:buAutoNum type="arabicPeriod"/>
             </a:pPr>
             <a:r>
-              <a:rPr lang="en-US" dirty="0" smtClean="0">
+              <a:rPr lang="en-US" dirty="0">
                 <a:latin typeface="Tahoma" charset="0"/>
                 <a:ea typeface="Tahoma" charset="0"/>
                 <a:cs typeface="Tahoma" charset="0"/>
@@ -3930,25 +3904,17 @@
                 <a:ea typeface="Tahoma" charset="0"/>
                 <a:cs typeface="Tahoma" charset="0"/>
               </a:rPr>
-              <a:t> </a:t>
-            </a:r>
-            <a:r>
-              <a:rPr lang="en-US" dirty="0" smtClean="0">
-                <a:latin typeface="Tahoma" charset="0"/>
-                <a:ea typeface="Tahoma" charset="0"/>
-                <a:cs typeface="Tahoma" charset="0"/>
-              </a:rPr>
-              <a:t> converts raw data to .</a:t>
-            </a:r>
-            <a:r>
-              <a:rPr lang="en-US" dirty="0" err="1" smtClean="0">
+              <a:t>  converts raw data to .</a:t>
+            </a:r>
+            <a:r>
+              <a:rPr lang="en-US" dirty="0" err="1">
                 <a:latin typeface="Tahoma" charset="0"/>
                 <a:ea typeface="Tahoma" charset="0"/>
                 <a:cs typeface="Tahoma" charset="0"/>
               </a:rPr>
               <a:t>ibw</a:t>
             </a:r>
-            <a:endParaRPr lang="en-US" dirty="0" smtClean="0">
+            <a:endParaRPr lang="en-US" dirty="0">
               <a:latin typeface="Tahoma" charset="0"/>
               <a:ea typeface="Tahoma" charset="0"/>
               <a:cs typeface="Tahoma" charset="0"/>
@@ -3960,7 +3926,7 @@
               <a:buAutoNum type="arabicPeriod"/>
             </a:pPr>
             <a:r>
-              <a:rPr lang="en-US" dirty="0" smtClean="0">
+              <a:rPr lang="en-US" dirty="0">
                 <a:latin typeface="Tahoma" charset="0"/>
                 <a:ea typeface="Tahoma" charset="0"/>
                 <a:cs typeface="Tahoma" charset="0"/>
@@ -3974,7 +3940,7 @@
               <a:buAutoNum type="arabicPeriod"/>
             </a:pPr>
             <a:r>
-              <a:rPr lang="en-US" dirty="0" smtClean="0">
+              <a:rPr lang="en-US" dirty="0">
                 <a:latin typeface="Tahoma" charset="0"/>
                 <a:ea typeface="Tahoma" charset="0"/>
                 <a:cs typeface="Tahoma" charset="0"/>
@@ -3988,7 +3954,7 @@
               <a:buAutoNum type="arabicPeriod"/>
             </a:pPr>
             <a:r>
-              <a:rPr lang="en-US" dirty="0" smtClean="0">
+              <a:rPr lang="en-US" dirty="0">
                 <a:latin typeface="Tahoma" charset="0"/>
                 <a:ea typeface="Tahoma" charset="0"/>
                 <a:cs typeface="Tahoma" charset="0"/>
@@ -4002,7 +3968,7 @@
               <a:buAutoNum type="arabicPeriod"/>
             </a:pPr>
             <a:r>
-              <a:rPr lang="en-US" dirty="0" smtClean="0">
+              <a:rPr lang="en-US" dirty="0">
                 <a:latin typeface="Tahoma" charset="0"/>
                 <a:ea typeface="Tahoma" charset="0"/>
                 <a:cs typeface="Tahoma" charset="0"/>
@@ -4016,7 +3982,7 @@
               <a:buAutoNum type="arabicPeriod"/>
             </a:pPr>
             <a:r>
-              <a:rPr lang="en-US" dirty="0" smtClean="0">
+              <a:rPr lang="en-US" dirty="0">
                 <a:latin typeface="Tahoma" charset="0"/>
                 <a:ea typeface="Tahoma" charset="0"/>
                 <a:cs typeface="Tahoma" charset="0"/>
@@ -4030,7 +3996,7 @@
               <a:buAutoNum type="arabicPeriod"/>
             </a:pPr>
             <a:r>
-              <a:rPr lang="en-US" dirty="0" smtClean="0">
+              <a:rPr lang="en-US" dirty="0">
                 <a:solidFill>
                   <a:srgbClr val="FF0000"/>
                 </a:solidFill>
@@ -4041,7 +4007,7 @@
               <a:t>writing .</a:t>
             </a:r>
             <a:r>
-              <a:rPr lang="en-US" dirty="0" err="1" smtClean="0">
+              <a:rPr lang="en-US" dirty="0" err="1">
                 <a:solidFill>
                   <a:srgbClr val="FF0000"/>
                 </a:solidFill>
@@ -4052,7 +4018,7 @@
               <a:t>nse</a:t>
             </a:r>
             <a:r>
-              <a:rPr lang="en-US" dirty="0" smtClean="0">
+              <a:rPr lang="en-US" dirty="0">
                 <a:solidFill>
                   <a:srgbClr val="FF0000"/>
                 </a:solidFill>
@@ -4069,7 +4035,7 @@
               <a:buAutoNum type="arabicPeriod"/>
             </a:pPr>
             <a:r>
-              <a:rPr lang="en-US" dirty="0" smtClean="0">
+              <a:rPr lang="en-US" dirty="0">
                 <a:solidFill>
                   <a:srgbClr val="FF0000"/>
                 </a:solidFill>
@@ -4086,7 +4052,7 @@
               <a:buAutoNum type="arabicPeriod"/>
             </a:pPr>
             <a:r>
-              <a:rPr lang="en-US" dirty="0" smtClean="0">
+              <a:rPr lang="en-US" dirty="0">
                 <a:latin typeface="Tahoma" charset="0"/>
                 <a:ea typeface="Tahoma" charset="0"/>
                 <a:cs typeface="Tahoma" charset="0"/>
@@ -4100,7 +4066,7 @@
               <a:buAutoNum type="arabicPeriod"/>
             </a:pPr>
             <a:r>
-              <a:rPr lang="en-US" dirty="0" smtClean="0">
+              <a:rPr lang="en-US" dirty="0">
                 <a:latin typeface="Tahoma" charset="0"/>
                 <a:ea typeface="Tahoma" charset="0"/>
                 <a:cs typeface="Tahoma" charset="0"/>
@@ -4114,7 +4080,7 @@
               <a:buAutoNum type="arabicPeriod"/>
             </a:pPr>
             <a:r>
-              <a:rPr lang="en-US" dirty="0" smtClean="0">
+              <a:rPr lang="en-US" dirty="0">
                 <a:latin typeface="Tahoma" charset="0"/>
                 <a:ea typeface="Tahoma" charset="0"/>
                 <a:cs typeface="Tahoma" charset="0"/>
@@ -4128,7 +4094,7 @@
               <a:buAutoNum type="arabicPeriod"/>
             </a:pPr>
             <a:r>
-              <a:rPr lang="en-US" dirty="0" smtClean="0">
+              <a:rPr lang="en-US" dirty="0">
                 <a:latin typeface="Tahoma" charset="0"/>
                 <a:ea typeface="Tahoma" charset="0"/>
                 <a:cs typeface="Tahoma" charset="0"/>
@@ -4136,7 +4102,7 @@
               <a:t>How to make reduced .</a:t>
             </a:r>
             <a:r>
-              <a:rPr lang="en-US" dirty="0" err="1" smtClean="0">
+              <a:rPr lang="en-US" dirty="0" err="1">
                 <a:latin typeface="Tahoma" charset="0"/>
                 <a:ea typeface="Tahoma" charset="0"/>
                 <a:cs typeface="Tahoma" charset="0"/>
@@ -4144,7 +4110,7 @@
               <a:t>nse</a:t>
             </a:r>
             <a:r>
-              <a:rPr lang="en-US" dirty="0" smtClean="0">
+              <a:rPr lang="en-US" dirty="0">
                 <a:latin typeface="Tahoma" charset="0"/>
                 <a:ea typeface="Tahoma" charset="0"/>
                 <a:cs typeface="Tahoma" charset="0"/>
@@ -4179,7 +4145,7 @@
           <a:lstStyle/>
           <a:p>
             <a:r>
-              <a:rPr lang="en-US" sz="1400" i="1" dirty="0" smtClean="0">
+              <a:rPr lang="en-US" sz="1400" i="1" dirty="0">
                 <a:solidFill>
                   <a:srgbClr val="FF0000"/>
                 </a:solidFill>
@@ -4192,7 +4158,7 @@
           </a:p>
           <a:p>
             <a:r>
-              <a:rPr lang="en-US" sz="1400" i="1" dirty="0" smtClean="0">
+              <a:rPr lang="en-US" sz="1400" i="1" dirty="0">
                 <a:solidFill>
                   <a:srgbClr val="FF0000"/>
                 </a:solidFill>
@@ -4280,13 +4246,6 @@
   <p:clrMapOvr>
     <a:masterClrMapping/>
   </p:clrMapOvr>
-  <p:timing>
-    <p:tnLst>
-      <p:par>
-        <p:cTn id="1" dur="indefinite" restart="never" nodeType="tmRoot"/>
-      </p:par>
-    </p:tnLst>
-  </p:timing>
 </p:sld>
 </file>
 
@@ -4330,14 +4289,14 @@
           <a:lstStyle/>
           <a:p>
             <a:r>
-              <a:rPr lang="en-US" sz="1400" smtClean="0">
+              <a:rPr lang="en-US" sz="1400">
                 <a:latin typeface="Tahoma" charset="0"/>
                 <a:ea typeface="Tahoma" charset="0"/>
                 <a:cs typeface="Tahoma" charset="0"/>
               </a:rPr>
               <a:t>what if we reversed the logic?</a:t>
             </a:r>
-            <a:endParaRPr lang="en-US" sz="1400" dirty="0" smtClean="0">
+            <a:endParaRPr lang="en-US" sz="1400" dirty="0">
               <a:latin typeface="Tahoma" charset="0"/>
               <a:ea typeface="Tahoma" charset="0"/>
               <a:cs typeface="Tahoma" charset="0"/>
@@ -4368,7 +4327,7 @@
           <a:lstStyle/>
           <a:p>
             <a:r>
-              <a:rPr lang="en-US" sz="1400" dirty="0" smtClean="0">
+              <a:rPr lang="en-US" sz="1400" dirty="0">
                 <a:latin typeface="Tahoma" charset="0"/>
                 <a:ea typeface="Tahoma" charset="0"/>
                 <a:cs typeface="Tahoma" charset="0"/>
@@ -4376,7 +4335,7 @@
               <a:t>already done: does </a:t>
             </a:r>
             <a:r>
-              <a:rPr lang="en-US" sz="1400" dirty="0" err="1" smtClean="0">
+              <a:rPr lang="en-US" sz="1400" dirty="0" err="1">
                 <a:latin typeface="Tahoma" charset="0"/>
                 <a:ea typeface="Tahoma" charset="0"/>
                 <a:cs typeface="Tahoma" charset="0"/>
@@ -4384,7 +4343,7 @@
               <a:t>SEdata</a:t>
             </a:r>
             <a:r>
-              <a:rPr lang="en-US" sz="1400" dirty="0" smtClean="0">
+              <a:rPr lang="en-US" sz="1400" dirty="0">
                 <a:latin typeface="Tahoma" charset="0"/>
                 <a:ea typeface="Tahoma" charset="0"/>
                 <a:cs typeface="Tahoma" charset="0"/>
@@ -4392,7 +4351,7 @@
               <a:t> exist in </a:t>
             </a:r>
             <a:r>
-              <a:rPr lang="en-US" sz="1400" dirty="0" err="1" smtClean="0">
+              <a:rPr lang="en-US" sz="1400" dirty="0" err="1">
                 <a:latin typeface="Tahoma" charset="0"/>
                 <a:ea typeface="Tahoma" charset="0"/>
                 <a:cs typeface="Tahoma" charset="0"/>
@@ -4400,7 +4359,7 @@
               <a:t>db</a:t>
             </a:r>
             <a:r>
-              <a:rPr lang="en-US" sz="1400" dirty="0" smtClean="0">
+              <a:rPr lang="en-US" sz="1400" dirty="0">
                 <a:latin typeface="Tahoma" charset="0"/>
                 <a:ea typeface="Tahoma" charset="0"/>
                 <a:cs typeface="Tahoma" charset="0"/>
@@ -4410,7 +4369,7 @@
           </a:p>
           <a:p>
             <a:r>
-              <a:rPr lang="en-US" sz="1400" dirty="0" smtClean="0">
+              <a:rPr lang="en-US" sz="1400" dirty="0">
                 <a:latin typeface="Tahoma" charset="0"/>
                 <a:ea typeface="Tahoma" charset="0"/>
                 <a:cs typeface="Tahoma" charset="0"/>
@@ -4443,7 +4402,7 @@
           <a:lstStyle/>
           <a:p>
             <a:r>
-              <a:rPr lang="en-US" sz="1400" dirty="0" smtClean="0">
+              <a:rPr lang="en-US" sz="1400" dirty="0">
                 <a:latin typeface="Tahoma" charset="0"/>
                 <a:ea typeface="Tahoma" charset="0"/>
                 <a:cs typeface="Tahoma" charset="0"/>
@@ -4453,7 +4412,7 @@
           </a:p>
           <a:p>
             <a:r>
-              <a:rPr lang="en-US" sz="1400" dirty="0" smtClean="0">
+              <a:rPr lang="en-US" sz="1400" dirty="0">
                 <a:latin typeface="Tahoma" charset="0"/>
                 <a:ea typeface="Tahoma" charset="0"/>
                 <a:cs typeface="Tahoma" charset="0"/>
@@ -4461,7 +4420,7 @@
               <a:t>does the </a:t>
             </a:r>
             <a:r>
-              <a:rPr lang="en-US" sz="1400" dirty="0" err="1" smtClean="0">
+              <a:rPr lang="en-US" sz="1400" dirty="0" err="1">
                 <a:latin typeface="Tahoma" charset="0"/>
                 <a:ea typeface="Tahoma" charset="0"/>
                 <a:cs typeface="Tahoma" charset="0"/>
@@ -4469,7 +4428,7 @@
               <a:t>SEparam</a:t>
             </a:r>
             <a:r>
-              <a:rPr lang="en-US" sz="1400" dirty="0" smtClean="0">
+              <a:rPr lang="en-US" sz="1400" dirty="0">
                 <a:latin typeface="Tahoma" charset="0"/>
                 <a:ea typeface="Tahoma" charset="0"/>
                 <a:cs typeface="Tahoma" charset="0"/>
@@ -4479,7 +4438,7 @@
           </a:p>
           <a:p>
             <a:r>
-              <a:rPr lang="en-US" sz="1400" dirty="0" smtClean="0">
+              <a:rPr lang="en-US" sz="1400" dirty="0">
                 <a:latin typeface="Tahoma" charset="0"/>
                 <a:ea typeface="Tahoma" charset="0"/>
                 <a:cs typeface="Tahoma" charset="0"/>
@@ -4494,15 +4453,7 @@
                 <a:ea typeface="Tahoma" charset="0"/>
                 <a:cs typeface="Tahoma" charset="0"/>
               </a:rPr>
-              <a:t>	</a:t>
-            </a:r>
-            <a:r>
-              <a:rPr lang="en-US" sz="1400" dirty="0" smtClean="0">
-                <a:latin typeface="Tahoma" charset="0"/>
-                <a:ea typeface="Tahoma" charset="0"/>
-                <a:cs typeface="Tahoma" charset="0"/>
-              </a:rPr>
-              <a:t>load it or create it</a:t>
+              <a:t>	load it or create it</a:t>
             </a:r>
           </a:p>
         </p:txBody>
@@ -4530,7 +4481,7 @@
           <a:lstStyle/>
           <a:p>
             <a:r>
-              <a:rPr lang="en-US" sz="1400" dirty="0" smtClean="0">
+              <a:rPr lang="en-US" sz="1400" dirty="0">
                 <a:latin typeface="Tahoma" charset="0"/>
                 <a:ea typeface="Tahoma" charset="0"/>
                 <a:cs typeface="Tahoma" charset="0"/>
@@ -4538,14 +4489,14 @@
               <a:t>next: are we </a:t>
             </a:r>
             <a:r>
-              <a:rPr lang="en-US" sz="1400" smtClean="0">
+              <a:rPr lang="en-US" sz="1400">
                 <a:latin typeface="Tahoma" charset="0"/>
                 <a:ea typeface="Tahoma" charset="0"/>
                 <a:cs typeface="Tahoma" charset="0"/>
               </a:rPr>
               <a:t>asking for time interval?</a:t>
             </a:r>
-            <a:endParaRPr lang="en-US" sz="1400" dirty="0" smtClean="0">
+            <a:endParaRPr lang="en-US" sz="1400" dirty="0">
               <a:latin typeface="Tahoma" charset="0"/>
               <a:ea typeface="Tahoma" charset="0"/>
               <a:cs typeface="Tahoma" charset="0"/>
@@ -4553,6 +4504,36 @@
           </a:p>
         </p:txBody>
       </p:sp>
+      <p:pic>
+        <p:nvPicPr>
+          <p:cNvPr id="2" name="Picture 1">
+            <a:extLst>
+              <a:ext uri="{FF2B5EF4-FFF2-40B4-BE49-F238E27FC236}">
+                <a16:creationId xmlns:a16="http://schemas.microsoft.com/office/drawing/2014/main" id="{694BFC05-2715-1941-B8D1-7DDBB28E2D2E}"/>
+              </a:ext>
+            </a:extLst>
+          </p:cNvPr>
+          <p:cNvPicPr>
+            <a:picLocks noChangeAspect="1"/>
+          </p:cNvPicPr>
+          <p:nvPr/>
+        </p:nvPicPr>
+        <p:blipFill>
+          <a:blip r:embed="rId3"/>
+          <a:stretch>
+            <a:fillRect/>
+          </a:stretch>
+        </p:blipFill>
+        <p:spPr>
+          <a:xfrm>
+            <a:off x="0" y="0"/>
+            <a:ext cx="9144000" cy="6858000"/>
+          </a:xfrm>
+          <a:prstGeom prst="rect">
+            <a:avLst/>
+          </a:prstGeom>
+        </p:spPr>
+      </p:pic>
     </p:spTree>
     <p:extLst>
       <p:ext uri="{BB962C8B-B14F-4D97-AF65-F5344CB8AC3E}">
@@ -4607,13 +4588,8 @@
           <a:p>
             <a:r>
               <a:rPr lang="en-US" sz="2400"/>
-              <a:t>How to build long concatenated data “lists</a:t>
-            </a:r>
-            <a:r>
-              <a:rPr lang="en-US" sz="2400" smtClean="0"/>
-              <a:t>”</a:t>
-            </a:r>
-            <a:endParaRPr lang="en-US" sz="2400"/>
+              <a:t>How to build long concatenated data “lists”</a:t>
+            </a:r>
           </a:p>
         </p:txBody>
       </p:sp>
@@ -4640,7 +4616,7 @@
           <a:lstStyle/>
           <a:p>
             <a:r>
-              <a:rPr lang="en-US" sz="1400" dirty="0" err="1" smtClean="0">
+              <a:rPr lang="en-US" sz="1400" dirty="0" err="1">
                 <a:latin typeface="Tahoma" charset="0"/>
                 <a:ea typeface="Tahoma" charset="0"/>
                 <a:cs typeface="Tahoma" charset="0"/>
@@ -4648,26 +4624,13 @@
               <a:t>catfromdatabase_channels</a:t>
             </a:r>
             <a:r>
-              <a:rPr lang="en-US" sz="1400" dirty="0" smtClean="0">
-                <a:latin typeface="Tahoma" charset="0"/>
-                <a:ea typeface="Tahoma" charset="0"/>
-                <a:cs typeface="Tahoma" charset="0"/>
-              </a:rPr>
-              <a:t> ("</a:t>
-            </a:r>
-            <a:r>
               <a:rPr lang="en-US" sz="1400" dirty="0">
                 <a:latin typeface="Tahoma" charset="0"/>
                 <a:ea typeface="Tahoma" charset="0"/>
                 <a:cs typeface="Tahoma" charset="0"/>
               </a:rPr>
-              <a:t>mouse9","2012-05-04_09-50-11","HI_NIP",0, "CAR","runningpower",1)</a:t>
-            </a:r>
-            <a:endParaRPr lang="en-US" sz="1400" dirty="0" smtClean="0">
-              <a:latin typeface="Tahoma" charset="0"/>
-              <a:ea typeface="Tahoma" charset="0"/>
-              <a:cs typeface="Tahoma" charset="0"/>
-            </a:endParaRPr>
+              <a:t> ("mouse9","2012-05-04_09-50-11","HI_NIP",0, "CAR","runningpower",1)</a:t>
+            </a:r>
           </a:p>
         </p:txBody>
       </p:sp>
@@ -4694,7 +4657,7 @@
           <a:lstStyle/>
           <a:p>
             <a:r>
-              <a:rPr lang="en-US" sz="1400" dirty="0" smtClean="0">
+              <a:rPr lang="en-US" sz="1400" dirty="0">
                 <a:latin typeface="Tahoma" charset="0"/>
                 <a:ea typeface="Tahoma" charset="0"/>
                 <a:cs typeface="Tahoma" charset="0"/>
@@ -4813,11 +4776,6 @@
               </a:rPr>
               <a:t>)</a:t>
             </a:r>
-            <a:endParaRPr lang="en-US" sz="1400" dirty="0" smtClean="0">
-              <a:latin typeface="Tahoma" charset="0"/>
-              <a:ea typeface="Tahoma" charset="0"/>
-              <a:cs typeface="Tahoma" charset="0"/>
-            </a:endParaRPr>
           </a:p>
         </p:txBody>
       </p:sp>
@@ -4901,13 +4859,6 @@
   <p:clrMapOvr>
     <a:masterClrMapping/>
   </p:clrMapOvr>
-  <p:timing>
-    <p:tnLst>
-      <p:par>
-        <p:cTn id="1" dur="indefinite" restart="never" nodeType="tmRoot"/>
-      </p:par>
-    </p:tnLst>
-  </p:timing>
 </p:sld>
 </file>
 
@@ -4951,18 +4902,17 @@
           <a:lstStyle/>
           <a:p>
             <a:r>
-              <a:rPr lang="en-US" sz="2400" dirty="0" smtClean="0"/>
+              <a:rPr lang="en-US" sz="2400" dirty="0"/>
               <a:t>8. How to pull “</a:t>
             </a:r>
             <a:r>
-              <a:rPr lang="en-US" sz="2400" dirty="0" err="1" smtClean="0"/>
+              <a:rPr lang="en-US" sz="2400" dirty="0" err="1"/>
               <a:t>snoppets</a:t>
             </a:r>
             <a:r>
-              <a:rPr lang="en-US" sz="2400" dirty="0" smtClean="0"/>
+              <a:rPr lang="en-US" sz="2400" dirty="0"/>
               <a:t>” from database</a:t>
             </a:r>
-            <a:endParaRPr lang="en-US" sz="2400" dirty="0"/>
           </a:p>
         </p:txBody>
       </p:sp>
@@ -4988,7 +4938,7 @@
           <a:lstStyle/>
           <a:p>
             <a:r>
-              <a:rPr lang="en-US" dirty="0" err="1" smtClean="0">
+              <a:rPr lang="en-US" dirty="0" err="1">
                 <a:latin typeface="Tahoma" charset="0"/>
                 <a:ea typeface="Tahoma" charset="0"/>
                 <a:cs typeface="Tahoma" charset="0"/>
@@ -4996,20 +4946,12 @@
               <a:t>getsnoppet</a:t>
             </a:r>
             <a:r>
-              <a:rPr lang="en-US" dirty="0" smtClean="0">
-                <a:latin typeface="Tahoma" charset="0"/>
-                <a:ea typeface="Tahoma" charset="0"/>
-                <a:cs typeface="Tahoma" charset="0"/>
-              </a:rPr>
-              <a:t> (</a:t>
-            </a:r>
-            <a:r>
               <a:rPr lang="en-US" dirty="0">
                 <a:latin typeface="Tahoma" charset="0"/>
                 <a:ea typeface="Tahoma" charset="0"/>
                 <a:cs typeface="Tahoma" charset="0"/>
               </a:rPr>
-              <a:t>18590)</a:t>
+              <a:t> (18590)</a:t>
             </a:r>
           </a:p>
         </p:txBody>
@@ -5024,13 +4966,6 @@
   <p:clrMapOvr>
     <a:masterClrMapping/>
   </p:clrMapOvr>
-  <p:timing>
-    <p:tnLst>
-      <p:par>
-        <p:cTn id="1" dur="indefinite" restart="never" nodeType="tmRoot"/>
-      </p:par>
-    </p:tnLst>
-  </p:timing>
 </p:sld>
 </file>
 
@@ -5073,18 +5008,17 @@
           <a:lstStyle/>
           <a:p>
             <a:r>
-              <a:rPr lang="en-US" dirty="0" smtClean="0"/>
+              <a:rPr lang="en-US" dirty="0"/>
               <a:t> </a:t>
             </a:r>
             <a:r>
-              <a:rPr lang="en-US" dirty="0" err="1" smtClean="0"/>
+              <a:rPr lang="en-US" dirty="0" err="1"/>
               <a:t>makeandsaveresultwave_sessions</a:t>
             </a:r>
             <a:r>
-              <a:rPr lang="en-US" dirty="0" smtClean="0"/>
+              <a:rPr lang="en-US" dirty="0"/>
               <a:t>("mouse7","","HI_NIP","",0,"SD",SD_params)</a:t>
             </a:r>
-            <a:endParaRPr lang="en-US" dirty="0"/>
           </a:p>
         </p:txBody>
       </p:sp>
@@ -5174,11 +5108,6 @@
               </a:rPr>
               <a:t>("mouse9","2012-05-30_13-52-47","HI_NIP1","CAR",1,"SD",SD_params)</a:t>
             </a:r>
-            <a:endParaRPr lang="en-US" sz="1400" dirty="0" smtClean="0">
-              <a:latin typeface="Tahoma" charset="0"/>
-              <a:ea typeface="Tahoma" charset="0"/>
-              <a:cs typeface="Tahoma" charset="0"/>
-            </a:endParaRPr>
           </a:p>
         </p:txBody>
       </p:sp>
@@ -5205,7 +5134,7 @@
           <a:lstStyle/>
           <a:p>
             <a:r>
-              <a:rPr lang="en-US" sz="1400" dirty="0" smtClean="0">
+              <a:rPr lang="en-US" sz="1400" dirty="0">
                 <a:latin typeface="Tahoma" charset="0"/>
                 <a:ea typeface="Tahoma" charset="0"/>
                 <a:cs typeface="Tahoma" charset="0"/>
@@ -5213,7 +5142,7 @@
               <a:t>Make SD and </a:t>
             </a:r>
             <a:r>
-              <a:rPr lang="en-US" sz="1400" dirty="0" err="1" smtClean="0">
+              <a:rPr lang="en-US" sz="1400" dirty="0" err="1">
                 <a:latin typeface="Tahoma" charset="0"/>
                 <a:ea typeface="Tahoma" charset="0"/>
                 <a:cs typeface="Tahoma" charset="0"/>
@@ -5221,7 +5150,7 @@
               <a:t>Avgevent</a:t>
             </a:r>
             <a:r>
-              <a:rPr lang="en-US" sz="1400" dirty="0" smtClean="0">
+              <a:rPr lang="en-US" sz="1400" dirty="0">
                 <a:latin typeface="Tahoma" charset="0"/>
                 <a:ea typeface="Tahoma" charset="0"/>
                 <a:cs typeface="Tahoma" charset="0"/>
@@ -5241,13 +5170,6 @@
   <p:clrMapOvr>
     <a:masterClrMapping/>
   </p:clrMapOvr>
-  <p:timing>
-    <p:tnLst>
-      <p:par>
-        <p:cTn id="1" dur="indefinite" restart="never" nodeType="tmRoot"/>
-      </p:par>
-    </p:tnLst>
-  </p:timing>
 </p:sld>
 </file>
 
@@ -5310,7 +5232,7 @@
           <a:lstStyle/>
           <a:p>
             <a:pPr algn="ctr"/>
-            <a:endParaRPr lang="en-US" dirty="0" smtClean="0">
+            <a:endParaRPr lang="en-US" dirty="0">
               <a:solidFill>
                 <a:schemeClr val="tx1"/>
               </a:solidFill>
@@ -5344,10 +5266,9 @@
           <a:lstStyle/>
           <a:p>
             <a:r>
-              <a:rPr lang="en-US" sz="2400" dirty="0" smtClean="0"/>
+              <a:rPr lang="en-US" sz="2400" dirty="0"/>
               <a:t>High-level analysis schematic</a:t>
             </a:r>
-            <a:endParaRPr lang="en-US" sz="2400" dirty="0"/>
           </a:p>
         </p:txBody>
       </p:sp>
@@ -5394,7 +5315,7 @@
           <a:p>
             <a:pPr algn="ctr"/>
             <a:r>
-              <a:rPr lang="en-US" dirty="0" smtClean="0">
+              <a:rPr lang="en-US" dirty="0">
                 <a:solidFill>
                   <a:schemeClr val="tx1"/>
                 </a:solidFill>
@@ -5405,7 +5326,7 @@
               <a:t>RAW .</a:t>
             </a:r>
             <a:r>
-              <a:rPr lang="en-US" dirty="0" err="1" smtClean="0">
+              <a:rPr lang="en-US" dirty="0" err="1">
                 <a:solidFill>
                   <a:schemeClr val="tx1"/>
                 </a:solidFill>
@@ -5416,7 +5337,7 @@
               <a:t>ncs</a:t>
             </a:r>
             <a:r>
-              <a:rPr lang="en-US" dirty="0" smtClean="0">
+              <a:rPr lang="en-US" dirty="0">
                 <a:solidFill>
                   <a:schemeClr val="tx1"/>
                 </a:solidFill>
@@ -5426,14 +5347,6 @@
               </a:rPr>
               <a:t> files</a:t>
             </a:r>
-            <a:endParaRPr lang="en-US" dirty="0">
-              <a:solidFill>
-                <a:schemeClr val="tx1"/>
-              </a:solidFill>
-              <a:latin typeface="Tahoma" charset="0"/>
-              <a:ea typeface="Tahoma" charset="0"/>
-              <a:cs typeface="Tahoma" charset="0"/>
-            </a:endParaRPr>
           </a:p>
         </p:txBody>
       </p:sp>
@@ -5485,7 +5398,7 @@
           <a:p>
             <a:pPr algn="ctr"/>
             <a:r>
-              <a:rPr lang="en-US" sz="1400" dirty="0" smtClean="0">
+              <a:rPr lang="en-US" sz="1400" dirty="0">
                 <a:solidFill>
                   <a:schemeClr val="tx1"/>
                 </a:solidFill>
@@ -5499,7 +5412,7 @@
           <a:p>
             <a:pPr algn="ctr"/>
             <a:r>
-              <a:rPr lang="en-US" sz="1400" dirty="0" smtClean="0">
+              <a:rPr lang="en-US" sz="1400" dirty="0">
                 <a:solidFill>
                   <a:schemeClr val="tx1"/>
                 </a:solidFill>
@@ -5510,7 +5423,7 @@
               <a:t>(16-bit </a:t>
             </a:r>
             <a:r>
-              <a:rPr lang="en-US" sz="1400" dirty="0" err="1" smtClean="0">
+              <a:rPr lang="en-US" sz="1400" dirty="0" err="1">
                 <a:solidFill>
                   <a:schemeClr val="tx1"/>
                 </a:solidFill>
@@ -5521,7 +5434,7 @@
               <a:t>int</a:t>
             </a:r>
             <a:r>
-              <a:rPr lang="en-US" sz="1400" dirty="0" smtClean="0">
+              <a:rPr lang="en-US" sz="1400" dirty="0">
                 <a:solidFill>
                   <a:schemeClr val="tx1"/>
                 </a:solidFill>
@@ -5581,7 +5494,7 @@
           <a:lstStyle/>
           <a:p>
             <a:r>
-              <a:rPr lang="en-US" sz="1400" smtClean="0">
+              <a:rPr lang="en-US" sz="1400">
                 <a:solidFill>
                   <a:schemeClr val="tx1"/>
                 </a:solidFill>
@@ -5591,7 +5504,7 @@
               </a:rPr>
               <a:t>SDs_noblank</a:t>
             </a:r>
-            <a:endParaRPr lang="en-US" sz="1400" dirty="0" smtClean="0">
+            <a:endParaRPr lang="en-US" sz="1400" dirty="0">
               <a:solidFill>
                 <a:schemeClr val="tx1"/>
               </a:solidFill>
@@ -5650,7 +5563,7 @@
           <a:p>
             <a:pPr algn="ctr"/>
             <a:r>
-              <a:rPr lang="en-US" sz="1400" smtClean="0">
+              <a:rPr lang="en-US" sz="1400">
                 <a:solidFill>
                   <a:schemeClr val="tx1"/>
                 </a:solidFill>
@@ -5660,7 +5573,7 @@
               </a:rPr>
               <a:t>etc</a:t>
             </a:r>
-            <a:endParaRPr lang="en-US" sz="1400" dirty="0" smtClean="0">
+            <a:endParaRPr lang="en-US" sz="1400" dirty="0">
               <a:solidFill>
                 <a:schemeClr val="tx1"/>
               </a:solidFill>
@@ -5719,7 +5632,7 @@
           <a:p>
             <a:pPr algn="ctr"/>
             <a:r>
-              <a:rPr lang="en-US" sz="1400" dirty="0" smtClean="0">
+              <a:rPr lang="en-US" sz="1400" dirty="0">
                 <a:solidFill>
                   <a:schemeClr val="tx1"/>
                 </a:solidFill>
@@ -5730,7 +5643,7 @@
               <a:t>write </a:t>
             </a:r>
             <a:r>
-              <a:rPr lang="en-US" sz="1400" dirty="0" err="1" smtClean="0">
+              <a:rPr lang="en-US" sz="1400" dirty="0" err="1">
                 <a:solidFill>
                   <a:schemeClr val="tx1"/>
                 </a:solidFill>
@@ -5741,7 +5654,7 @@
               <a:t>nse</a:t>
             </a:r>
             <a:r>
-              <a:rPr lang="en-US" sz="1400" dirty="0" smtClean="0">
+              <a:rPr lang="en-US" sz="1400" dirty="0">
                 <a:solidFill>
                   <a:schemeClr val="tx1"/>
                 </a:solidFill>
@@ -5777,18 +5690,13 @@
           <a:lstStyle/>
           <a:p>
             <a:r>
-              <a:rPr lang="en-US" sz="1400" dirty="0" smtClean="0">
+              <a:rPr lang="en-US" sz="1400" dirty="0">
                 <a:latin typeface="Tahoma" charset="0"/>
                 <a:ea typeface="Tahoma" charset="0"/>
                 <a:cs typeface="Tahoma" charset="0"/>
               </a:rPr>
               <a:t>additional process</a:t>
             </a:r>
-            <a:endParaRPr lang="en-US" sz="1400" dirty="0">
-              <a:latin typeface="Tahoma" charset="0"/>
-              <a:ea typeface="Tahoma" charset="0"/>
-              <a:cs typeface="Tahoma" charset="0"/>
-            </a:endParaRPr>
           </a:p>
         </p:txBody>
       </p:sp>
@@ -5844,7 +5752,7 @@
           <a:lstStyle/>
           <a:p>
             <a:pPr algn="ctr"/>
-            <a:endParaRPr lang="en-US" dirty="0" smtClean="0">
+            <a:endParaRPr lang="en-US" dirty="0">
               <a:solidFill>
                 <a:schemeClr val="tx1"/>
               </a:solidFill>
@@ -5903,7 +5811,7 @@
           <a:p>
             <a:pPr algn="ctr"/>
             <a:r>
-              <a:rPr lang="en-US" sz="1400" dirty="0" smtClean="0">
+              <a:rPr lang="en-US" sz="1400" dirty="0">
                 <a:solidFill>
                   <a:schemeClr val="tx1"/>
                 </a:solidFill>
@@ -5913,19 +5821,11 @@
               </a:rPr>
               <a:t>other references</a:t>
             </a:r>
-            <a:endParaRPr lang="en-US" sz="1400" dirty="0">
-              <a:solidFill>
-                <a:schemeClr val="tx1"/>
-              </a:solidFill>
-              <a:latin typeface="Tahoma" charset="0"/>
-              <a:ea typeface="Tahoma" charset="0"/>
-              <a:cs typeface="Tahoma" charset="0"/>
-            </a:endParaRPr>
           </a:p>
           <a:p>
             <a:pPr algn="ctr"/>
             <a:r>
-              <a:rPr lang="en-US" sz="1400" dirty="0" smtClean="0">
+              <a:rPr lang="en-US" sz="1400" dirty="0">
                 <a:solidFill>
                   <a:schemeClr val="tx1"/>
                 </a:solidFill>
@@ -5988,7 +5888,7 @@
           <a:p>
             <a:pPr algn="ctr"/>
             <a:r>
-              <a:rPr lang="en-US" sz="1400" dirty="0" smtClean="0">
+              <a:rPr lang="en-US" sz="1400" dirty="0">
                 <a:solidFill>
                   <a:schemeClr val="tx1"/>
                 </a:solidFill>
@@ -6048,7 +5948,7 @@
           <a:lstStyle/>
           <a:p>
             <a:r>
-              <a:rPr lang="en-US" sz="1400" dirty="0" smtClean="0">
+              <a:rPr lang="en-US" sz="1400" dirty="0">
                 <a:solidFill>
                   <a:schemeClr val="tx1"/>
                 </a:solidFill>
@@ -6108,7 +6008,7 @@
           <a:lstStyle/>
           <a:p>
             <a:r>
-              <a:rPr lang="en-US" sz="1400" dirty="0" smtClean="0">
+              <a:rPr lang="en-US" sz="1400" dirty="0">
                 <a:solidFill>
                   <a:schemeClr val="tx1"/>
                 </a:solidFill>
@@ -6168,7 +6068,7 @@
           <a:lstStyle/>
           <a:p>
             <a:r>
-              <a:rPr lang="en-US" sz="1400" dirty="0" err="1" smtClean="0">
+              <a:rPr lang="en-US" sz="1400" dirty="0" err="1">
                 <a:solidFill>
                   <a:schemeClr val="tx1"/>
                 </a:solidFill>
@@ -6178,7 +6078,7 @@
               </a:rPr>
               <a:t>PSD_grand</a:t>
             </a:r>
-            <a:endParaRPr lang="en-US" sz="1400" dirty="0" smtClean="0">
+            <a:endParaRPr lang="en-US" sz="1400" dirty="0">
               <a:solidFill>
                 <a:schemeClr val="tx1"/>
               </a:solidFill>
@@ -6236,7 +6136,7 @@
           <a:lstStyle/>
           <a:p>
             <a:r>
-              <a:rPr lang="en-US" sz="1400" dirty="0" err="1" smtClean="0">
+              <a:rPr lang="en-US" sz="1400" dirty="0" err="1">
                 <a:solidFill>
                   <a:schemeClr val="tx1"/>
                 </a:solidFill>
@@ -6246,7 +6146,7 @@
               </a:rPr>
               <a:t>runningpower</a:t>
             </a:r>
-            <a:endParaRPr lang="en-US" sz="1400" dirty="0" smtClean="0">
+            <a:endParaRPr lang="en-US" sz="1400" dirty="0">
               <a:solidFill>
                 <a:schemeClr val="tx1"/>
               </a:solidFill>
@@ -6304,7 +6204,7 @@
           <a:lstStyle/>
           <a:p>
             <a:r>
-              <a:rPr lang="en-US" sz="1400" smtClean="0">
+              <a:rPr lang="en-US" sz="1400">
                 <a:solidFill>
                   <a:schemeClr val="tx1"/>
                 </a:solidFill>
@@ -6314,7 +6214,7 @@
               </a:rPr>
               <a:t>SDs_noblank</a:t>
             </a:r>
-            <a:endParaRPr lang="en-US" sz="1400" dirty="0" smtClean="0">
+            <a:endParaRPr lang="en-US" sz="1400" dirty="0">
               <a:solidFill>
                 <a:schemeClr val="tx1"/>
               </a:solidFill>
@@ -6372,7 +6272,7 @@
           <a:lstStyle/>
           <a:p>
             <a:r>
-              <a:rPr lang="en-US" sz="1400" dirty="0" err="1" smtClean="0">
+              <a:rPr lang="en-US" sz="1400" dirty="0" err="1">
                 <a:solidFill>
                   <a:schemeClr val="tx1"/>
                 </a:solidFill>
@@ -6383,7 +6283,7 @@
               <a:t>SEdata</a:t>
             </a:r>
             <a:r>
-              <a:rPr lang="en-US" sz="1400" dirty="0" smtClean="0">
+              <a:rPr lang="en-US" sz="1400" dirty="0">
                 <a:solidFill>
                   <a:schemeClr val="tx1"/>
                 </a:solidFill>
@@ -6443,7 +6343,7 @@
           <a:lstStyle/>
           <a:p>
             <a:r>
-              <a:rPr lang="en-US" sz="1400" dirty="0" smtClean="0">
+              <a:rPr lang="en-US" sz="1400" dirty="0">
                 <a:solidFill>
                   <a:schemeClr val="tx1"/>
                 </a:solidFill>
@@ -6503,7 +6403,7 @@
           <a:lstStyle/>
           <a:p>
             <a:r>
-              <a:rPr lang="en-US" sz="1400" dirty="0" smtClean="0">
+              <a:rPr lang="en-US" sz="1400" dirty="0">
                 <a:solidFill>
                   <a:schemeClr val="tx1"/>
                 </a:solidFill>
@@ -6563,7 +6463,7 @@
           <a:lstStyle/>
           <a:p>
             <a:r>
-              <a:rPr lang="en-US" sz="1400" dirty="0" err="1" smtClean="0">
+              <a:rPr lang="en-US" sz="1400" dirty="0" err="1">
                 <a:solidFill>
                   <a:schemeClr val="tx1"/>
                 </a:solidFill>
@@ -6573,7 +6473,7 @@
               </a:rPr>
               <a:t>PSD_grand</a:t>
             </a:r>
-            <a:endParaRPr lang="en-US" sz="1400" dirty="0" smtClean="0">
+            <a:endParaRPr lang="en-US" sz="1400" dirty="0">
               <a:solidFill>
                 <a:schemeClr val="tx1"/>
               </a:solidFill>
@@ -6631,7 +6531,7 @@
           <a:lstStyle/>
           <a:p>
             <a:r>
-              <a:rPr lang="en-US" sz="1400" dirty="0" err="1" smtClean="0">
+              <a:rPr lang="en-US" sz="1400" dirty="0" err="1">
                 <a:solidFill>
                   <a:schemeClr val="tx1"/>
                 </a:solidFill>
@@ -6641,7 +6541,7 @@
               </a:rPr>
               <a:t>runningpower</a:t>
             </a:r>
-            <a:endParaRPr lang="en-US" sz="1400" dirty="0" smtClean="0">
+            <a:endParaRPr lang="en-US" sz="1400" dirty="0">
               <a:solidFill>
                 <a:schemeClr val="tx1"/>
               </a:solidFill>
@@ -6675,7 +6575,7 @@
           <a:lstStyle/>
           <a:p>
             <a:r>
-              <a:rPr lang="en-US" sz="1400" dirty="0" smtClean="0">
+              <a:rPr lang="en-US" sz="1400" dirty="0">
                 <a:latin typeface="Tahoma" charset="0"/>
                 <a:ea typeface="Tahoma" charset="0"/>
                 <a:cs typeface="Tahoma" charset="0"/>
@@ -6727,7 +6627,7 @@
           <a:lstStyle/>
           <a:p>
             <a:pPr algn="ctr"/>
-            <a:endParaRPr lang="en-US" dirty="0" smtClean="0">
+            <a:endParaRPr lang="en-US" dirty="0">
               <a:solidFill>
                 <a:schemeClr val="tx1"/>
               </a:solidFill>
@@ -7095,7 +6995,7 @@
           </a:lstStyle>
           <a:p>
             <a:r>
-              <a:rPr lang="en-US" sz="1800" i="1" smtClean="0">
+              <a:rPr lang="en-US" sz="1800" i="1">
                 <a:solidFill>
                   <a:srgbClr val="7030A0"/>
                 </a:solidFill>
@@ -7152,7 +7052,7 @@
           <a:lstStyle/>
           <a:p>
             <a:pPr algn="ctr"/>
-            <a:endParaRPr lang="en-US" dirty="0" smtClean="0">
+            <a:endParaRPr lang="en-US" dirty="0">
               <a:solidFill>
                 <a:schemeClr val="tx1"/>
               </a:solidFill>
@@ -7205,7 +7105,7 @@
           </a:lstStyle>
           <a:p>
             <a:r>
-              <a:rPr lang="en-US" sz="1800" i="1" dirty="0" smtClean="0">
+              <a:rPr lang="en-US" sz="1800" i="1" dirty="0">
                 <a:solidFill>
                   <a:srgbClr val="00B050"/>
                 </a:solidFill>
@@ -7213,7 +7113,7 @@
               <a:t>Batch preprocessing </a:t>
             </a:r>
             <a:r>
-              <a:rPr lang="en-US" sz="1800" i="1" smtClean="0">
+              <a:rPr lang="en-US" sz="1800" i="1">
                 <a:solidFill>
                   <a:srgbClr val="00B050"/>
                 </a:solidFill>
@@ -7275,7 +7175,7 @@
           <a:lstStyle/>
           <a:p>
             <a:r>
-              <a:rPr lang="en-US" sz="1400" dirty="0" err="1" smtClean="0">
+              <a:rPr lang="en-US" sz="1400" dirty="0" err="1">
                 <a:solidFill>
                   <a:schemeClr val="tx1"/>
                 </a:solidFill>
@@ -7286,7 +7186,7 @@
               <a:t>SEdata</a:t>
             </a:r>
             <a:r>
-              <a:rPr lang="en-US" sz="1400" dirty="0" smtClean="0">
+              <a:rPr lang="en-US" sz="1400" dirty="0">
                 <a:solidFill>
                   <a:schemeClr val="tx1"/>
                 </a:solidFill>
@@ -7346,7 +7246,7 @@
           <a:lstStyle/>
           <a:p>
             <a:r>
-              <a:rPr lang="en-US" sz="1400" dirty="0" err="1" smtClean="0">
+              <a:rPr lang="en-US" sz="1400" dirty="0" err="1">
                 <a:solidFill>
                   <a:schemeClr val="tx1"/>
                 </a:solidFill>
@@ -7357,7 +7257,7 @@
               <a:t>SEdata</a:t>
             </a:r>
             <a:r>
-              <a:rPr lang="en-US" sz="1400" dirty="0" smtClean="0">
+              <a:rPr lang="en-US" sz="1400" dirty="0">
                 <a:solidFill>
                   <a:schemeClr val="tx1"/>
                 </a:solidFill>
@@ -7417,7 +7317,7 @@
           <a:lstStyle/>
           <a:p>
             <a:r>
-              <a:rPr lang="en-US" sz="1400" dirty="0" err="1" smtClean="0">
+              <a:rPr lang="en-US" sz="1400" dirty="0" err="1">
                 <a:solidFill>
                   <a:schemeClr val="tx1"/>
                 </a:solidFill>
@@ -7428,7 +7328,7 @@
               <a:t>SEdata</a:t>
             </a:r>
             <a:r>
-              <a:rPr lang="en-US" sz="1400" dirty="0" smtClean="0">
+              <a:rPr lang="en-US" sz="1400" dirty="0">
                 <a:solidFill>
                   <a:schemeClr val="tx1"/>
                 </a:solidFill>
@@ -7466,7 +7366,7 @@
           <a:lstStyle/>
           <a:p>
             <a:r>
-              <a:rPr lang="en-US" sz="1400" i="1" smtClean="0">
+              <a:rPr lang="en-US" sz="1400" i="1">
                 <a:solidFill>
                   <a:srgbClr val="FF0000"/>
                 </a:solidFill>
@@ -7477,7 +7377,7 @@
               <a:t>current work point: stage 2 </a:t>
             </a:r>
             <a:r>
-              <a:rPr lang="en-US" sz="1400" i="1" dirty="0" smtClean="0">
+              <a:rPr lang="en-US" sz="1400" i="1" dirty="0">
                 <a:solidFill>
                   <a:srgbClr val="FF0000"/>
                 </a:solidFill>
@@ -7490,7 +7390,7 @@
           </a:p>
           <a:p>
             <a:r>
-              <a:rPr lang="en-US" sz="1400" i="1" dirty="0" smtClean="0">
+              <a:rPr lang="en-US" sz="1400" i="1" dirty="0">
                 <a:solidFill>
                   <a:srgbClr val="FF0000"/>
                 </a:solidFill>
@@ -7526,7 +7426,7 @@
           <a:lstStyle/>
           <a:p>
             <a:r>
-              <a:rPr lang="en-US" sz="1000" i="1" dirty="0" smtClean="0">
+              <a:rPr lang="en-US" sz="1000" i="1" dirty="0">
                 <a:solidFill>
                   <a:srgbClr val="FF0000"/>
                 </a:solidFill>
@@ -7562,7 +7462,7 @@
           <a:lstStyle/>
           <a:p>
             <a:r>
-              <a:rPr lang="en-US" sz="1000" i="1" dirty="0" smtClean="0">
+              <a:rPr lang="en-US" sz="1000" i="1" dirty="0">
                 <a:solidFill>
                   <a:srgbClr val="FF0000"/>
                 </a:solidFill>
@@ -7619,7 +7519,7 @@
           <a:lstStyle/>
           <a:p>
             <a:pPr algn="ctr"/>
-            <a:endParaRPr lang="en-US" dirty="0" smtClean="0">
+            <a:endParaRPr lang="en-US" dirty="0">
               <a:solidFill>
                 <a:schemeClr val="tx1"/>
               </a:solidFill>
@@ -7674,7 +7574,7 @@
           <a:lstStyle/>
           <a:p>
             <a:pPr algn="ctr"/>
-            <a:endParaRPr lang="en-US" dirty="0" smtClean="0">
+            <a:endParaRPr lang="en-US" dirty="0">
               <a:solidFill>
                 <a:schemeClr val="tx1"/>
               </a:solidFill>
@@ -7708,7 +7608,7 @@
           <a:lstStyle/>
           <a:p>
             <a:r>
-              <a:rPr lang="en-US" sz="1000" dirty="0" smtClean="0">
+              <a:rPr lang="en-US" sz="1000" dirty="0">
                 <a:solidFill>
                   <a:srgbClr val="FBE5D6"/>
                 </a:solidFill>
@@ -7721,7 +7621,7 @@
           </a:p>
           <a:p>
             <a:r>
-              <a:rPr lang="en-US" sz="1000" dirty="0" smtClean="0">
+              <a:rPr lang="en-US" sz="1000" dirty="0">
                 <a:solidFill>
                   <a:srgbClr val="FBE5D6"/>
                 </a:solidFill>
@@ -7734,7 +7634,7 @@
           </a:p>
           <a:p>
             <a:r>
-              <a:rPr lang="en-US" sz="1000" dirty="0" smtClean="0">
+              <a:rPr lang="en-US" sz="1000" dirty="0">
                 <a:solidFill>
                   <a:srgbClr val="FBE5D6"/>
                 </a:solidFill>
@@ -7757,13 +7657,6 @@
   <p:clrMapOvr>
     <a:masterClrMapping/>
   </p:clrMapOvr>
-  <p:timing>
-    <p:tnLst>
-      <p:par>
-        <p:cTn id="1" dur="indefinite" restart="never" nodeType="tmRoot"/>
-      </p:par>
-    </p:tnLst>
-  </p:timing>
 </p:sld>
 </file>
 
@@ -7807,14 +7700,13 @@
           <a:lstStyle/>
           <a:p>
             <a:r>
-              <a:rPr lang="en-US" dirty="0" smtClean="0"/>
+              <a:rPr lang="en-US" dirty="0"/>
               <a:t>Basic </a:t>
             </a:r>
             <a:r>
-              <a:rPr lang="en-US" smtClean="0"/>
+              <a:rPr lang="en-US"/>
               <a:t>database structure</a:t>
             </a:r>
-            <a:endParaRPr lang="en-US"/>
           </a:p>
         </p:txBody>
       </p:sp>
@@ -7857,13 +7749,6 @@
   <p:clrMapOvr>
     <a:masterClrMapping/>
   </p:clrMapOvr>
-  <p:timing>
-    <p:tnLst>
-      <p:par>
-        <p:cTn id="1" dur="indefinite" restart="never" nodeType="tmRoot"/>
-      </p:par>
-    </p:tnLst>
-  </p:timing>
 </p:sld>
 </file>
 
@@ -7907,18 +7792,13 @@
           <a:lstStyle/>
           <a:p>
             <a:r>
-              <a:rPr lang="en-US" dirty="0" smtClean="0">
+              <a:rPr lang="en-US" dirty="0">
                 <a:solidFill>
                   <a:srgbClr val="7030A0"/>
                 </a:solidFill>
               </a:rPr>
               <a:t>Batch preprocessing stage 1</a:t>
             </a:r>
-            <a:endParaRPr lang="en-US" dirty="0">
-              <a:solidFill>
-                <a:srgbClr val="7030A0"/>
-              </a:solidFill>
-            </a:endParaRPr>
           </a:p>
         </p:txBody>
       </p:sp>
@@ -8045,18 +7925,10 @@
                 <a:ea typeface="Tahoma" charset="0"/>
                 <a:cs typeface="Tahoma" charset="0"/>
               </a:rPr>
-              <a:t>], </a:t>
-            </a:r>
-            <a:r>
-              <a:rPr lang="en-US" sz="800" dirty="0" smtClean="0">
-                <a:latin typeface="Tahoma" charset="0"/>
-                <a:ea typeface="Tahoma" charset="0"/>
-                <a:cs typeface="Tahoma" charset="0"/>
-              </a:rPr>
-              <a:t>stage1extended, </a:t>
-            </a:r>
-            <a:r>
-              <a:rPr lang="en-US" sz="800" dirty="0" err="1" smtClean="0">
+              <a:t>], stage1extended, </a:t>
+            </a:r>
+            <a:r>
+              <a:rPr lang="en-US" sz="800" dirty="0" err="1">
                 <a:latin typeface="Tahoma" charset="0"/>
                 <a:ea typeface="Tahoma" charset="0"/>
                 <a:cs typeface="Tahoma" charset="0"/>
@@ -8064,20 +7936,12 @@
               <a:t>deletionswave</a:t>
             </a:r>
             <a:r>
-              <a:rPr lang="en-US" sz="800" dirty="0" smtClean="0">
-                <a:latin typeface="Tahoma" charset="0"/>
-                <a:ea typeface="Tahoma" charset="0"/>
-                <a:cs typeface="Tahoma" charset="0"/>
-              </a:rPr>
-              <a:t>=deletions</a:t>
-            </a:r>
-            <a:r>
               <a:rPr lang="en-US" sz="800" dirty="0">
                 <a:latin typeface="Tahoma" charset="0"/>
                 <a:ea typeface="Tahoma" charset="0"/>
                 <a:cs typeface="Tahoma" charset="0"/>
               </a:rPr>
-              <a:t>, </a:t>
+              <a:t>=deletions, </a:t>
             </a:r>
             <a:r>
               <a:rPr lang="en-US" sz="800" dirty="0" err="1">
@@ -8137,7 +8001,7 @@
           <a:lstStyle/>
           <a:p>
             <a:r>
-              <a:rPr lang="en-US" sz="1400" dirty="0" smtClean="0">
+              <a:rPr lang="en-US" sz="1400" dirty="0">
                 <a:latin typeface="Tahoma" charset="0"/>
                 <a:ea typeface="Tahoma" charset="0"/>
                 <a:cs typeface="Tahoma" charset="0"/>
@@ -8170,7 +8034,7 @@
           <a:lstStyle/>
           <a:p>
             <a:r>
-              <a:rPr lang="en-US" sz="1400" dirty="0" smtClean="0">
+              <a:rPr lang="en-US" sz="1400" dirty="0">
                 <a:latin typeface="Tahoma" charset="0"/>
                 <a:ea typeface="Tahoma" charset="0"/>
                 <a:cs typeface="Tahoma" charset="0"/>
@@ -8202,7 +8066,7 @@
           <a:lstStyle/>
           <a:p>
             <a:r>
-              <a:rPr lang="en-US" sz="800" dirty="0" smtClean="0">
+              <a:rPr lang="en-US" sz="800" dirty="0">
                 <a:latin typeface="Tahoma" charset="0"/>
                 <a:ea typeface="Tahoma" charset="0"/>
                 <a:cs typeface="Tahoma" charset="0"/>
@@ -8210,7 +8074,7 @@
               <a:t>loadNL_GC2(</a:t>
             </a:r>
             <a:r>
-              <a:rPr lang="en-US" sz="800" dirty="0" err="1" smtClean="0">
+              <a:rPr lang="en-US" sz="800" dirty="0" err="1">
                 <a:latin typeface="Tahoma" charset="0"/>
                 <a:ea typeface="Tahoma" charset="0"/>
                 <a:cs typeface="Tahoma" charset="0"/>
@@ -8218,20 +8082,12 @@
               <a:t>inputpathstring,channelmatchstring,maxpointstoload</a:t>
             </a:r>
             <a:r>
-              <a:rPr lang="en-US" sz="800" dirty="0" smtClean="0">
-                <a:latin typeface="Tahoma" charset="0"/>
-                <a:ea typeface="Tahoma" charset="0"/>
-                <a:cs typeface="Tahoma" charset="0"/>
-              </a:rPr>
-              <a:t>=30000000</a:t>
-            </a:r>
-            <a:r>
               <a:rPr lang="en-US" sz="800" dirty="0">
                 <a:latin typeface="Tahoma" charset="0"/>
                 <a:ea typeface="Tahoma" charset="0"/>
                 <a:cs typeface="Tahoma" charset="0"/>
               </a:rPr>
-              <a:t>)</a:t>
+              <a:t>=30000000)</a:t>
             </a:r>
           </a:p>
         </p:txBody>
@@ -8258,7 +8114,7 @@
           <a:lstStyle/>
           <a:p>
             <a:r>
-              <a:rPr lang="en-US" sz="800" dirty="0" err="1" smtClean="0">
+              <a:rPr lang="en-US" sz="800" dirty="0" err="1">
                 <a:latin typeface="Tahoma" charset="0"/>
                 <a:ea typeface="Tahoma" charset="0"/>
                 <a:cs typeface="Tahoma" charset="0"/>
@@ -8266,7 +8122,7 @@
               <a:t>testandaveragematches</a:t>
             </a:r>
             <a:r>
-              <a:rPr lang="en-US" sz="800" dirty="0" smtClean="0">
+              <a:rPr lang="en-US" sz="800" dirty="0">
                 <a:latin typeface="Tahoma" charset="0"/>
                 <a:ea typeface="Tahoma" charset="0"/>
                 <a:cs typeface="Tahoma" charset="0"/>
@@ -8274,7 +8130,7 @@
               <a:t>(</a:t>
             </a:r>
             <a:r>
-              <a:rPr lang="en-US" sz="800" dirty="0" err="1" smtClean="0">
+              <a:rPr lang="en-US" sz="800" dirty="0" err="1">
                 <a:latin typeface="Tahoma" charset="0"/>
                 <a:ea typeface="Tahoma" charset="0"/>
                 <a:cs typeface="Tahoma" charset="0"/>
@@ -8314,7 +8170,7 @@
           <a:lstStyle/>
           <a:p>
             <a:r>
-              <a:rPr lang="en-US" sz="800" dirty="0" err="1" smtClean="0">
+              <a:rPr lang="en-US" sz="800" dirty="0" err="1">
                 <a:latin typeface="Tahoma" charset="0"/>
                 <a:ea typeface="Tahoma" charset="0"/>
                 <a:cs typeface="Tahoma" charset="0"/>
@@ -8322,20 +8178,12 @@
               <a:t>refstatus</a:t>
             </a:r>
             <a:r>
-              <a:rPr lang="en-US" sz="800" dirty="0" smtClean="0">
-                <a:latin typeface="Tahoma" charset="0"/>
-                <a:ea typeface="Tahoma" charset="0"/>
-                <a:cs typeface="Tahoma" charset="0"/>
-              </a:rPr>
-              <a:t> </a:t>
-            </a:r>
-            <a:r>
               <a:rPr lang="en-US" sz="800" dirty="0">
                 <a:latin typeface="Tahoma" charset="0"/>
                 <a:ea typeface="Tahoma" charset="0"/>
                 <a:cs typeface="Tahoma" charset="0"/>
               </a:rPr>
-              <a:t>= </a:t>
+              <a:t> = </a:t>
             </a:r>
             <a:r>
               <a:rPr lang="en-US" sz="800" dirty="0" err="1">
@@ -8436,20 +8284,12 @@
           </a:p>
           <a:p>
             <a:r>
-              <a:rPr lang="en-US" sz="800" dirty="0" smtClean="0">
-                <a:latin typeface="Tahoma" charset="0"/>
-                <a:ea typeface="Tahoma" charset="0"/>
-                <a:cs typeface="Tahoma" charset="0"/>
-              </a:rPr>
-              <a:t>WAVE </a:t>
-            </a:r>
-            <a:r>
               <a:rPr lang="en-US" sz="800" dirty="0">
                 <a:latin typeface="Tahoma" charset="0"/>
                 <a:ea typeface="Tahoma" charset="0"/>
                 <a:cs typeface="Tahoma" charset="0"/>
               </a:rPr>
-              <a:t>SDs_RAW_3SD = $(</a:t>
+              <a:t>WAVE SDs_RAW_3SD = $(</a:t>
             </a:r>
             <a:r>
               <a:rPr lang="en-US" sz="800" dirty="0" err="1">
@@ -8486,20 +8326,12 @@
           </a:p>
           <a:p>
             <a:r>
-              <a:rPr lang="en-US" sz="800" dirty="0" smtClean="0">
-                <a:latin typeface="Tahoma" charset="0"/>
-                <a:ea typeface="Tahoma" charset="0"/>
-                <a:cs typeface="Tahoma" charset="0"/>
-              </a:rPr>
-              <a:t>WAVE </a:t>
-            </a:r>
-            <a:r>
               <a:rPr lang="en-US" sz="800" dirty="0">
                 <a:latin typeface="Tahoma" charset="0"/>
                 <a:ea typeface="Tahoma" charset="0"/>
                 <a:cs typeface="Tahoma" charset="0"/>
               </a:rPr>
-              <a:t>SDs_RAW_4SD = $(</a:t>
+              <a:t>WAVE SDs_RAW_4SD = $(</a:t>
             </a:r>
             <a:r>
               <a:rPr lang="en-US" sz="800" dirty="0" err="1">
@@ -8558,7 +8390,7 @@
           <a:lstStyle/>
           <a:p>
             <a:r>
-              <a:rPr lang="de-DE" sz="800" smtClean="0">
+              <a:rPr lang="de-DE" sz="800">
                 <a:latin typeface="Tahoma" charset="0"/>
                 <a:ea typeface="Tahoma" charset="0"/>
                 <a:cs typeface="Tahoma" charset="0"/>
@@ -8566,20 +8398,12 @@
               <a:t>makeallPSDs</a:t>
             </a:r>
             <a:r>
-              <a:rPr lang="de-DE" sz="800" dirty="0" smtClean="0">
-                <a:latin typeface="Tahoma" charset="0"/>
-                <a:ea typeface="Tahoma" charset="0"/>
-                <a:cs typeface="Tahoma" charset="0"/>
-              </a:rPr>
-              <a:t>(channelprefix,16</a:t>
-            </a:r>
-            <a:r>
               <a:rPr lang="de-DE" sz="800" dirty="0">
                 <a:latin typeface="Tahoma" charset="0"/>
                 <a:ea typeface="Tahoma" charset="0"/>
                 <a:cs typeface="Tahoma" charset="0"/>
               </a:rPr>
-              <a:t>,"_psd",12000, 95,10*32000,"Welch", 0)</a:t>
+              <a:t>(channelprefix,16,"_psd",12000, 95,10*32000,"Welch", 0)</a:t>
             </a:r>
           </a:p>
         </p:txBody>
@@ -8606,7 +8430,7 @@
           <a:lstStyle/>
           <a:p>
             <a:r>
-              <a:rPr lang="de-DE" sz="800" dirty="0" err="1" smtClean="0">
+              <a:rPr lang="de-DE" sz="800" dirty="0" err="1">
                 <a:latin typeface="Tahoma" charset="0"/>
                 <a:ea typeface="Tahoma" charset="0"/>
                 <a:cs typeface="Tahoma" charset="0"/>
@@ -8614,7 +8438,7 @@
               <a:t>makeallrunningpower</a:t>
             </a:r>
             <a:r>
-              <a:rPr lang="de-DE" sz="800" dirty="0" smtClean="0">
+              <a:rPr lang="de-DE" sz="800" dirty="0">
                 <a:latin typeface="Tahoma" charset="0"/>
                 <a:ea typeface="Tahoma" charset="0"/>
                 <a:cs typeface="Tahoma" charset="0"/>
@@ -8622,7 +8446,7 @@
               <a:t>(</a:t>
             </a:r>
             <a:r>
-              <a:rPr lang="de-DE" sz="800" dirty="0" err="1" smtClean="0">
+              <a:rPr lang="de-DE" sz="800" dirty="0" err="1">
                 <a:latin typeface="Tahoma" charset="0"/>
                 <a:ea typeface="Tahoma" charset="0"/>
                 <a:cs typeface="Tahoma" charset="0"/>
@@ -8669,11 +8493,6 @@
               </a:rPr>
               <a:t>", 0)</a:t>
             </a:r>
-            <a:endParaRPr lang="de-DE" sz="800" dirty="0" smtClean="0">
-              <a:latin typeface="Tahoma" charset="0"/>
-              <a:ea typeface="Tahoma" charset="0"/>
-              <a:cs typeface="Tahoma" charset="0"/>
-            </a:endParaRPr>
           </a:p>
         </p:txBody>
       </p:sp>
@@ -8700,7 +8519,7 @@
           <a:lstStyle/>
           <a:p>
             <a:r>
-              <a:rPr lang="en-US" sz="1200" dirty="0" smtClean="0">
+              <a:rPr lang="en-US" sz="1200" dirty="0">
                 <a:latin typeface="Tahoma" charset="0"/>
                 <a:ea typeface="Tahoma" charset="0"/>
                 <a:cs typeface="Tahoma" charset="0"/>
@@ -8710,7 +8529,7 @@
           </a:p>
           <a:p>
             <a:r>
-              <a:rPr lang="en-US" sz="1200" dirty="0" smtClean="0">
+              <a:rPr lang="en-US" sz="1200" dirty="0">
                 <a:latin typeface="Tahoma" charset="0"/>
                 <a:ea typeface="Tahoma" charset="0"/>
                 <a:cs typeface="Tahoma" charset="0"/>
@@ -8720,7 +8539,7 @@
           </a:p>
           <a:p>
             <a:r>
-              <a:rPr lang="en-US" sz="1200" dirty="0" smtClean="0">
+              <a:rPr lang="en-US" sz="1200" dirty="0">
                 <a:latin typeface="Tahoma" charset="0"/>
                 <a:ea typeface="Tahoma" charset="0"/>
                 <a:cs typeface="Tahoma" charset="0"/>
@@ -8753,7 +8572,7 @@
           <a:lstStyle/>
           <a:p>
             <a:r>
-              <a:rPr lang="en-US" sz="1200" i="1" dirty="0" smtClean="0">
+              <a:rPr lang="en-US" sz="1200" i="1" dirty="0">
                 <a:solidFill>
                   <a:srgbClr val="FF0000"/>
                 </a:solidFill>
@@ -8764,7 +8583,7 @@
               <a:t>these functions are run from </a:t>
             </a:r>
             <a:r>
-              <a:rPr lang="en-US" sz="1200" i="1" dirty="0" err="1" smtClean="0">
+              <a:rPr lang="en-US" sz="1200" i="1" dirty="0" err="1">
                 <a:solidFill>
                   <a:srgbClr val="FF0000"/>
                 </a:solidFill>
@@ -8775,7 +8594,7 @@
               <a:t>Neuralynx-preprocessor.pxp</a:t>
             </a:r>
             <a:r>
-              <a:rPr lang="en-US" sz="1200" i="1" dirty="0" smtClean="0">
+              <a:rPr lang="en-US" sz="1200" i="1" dirty="0">
                 <a:solidFill>
                   <a:srgbClr val="FF0000"/>
                 </a:solidFill>
@@ -8811,7 +8630,7 @@
           <a:lstStyle/>
           <a:p>
             <a:r>
-              <a:rPr lang="en-US" sz="1200" i="1" dirty="0" smtClean="0">
+              <a:rPr lang="en-US" sz="1200" i="1" dirty="0">
                 <a:solidFill>
                   <a:srgbClr val="FF0000"/>
                 </a:solidFill>
@@ -8824,7 +8643,7 @@
           </a:p>
           <a:p>
             <a:r>
-              <a:rPr lang="en-US" sz="1200" i="1" dirty="0" smtClean="0">
+              <a:rPr lang="en-US" sz="1200" i="1" dirty="0">
                 <a:solidFill>
                   <a:srgbClr val="FF0000"/>
                 </a:solidFill>
@@ -8911,13 +8730,6 @@
   <p:clrMapOvr>
     <a:masterClrMapping/>
   </p:clrMapOvr>
-  <p:timing>
-    <p:tnLst>
-      <p:par>
-        <p:cTn id="1" dur="indefinite" restart="never" nodeType="tmRoot"/>
-      </p:par>
-    </p:tnLst>
-  </p:timing>
 </p:sld>
 </file>
 
@@ -8961,18 +8773,13 @@
           <a:lstStyle/>
           <a:p>
             <a:r>
-              <a:rPr lang="en-US" dirty="0" smtClean="0">
+              <a:rPr lang="en-US" dirty="0">
                 <a:solidFill>
                   <a:srgbClr val="00B050"/>
                 </a:solidFill>
               </a:rPr>
               <a:t>Batch preprocessing stage 2</a:t>
             </a:r>
-            <a:endParaRPr lang="en-US" dirty="0">
-              <a:solidFill>
-                <a:srgbClr val="00B050"/>
-              </a:solidFill>
-            </a:endParaRPr>
           </a:p>
         </p:txBody>
       </p:sp>
@@ -8999,7 +8806,7 @@
           <a:lstStyle/>
           <a:p>
             <a:r>
-              <a:rPr lang="en-US" sz="1000" dirty="0" err="1" smtClean="0">
+              <a:rPr lang="en-US" sz="1000" dirty="0" err="1">
                 <a:latin typeface="Tahoma" charset="0"/>
                 <a:ea typeface="Tahoma" charset="0"/>
                 <a:cs typeface="Tahoma" charset="0"/>
@@ -9007,26 +8814,13 @@
               <a:t>computefromdatabasechannels</a:t>
             </a:r>
             <a:r>
-              <a:rPr lang="en-US" sz="1000" dirty="0" smtClean="0">
-                <a:latin typeface="Tahoma" charset="0"/>
-                <a:ea typeface="Tahoma" charset="0"/>
-                <a:cs typeface="Tahoma" charset="0"/>
-              </a:rPr>
-              <a:t>("</a:t>
-            </a:r>
-            <a:r>
               <a:rPr lang="en-US" sz="1000" dirty="0">
                 <a:latin typeface="Tahoma" charset="0"/>
                 <a:ea typeface="Tahoma" charset="0"/>
                 <a:cs typeface="Tahoma" charset="0"/>
               </a:rPr>
-              <a:t>mouse9","2012-05-30_13-52-47","HI_NIP2","CAR",1,"SD",SD_params)</a:t>
-            </a:r>
-            <a:endParaRPr lang="en-US" sz="1000" dirty="0" smtClean="0">
-              <a:latin typeface="Tahoma" charset="0"/>
-              <a:ea typeface="Tahoma" charset="0"/>
-              <a:cs typeface="Tahoma" charset="0"/>
-            </a:endParaRPr>
+              <a:t>("mouse9","2012-05-30_13-52-47","HI_NIP2","CAR",1,"SD",SD_params)</a:t>
+            </a:r>
           </a:p>
         </p:txBody>
       </p:sp>
@@ -9053,7 +8847,7 @@
           <a:lstStyle/>
           <a:p>
             <a:r>
-              <a:rPr lang="en-US" sz="1000" dirty="0" err="1" smtClean="0">
+              <a:rPr lang="en-US" sz="1000" dirty="0" err="1">
                 <a:latin typeface="Tahoma" charset="0"/>
                 <a:ea typeface="Tahoma" charset="0"/>
                 <a:cs typeface="Tahoma" charset="0"/>
@@ -9066,15 +8860,7 @@
                 <a:ea typeface="Tahoma" charset="0"/>
                 <a:cs typeface="Tahoma" charset="0"/>
               </a:rPr>
-              <a:t>("mouse9","","HI_NIP","CAR",1,"runningpower",</a:t>
-            </a:r>
-            <a:r>
-              <a:rPr lang="en-US" sz="1000" dirty="0" smtClean="0">
-                <a:latin typeface="Tahoma" charset="0"/>
-                <a:ea typeface="Tahoma" charset="0"/>
-                <a:cs typeface="Tahoma" charset="0"/>
-              </a:rPr>
-              <a:t>runningpower_parameters,keepinRAM)</a:t>
+              <a:t>("mouse9","","HI_NIP","CAR",1,"runningpower",runningpower_parameters,keepinRAM)</a:t>
             </a:r>
           </a:p>
         </p:txBody>
@@ -9102,20 +8888,12 @@
           <a:lstStyle/>
           <a:p>
             <a:r>
-              <a:rPr lang="en-US" sz="1000" dirty="0" smtClean="0">
-                <a:latin typeface="Tahoma" charset="0"/>
-                <a:ea typeface="Tahoma" charset="0"/>
-                <a:cs typeface="Tahoma" charset="0"/>
-              </a:rPr>
-              <a:t>Process_Channel2 </a:t>
-            </a:r>
-            <a:r>
               <a:rPr lang="en-US" sz="1000" dirty="0">
                 <a:latin typeface="Tahoma" charset="0"/>
                 <a:ea typeface="Tahoma" charset="0"/>
                 <a:cs typeface="Tahoma" charset="0"/>
               </a:rPr>
-              <a:t>("mouse6", "2011-12-22_12-32-24", "HI_NIP8", "", "</a:t>
+              <a:t>Process_Channel2 ("mouse6", "2011-12-22_12-32-24", "HI_NIP8", "", "</a:t>
             </a:r>
             <a:r>
               <a:rPr lang="en-US" sz="1000" dirty="0" err="1">
@@ -9149,11 +8927,6 @@
               </a:rPr>
               <a:t>)</a:t>
             </a:r>
-            <a:endParaRPr lang="en-US" sz="1000" dirty="0" smtClean="0">
-              <a:latin typeface="Tahoma" charset="0"/>
-              <a:ea typeface="Tahoma" charset="0"/>
-              <a:cs typeface="Tahoma" charset="0"/>
-            </a:endParaRPr>
           </a:p>
         </p:txBody>
       </p:sp>
@@ -9180,7 +8953,7 @@
           <a:lstStyle/>
           <a:p>
             <a:r>
-              <a:rPr lang="en-US" sz="1000" dirty="0" err="1" smtClean="0">
+              <a:rPr lang="en-US" sz="1000" dirty="0" err="1">
                 <a:latin typeface="Tahoma" charset="0"/>
                 <a:ea typeface="Tahoma" charset="0"/>
                 <a:cs typeface="Tahoma" charset="0"/>
@@ -9188,20 +8961,12 @@
               <a:t>Process_Channels</a:t>
             </a:r>
             <a:r>
-              <a:rPr lang="en-US" sz="1000" dirty="0" smtClean="0">
-                <a:latin typeface="Tahoma" charset="0"/>
-                <a:ea typeface="Tahoma" charset="0"/>
-                <a:cs typeface="Tahoma" charset="0"/>
-              </a:rPr>
-              <a:t> </a:t>
-            </a:r>
-            <a:r>
               <a:rPr lang="en-US" sz="1000" dirty="0">
                 <a:latin typeface="Tahoma" charset="0"/>
                 <a:ea typeface="Tahoma" charset="0"/>
                 <a:cs typeface="Tahoma" charset="0"/>
               </a:rPr>
-              <a:t>(</a:t>
+              <a:t> (</a:t>
             </a:r>
             <a:r>
               <a:rPr lang="en-US" sz="1000" dirty="0" err="1">
@@ -9292,18 +9057,13 @@
               <a:t>analysisparameters</a:t>
             </a:r>
             <a:r>
-              <a:rPr lang="en-US" sz="1000" dirty="0" smtClean="0">
+              <a:rPr lang="en-US" sz="1000" dirty="0">
                 <a:latin typeface="Tahoma" charset="0"/>
                 <a:ea typeface="Tahoma" charset="0"/>
                 <a:cs typeface="Tahoma" charset="0"/>
               </a:rPr>
               <a:t>)</a:t>
             </a:r>
-            <a:endParaRPr lang="en-US" sz="1000" dirty="0">
-              <a:latin typeface="Tahoma" charset="0"/>
-              <a:ea typeface="Tahoma" charset="0"/>
-              <a:cs typeface="Tahoma" charset="0"/>
-            </a:endParaRPr>
           </a:p>
         </p:txBody>
       </p:sp>
@@ -9330,7 +9090,7 @@
           <a:lstStyle/>
           <a:p>
             <a:r>
-              <a:rPr lang="en-US" sz="1400" i="1" dirty="0" smtClean="0">
+              <a:rPr lang="en-US" sz="1400" i="1" dirty="0">
                 <a:solidFill>
                   <a:srgbClr val="FF0000"/>
                 </a:solidFill>
@@ -9341,7 +9101,7 @@
               <a:t>options are “</a:t>
             </a:r>
             <a:r>
-              <a:rPr lang="en-US" sz="1400" i="1" dirty="0" err="1" smtClean="0">
+              <a:rPr lang="en-US" sz="1400" i="1" dirty="0" err="1">
                 <a:solidFill>
                   <a:srgbClr val="FF0000"/>
                 </a:solidFill>
@@ -9352,7 +9112,7 @@
               <a:t>runningpower</a:t>
             </a:r>
             <a:r>
-              <a:rPr lang="en-US" sz="1400" i="1" dirty="0" smtClean="0">
+              <a:rPr lang="en-US" sz="1400" i="1" dirty="0">
                 <a:solidFill>
                   <a:srgbClr val="FF0000"/>
                 </a:solidFill>
@@ -9363,7 +9123,7 @@
               <a:t>” ,“</a:t>
             </a:r>
             <a:r>
-              <a:rPr lang="en-US" sz="1400" i="1" dirty="0" err="1" smtClean="0">
+              <a:rPr lang="en-US" sz="1400" i="1" dirty="0" err="1">
                 <a:solidFill>
                   <a:srgbClr val="FF0000"/>
                 </a:solidFill>
@@ -9374,7 +9134,7 @@
               <a:t>PSDgrand</a:t>
             </a:r>
             <a:r>
-              <a:rPr lang="en-US" sz="1400" i="1" dirty="0" smtClean="0">
+              <a:rPr lang="en-US" sz="1400" i="1" dirty="0">
                 <a:solidFill>
                   <a:srgbClr val="FF0000"/>
                 </a:solidFill>
@@ -9385,7 +9145,7 @@
               <a:t>”, “</a:t>
             </a:r>
             <a:r>
-              <a:rPr lang="en-US" sz="1400" i="1" dirty="0" err="1" smtClean="0">
+              <a:rPr lang="en-US" sz="1400" i="1" dirty="0" err="1">
                 <a:solidFill>
                   <a:srgbClr val="FF0000"/>
                 </a:solidFill>
@@ -9396,7 +9156,7 @@
               <a:t>SEdata</a:t>
             </a:r>
             <a:r>
-              <a:rPr lang="en-US" sz="1400" i="1" dirty="0" smtClean="0">
+              <a:rPr lang="en-US" sz="1400" i="1" dirty="0">
                 <a:solidFill>
                   <a:srgbClr val="FF0000"/>
                 </a:solidFill>
@@ -9432,7 +9192,7 @@
           <a:lstStyle/>
           <a:p>
             <a:r>
-              <a:rPr lang="en-US" sz="1400" dirty="0" smtClean="0">
+              <a:rPr lang="en-US" sz="1400" dirty="0">
                 <a:solidFill>
                   <a:srgbClr val="002060"/>
                 </a:solidFill>
@@ -9443,7 +9203,7 @@
               <a:t>weird legacy choice here: are we making one result wave per </a:t>
             </a:r>
             <a:r>
-              <a:rPr lang="en-US" sz="1400" i="1" dirty="0" smtClean="0">
+              <a:rPr lang="en-US" sz="1400" i="1" dirty="0">
                 <a:solidFill>
                   <a:srgbClr val="002060"/>
                 </a:solidFill>
@@ -9479,7 +9239,7 @@
           <a:lstStyle/>
           <a:p>
             <a:r>
-              <a:rPr lang="en-US" sz="1400" dirty="0" smtClean="0">
+              <a:rPr lang="en-US" sz="1400" dirty="0">
                 <a:solidFill>
                   <a:srgbClr val="002060"/>
                 </a:solidFill>
@@ -9489,7 +9249,7 @@
               </a:rPr>
               <a:t>...or are we making one result wave for a whole session (i.e. the way I group SDs into arrays)?</a:t>
             </a:r>
-            <a:endParaRPr lang="en-US" sz="1400" i="1" dirty="0" smtClean="0">
+            <a:endParaRPr lang="en-US" sz="1400" i="1" dirty="0">
               <a:solidFill>
                 <a:srgbClr val="002060"/>
               </a:solidFill>
@@ -9523,7 +9283,7 @@
           <a:lstStyle/>
           <a:p>
             <a:r>
-              <a:rPr lang="en-US" sz="1400" i="1" dirty="0" smtClean="0">
+              <a:rPr lang="en-US" sz="1400" i="1" dirty="0">
                 <a:solidFill>
                   <a:srgbClr val="FF0000"/>
                 </a:solidFill>
@@ -9536,7 +9296,7 @@
           </a:p>
           <a:p>
             <a:r>
-              <a:rPr lang="en-US" sz="1400" i="1" dirty="0" smtClean="0">
+              <a:rPr lang="en-US" sz="1400" i="1" dirty="0">
                 <a:solidFill>
                   <a:srgbClr val="FF0000"/>
                 </a:solidFill>
@@ -9547,7 +9307,7 @@
               <a:t>other options for stage 2: </a:t>
             </a:r>
             <a:r>
-              <a:rPr lang="en-US" sz="1400" i="1" dirty="0" err="1" smtClean="0">
+              <a:rPr lang="en-US" sz="1400" i="1" dirty="0" err="1">
                 <a:solidFill>
                   <a:srgbClr val="FF0000"/>
                 </a:solidFill>
@@ -9558,7 +9318,7 @@
               <a:t>AER_postcar</a:t>
             </a:r>
             <a:r>
-              <a:rPr lang="en-US" sz="1400" i="1" dirty="0" smtClean="0">
+              <a:rPr lang="en-US" sz="1400" i="1" dirty="0">
                 <a:solidFill>
                   <a:srgbClr val="FF0000"/>
                 </a:solidFill>
@@ -9569,7 +9329,7 @@
               <a:t>, </a:t>
             </a:r>
             <a:r>
-              <a:rPr lang="en-US" sz="1400" i="1" dirty="0" err="1" smtClean="0">
+              <a:rPr lang="en-US" sz="1400" i="1" dirty="0" err="1">
                 <a:solidFill>
                   <a:srgbClr val="FF0000"/>
                 </a:solidFill>
@@ -9579,7 +9339,7 @@
               </a:rPr>
               <a:t>coherencematrix</a:t>
             </a:r>
-            <a:endParaRPr lang="en-US" sz="1400" i="1" dirty="0" smtClean="0">
+            <a:endParaRPr lang="en-US" sz="1400" i="1" dirty="0">
               <a:solidFill>
                 <a:srgbClr val="FF0000"/>
               </a:solidFill>
@@ -9623,7 +9383,7 @@
               </a:rPr>
               <a:t>these are the individual recording-level result waves</a:t>
             </a:r>
-            <a:endParaRPr lang="en-US" sz="1400" dirty="0" smtClean="0">
+            <a:endParaRPr lang="en-US" sz="1400" dirty="0">
               <a:solidFill>
                 <a:srgbClr val="0070C0"/>
               </a:solidFill>
@@ -9662,27 +9422,19 @@
                 <a:ea typeface="Tahoma" charset="0"/>
                 <a:cs typeface="Tahoma" charset="0"/>
               </a:rPr>
-              <a:t>Single channel analysis, single </a:t>
-            </a:r>
-            <a:r>
-              <a:rPr lang="en-US" sz="1000" dirty="0" smtClean="0">
-                <a:latin typeface="Tahoma" charset="0"/>
-                <a:ea typeface="Tahoma" charset="0"/>
-                <a:cs typeface="Tahoma" charset="0"/>
-              </a:rPr>
-              <a:t>channel output wave</a:t>
-            </a:r>
-          </a:p>
-          <a:p>
-            <a:r>
-              <a:rPr lang="en-US" sz="1000" dirty="0" err="1" smtClean="0">
+              <a:t>Single channel analysis, single channel output wave</a:t>
+            </a:r>
+          </a:p>
+          <a:p>
+            <a:r>
+              <a:rPr lang="en-US" sz="1000" dirty="0" err="1">
                 <a:latin typeface="Tahoma" charset="0"/>
                 <a:ea typeface="Tahoma" charset="0"/>
                 <a:cs typeface="Tahoma" charset="0"/>
               </a:rPr>
               <a:t>runningpower</a:t>
             </a:r>
-            <a:endParaRPr lang="en-US" sz="1000" dirty="0" smtClean="0">
+            <a:endParaRPr lang="en-US" sz="1000" dirty="0">
               <a:latin typeface="Tahoma" charset="0"/>
               <a:ea typeface="Tahoma" charset="0"/>
               <a:cs typeface="Tahoma" charset="0"/>
@@ -9690,14 +9442,14 @@
           </a:p>
           <a:p>
             <a:r>
-              <a:rPr lang="en-US" sz="1000" dirty="0" err="1" smtClean="0">
+              <a:rPr lang="en-US" sz="1000" dirty="0" err="1">
                 <a:latin typeface="Tahoma" charset="0"/>
                 <a:ea typeface="Tahoma" charset="0"/>
                 <a:cs typeface="Tahoma" charset="0"/>
               </a:rPr>
               <a:t>PSD_grand</a:t>
             </a:r>
-            <a:endParaRPr lang="en-US" sz="1000" dirty="0" smtClean="0">
+            <a:endParaRPr lang="en-US" sz="1000" dirty="0">
               <a:latin typeface="Tahoma" charset="0"/>
               <a:ea typeface="Tahoma" charset="0"/>
               <a:cs typeface="Tahoma" charset="0"/>
@@ -9705,14 +9457,14 @@
           </a:p>
           <a:p>
             <a:r>
-              <a:rPr lang="en-US" sz="1000" dirty="0" err="1" smtClean="0">
+              <a:rPr lang="en-US" sz="1000" dirty="0" err="1">
                 <a:latin typeface="Tahoma" charset="0"/>
                 <a:ea typeface="Tahoma" charset="0"/>
                 <a:cs typeface="Tahoma" charset="0"/>
               </a:rPr>
               <a:t>SEdata</a:t>
             </a:r>
-            <a:endParaRPr lang="en-US" sz="1000" dirty="0" smtClean="0">
+            <a:endParaRPr lang="en-US" sz="1000" dirty="0">
               <a:latin typeface="Tahoma" charset="0"/>
               <a:ea typeface="Tahoma" charset="0"/>
               <a:cs typeface="Tahoma" charset="0"/>
@@ -9748,20 +9500,12 @@
                 <a:ea typeface="Tahoma" charset="0"/>
                 <a:cs typeface="Tahoma" charset="0"/>
               </a:rPr>
-              <a:t>Single channel analysis, Multichannel output </a:t>
-            </a:r>
-            <a:r>
-              <a:rPr lang="en-US" sz="1000" dirty="0" smtClean="0">
-                <a:latin typeface="Tahoma" charset="0"/>
-                <a:ea typeface="Tahoma" charset="0"/>
-                <a:cs typeface="Tahoma" charset="0"/>
-              </a:rPr>
-              <a:t>wave</a:t>
-            </a:r>
-          </a:p>
-          <a:p>
-            <a:r>
-              <a:rPr lang="en-US" sz="1000" dirty="0" smtClean="0">
+              <a:t>Single channel analysis, Multichannel output wave</a:t>
+            </a:r>
+          </a:p>
+          <a:p>
+            <a:r>
+              <a:rPr lang="en-US" sz="1000" dirty="0">
                 <a:latin typeface="Tahoma" charset="0"/>
                 <a:ea typeface="Tahoma" charset="0"/>
                 <a:cs typeface="Tahoma" charset="0"/>
@@ -9771,7 +9515,7 @@
           </a:p>
           <a:p>
             <a:r>
-              <a:rPr lang="en-US" sz="1000" dirty="0" smtClean="0">
+              <a:rPr lang="en-US" sz="1000" dirty="0">
                 <a:latin typeface="Tahoma" charset="0"/>
                 <a:ea typeface="Tahoma" charset="0"/>
                 <a:cs typeface="Tahoma" charset="0"/>
@@ -9804,40 +9548,24 @@
           <a:lstStyle/>
           <a:p>
             <a:r>
-              <a:rPr lang="en-US" sz="1000" dirty="0" smtClean="0">
-                <a:latin typeface="Tahoma" charset="0"/>
-                <a:ea typeface="Tahoma" charset="0"/>
-                <a:cs typeface="Tahoma" charset="0"/>
-              </a:rPr>
-              <a:t>Multichannel </a:t>
-            </a:r>
-            <a:r>
               <a:rPr lang="en-US" sz="1000" dirty="0">
                 <a:latin typeface="Tahoma" charset="0"/>
                 <a:ea typeface="Tahoma" charset="0"/>
                 <a:cs typeface="Tahoma" charset="0"/>
               </a:rPr>
-              <a:t>analysis, Multichannel output </a:t>
-            </a:r>
-            <a:r>
-              <a:rPr lang="en-US" sz="1000" dirty="0" smtClean="0">
-                <a:latin typeface="Tahoma" charset="0"/>
-                <a:ea typeface="Tahoma" charset="0"/>
-                <a:cs typeface="Tahoma" charset="0"/>
-              </a:rPr>
-              <a:t>wave</a:t>
-            </a:r>
-          </a:p>
-          <a:p>
-            <a:r>
-              <a:rPr lang="en-US" sz="1000" dirty="0" err="1" smtClean="0">
+              <a:t>Multichannel analysis, Multichannel output wave</a:t>
+            </a:r>
+          </a:p>
+          <a:p>
+            <a:r>
+              <a:rPr lang="en-US" sz="1000" dirty="0" err="1">
                 <a:latin typeface="Tahoma" charset="0"/>
                 <a:ea typeface="Tahoma" charset="0"/>
                 <a:cs typeface="Tahoma" charset="0"/>
               </a:rPr>
               <a:t>coherencematrix</a:t>
             </a:r>
-            <a:endParaRPr lang="en-US" sz="1000" dirty="0" smtClean="0">
+            <a:endParaRPr lang="en-US" sz="1000" dirty="0">
               <a:latin typeface="Tahoma" charset="0"/>
               <a:ea typeface="Tahoma" charset="0"/>
               <a:cs typeface="Tahoma" charset="0"/>
@@ -9855,13 +9583,6 @@
   <p:clrMapOvr>
     <a:masterClrMapping/>
   </p:clrMapOvr>
-  <p:timing>
-    <p:tnLst>
-      <p:par>
-        <p:cTn id="1" dur="indefinite" restart="never" nodeType="tmRoot"/>
-      </p:par>
-    </p:tnLst>
-  </p:timing>
 </p:sld>
 </file>
 
@@ -9905,18 +9626,13 @@
           <a:lstStyle/>
           <a:p>
             <a:r>
-              <a:rPr lang="en-US" dirty="0" smtClean="0">
+              <a:rPr lang="en-US" dirty="0">
                 <a:solidFill>
                   <a:srgbClr val="00B050"/>
                 </a:solidFill>
               </a:rPr>
               <a:t>Processing diagram after initial load</a:t>
             </a:r>
-            <a:endParaRPr lang="en-US" dirty="0">
-              <a:solidFill>
-                <a:srgbClr val="00B050"/>
-              </a:solidFill>
-            </a:endParaRPr>
           </a:p>
         </p:txBody>
       </p:sp>
@@ -9943,7 +9659,7 @@
           <a:lstStyle/>
           <a:p>
             <a:r>
-              <a:rPr lang="en-US" sz="1000" dirty="0" err="1" smtClean="0">
+              <a:rPr lang="en-US" sz="1000" dirty="0" err="1">
                 <a:latin typeface="Tahoma" charset="0"/>
                 <a:ea typeface="Tahoma" charset="0"/>
                 <a:cs typeface="Tahoma" charset="0"/>
@@ -9951,26 +9667,13 @@
               <a:t>computefromdatabasechannels</a:t>
             </a:r>
             <a:r>
-              <a:rPr lang="en-US" sz="1000" dirty="0" smtClean="0">
-                <a:latin typeface="Tahoma" charset="0"/>
-                <a:ea typeface="Tahoma" charset="0"/>
-                <a:cs typeface="Tahoma" charset="0"/>
-              </a:rPr>
-              <a:t>("</a:t>
-            </a:r>
-            <a:r>
               <a:rPr lang="en-US" sz="1000" dirty="0">
                 <a:latin typeface="Tahoma" charset="0"/>
                 <a:ea typeface="Tahoma" charset="0"/>
                 <a:cs typeface="Tahoma" charset="0"/>
               </a:rPr>
-              <a:t>mouse9","2012-05-30_13-52-47","HI_NIP2","CAR",1,"SD",SD_params)</a:t>
-            </a:r>
-            <a:endParaRPr lang="en-US" sz="1000" dirty="0" smtClean="0">
-              <a:latin typeface="Tahoma" charset="0"/>
-              <a:ea typeface="Tahoma" charset="0"/>
-              <a:cs typeface="Tahoma" charset="0"/>
-            </a:endParaRPr>
+              <a:t>("mouse9","2012-05-30_13-52-47","HI_NIP2","CAR",1,"SD",SD_params)</a:t>
+            </a:r>
           </a:p>
         </p:txBody>
       </p:sp>
@@ -9997,7 +9700,7 @@
           <a:lstStyle/>
           <a:p>
             <a:r>
-              <a:rPr lang="en-US" sz="1000" dirty="0" err="1" smtClean="0">
+              <a:rPr lang="en-US" sz="1000" dirty="0" err="1">
                 <a:latin typeface="Tahoma" charset="0"/>
                 <a:ea typeface="Tahoma" charset="0"/>
                 <a:cs typeface="Tahoma" charset="0"/>
@@ -10005,7 +9708,7 @@
               <a:t>Process_Session</a:t>
             </a:r>
             <a:r>
-              <a:rPr lang="en-US" sz="1000" dirty="0" smtClean="0">
+              <a:rPr lang="en-US" sz="1000" dirty="0">
                 <a:latin typeface="Tahoma" charset="0"/>
                 <a:ea typeface="Tahoma" charset="0"/>
                 <a:cs typeface="Tahoma" charset="0"/>
@@ -10013,7 +9716,7 @@
               <a:t> (</a:t>
             </a:r>
             <a:r>
-              <a:rPr lang="en-US" sz="1000" dirty="0" err="1" smtClean="0">
+              <a:rPr lang="en-US" sz="1000" dirty="0" err="1">
                 <a:latin typeface="Tahoma" charset="0"/>
                 <a:ea typeface="Tahoma" charset="0"/>
                 <a:cs typeface="Tahoma" charset="0"/>
@@ -10124,11 +9827,6 @@
               </a:rPr>
               <a:t>)</a:t>
             </a:r>
-            <a:endParaRPr lang="en-US" sz="1000" dirty="0" smtClean="0">
-              <a:latin typeface="Tahoma" charset="0"/>
-              <a:ea typeface="Tahoma" charset="0"/>
-              <a:cs typeface="Tahoma" charset="0"/>
-            </a:endParaRPr>
           </a:p>
         </p:txBody>
       </p:sp>
@@ -10155,7 +9853,7 @@
           <a:lstStyle/>
           <a:p>
             <a:r>
-              <a:rPr lang="en-US" sz="1200" dirty="0" smtClean="0">
+              <a:rPr lang="en-US" sz="1200" dirty="0">
                 <a:solidFill>
                   <a:srgbClr val="002060"/>
                 </a:solidFill>
@@ -10166,7 +9864,7 @@
               <a:t>Deals with a session.  Always returns a wave reference. Dimensions of wave referenced will depend on </a:t>
             </a:r>
             <a:r>
-              <a:rPr lang="en-US" sz="1200" dirty="0" err="1" smtClean="0">
+              <a:rPr lang="en-US" sz="1200" dirty="0" err="1">
                 <a:solidFill>
                   <a:srgbClr val="002060"/>
                 </a:solidFill>
@@ -10176,7 +9874,7 @@
               </a:rPr>
               <a:t>analysistype</a:t>
             </a:r>
-            <a:endParaRPr lang="en-US" sz="1200" dirty="0" smtClean="0">
+            <a:endParaRPr lang="en-US" sz="1200" dirty="0">
               <a:solidFill>
                 <a:srgbClr val="002060"/>
               </a:solidFill>
@@ -10187,7 +9885,7 @@
           </a:p>
           <a:p>
             <a:r>
-              <a:rPr lang="en-US" sz="1200" dirty="0" smtClean="0">
+              <a:rPr lang="en-US" sz="1200" dirty="0">
                 <a:solidFill>
                   <a:srgbClr val="002060"/>
                 </a:solidFill>
@@ -10198,7 +9896,7 @@
               <a:t>If </a:t>
             </a:r>
             <a:r>
-              <a:rPr lang="en-US" sz="1200" dirty="0" err="1" smtClean="0">
+              <a:rPr lang="en-US" sz="1200" dirty="0" err="1">
                 <a:solidFill>
                   <a:srgbClr val="002060"/>
                 </a:solidFill>
@@ -10209,7 +9907,7 @@
               <a:t>analysistype</a:t>
             </a:r>
             <a:r>
-              <a:rPr lang="en-US" sz="1200" dirty="0" smtClean="0">
+              <a:rPr lang="en-US" sz="1200" dirty="0">
                 <a:solidFill>
                   <a:srgbClr val="002060"/>
                 </a:solidFill>
@@ -10230,18 +9928,7 @@
                 <a:ea typeface="Tahoma" charset="0"/>
                 <a:cs typeface="Tahoma" charset="0"/>
               </a:rPr>
-              <a:t> </a:t>
-            </a:r>
-            <a:r>
-              <a:rPr lang="en-US" sz="1200" dirty="0" smtClean="0">
-                <a:solidFill>
-                  <a:srgbClr val="002060"/>
-                </a:solidFill>
-                <a:latin typeface="Tahoma" charset="0"/>
-                <a:ea typeface="Tahoma" charset="0"/>
-                <a:cs typeface="Tahoma" charset="0"/>
-              </a:rPr>
-              <a:t>    make a strip and populate it with numbers or success/failure codes by repeatedly running </a:t>
+              <a:t>     make a strip and populate it with numbers or success/failure codes by repeatedly running </a:t>
             </a:r>
           </a:p>
         </p:txBody>
@@ -10396,7 +10083,84 @@
               </a:rPr>
               <a:t>)</a:t>
             </a:r>
-            <a:endParaRPr lang="en-US" sz="1000" dirty="0" smtClean="0">
+          </a:p>
+        </p:txBody>
+      </p:sp>
+      <p:sp>
+        <p:nvSpPr>
+          <p:cNvPr id="21" name="TextBox 20"/>
+          <p:cNvSpPr txBox="1"/>
+          <p:nvPr/>
+        </p:nvSpPr>
+        <p:spPr>
+          <a:xfrm>
+            <a:off x="196117" y="6728759"/>
+            <a:ext cx="3433312" cy="276999"/>
+          </a:xfrm>
+          <a:prstGeom prst="rect">
+            <a:avLst/>
+          </a:prstGeom>
+          <a:noFill/>
+        </p:spPr>
+        <p:txBody>
+          <a:bodyPr wrap="none" rtlCol="0">
+            <a:spAutoFit/>
+          </a:bodyPr>
+          <a:lstStyle/>
+          <a:p>
+            <a:r>
+              <a:rPr lang="en-US" sz="1200" dirty="0">
+                <a:solidFill>
+                  <a:srgbClr val="FF0000"/>
+                </a:solidFill>
+                <a:latin typeface="Tahoma" charset="0"/>
+                <a:ea typeface="Tahoma" charset="0"/>
+                <a:cs typeface="Tahoma" charset="0"/>
+              </a:rPr>
+              <a:t>...this thing does aggregation of AER and SDs...</a:t>
+            </a:r>
+          </a:p>
+        </p:txBody>
+      </p:sp>
+      <p:sp>
+        <p:nvSpPr>
+          <p:cNvPr id="23" name="TextBox 22"/>
+          <p:cNvSpPr txBox="1"/>
+          <p:nvPr/>
+        </p:nvSpPr>
+        <p:spPr>
+          <a:xfrm>
+            <a:off x="526317" y="7514133"/>
+            <a:ext cx="2560316" cy="246221"/>
+          </a:xfrm>
+          <a:prstGeom prst="rect">
+            <a:avLst/>
+          </a:prstGeom>
+          <a:noFill/>
+        </p:spPr>
+        <p:txBody>
+          <a:bodyPr wrap="none" rtlCol="0">
+            <a:spAutoFit/>
+          </a:bodyPr>
+          <a:lstStyle/>
+          <a:p>
+            <a:r>
+              <a:rPr lang="en-US" sz="1000" i="1" dirty="0">
+                <a:latin typeface="Tahoma" charset="0"/>
+                <a:ea typeface="Tahoma" charset="0"/>
+                <a:cs typeface="Tahoma" charset="0"/>
+              </a:rPr>
+              <a:t>need to check if </a:t>
+            </a:r>
+            <a:r>
+              <a:rPr lang="en-US" sz="1000" i="1">
+                <a:latin typeface="Tahoma" charset="0"/>
+                <a:ea typeface="Tahoma" charset="0"/>
+                <a:cs typeface="Tahoma" charset="0"/>
+              </a:rPr>
+              <a:t>things already exist too...</a:t>
+            </a:r>
+            <a:endParaRPr lang="en-US" sz="1000" i="1" dirty="0">
               <a:latin typeface="Tahoma" charset="0"/>
               <a:ea typeface="Tahoma" charset="0"/>
               <a:cs typeface="Tahoma" charset="0"/>
@@ -10406,19 +10170,21 @@
       </p:sp>
       <p:sp>
         <p:nvSpPr>
-          <p:cNvPr id="21" name="TextBox 20"/>
+          <p:cNvPr id="18" name="TextBox 17"/>
           <p:cNvSpPr txBox="1"/>
           <p:nvPr/>
         </p:nvSpPr>
         <p:spPr>
           <a:xfrm>
-            <a:off x="196117" y="6728759"/>
-            <a:ext cx="3433312" cy="276999"/>
-          </a:xfrm>
-          <a:prstGeom prst="rect">
-            <a:avLst/>
-          </a:prstGeom>
-          <a:noFill/>
+            <a:off x="7007443" y="175793"/>
+            <a:ext cx="933269" cy="276999"/>
+          </a:xfrm>
+          <a:prstGeom prst="rect">
+            <a:avLst/>
+          </a:prstGeom>
+          <a:solidFill>
+            <a:srgbClr val="FFFF00"/>
+          </a:solidFill>
         </p:spPr>
         <p:txBody>
           <a:bodyPr wrap="none" rtlCol="0">
@@ -10427,7 +10193,7 @@
           <a:lstStyle/>
           <a:p>
             <a:r>
-              <a:rPr lang="en-US" sz="1200" dirty="0" smtClean="0">
+              <a:rPr lang="en-US" sz="1200" dirty="0">
                 <a:solidFill>
                   <a:srgbClr val="FF0000"/>
                 </a:solidFill>
@@ -10435,7 +10201,18 @@
                 <a:ea typeface="Tahoma" charset="0"/>
                 <a:cs typeface="Tahoma" charset="0"/>
               </a:rPr>
-              <a:t>...this thing does aggregation of AER and SDs...</a:t>
+              <a:t>Updating</a:t>
+            </a:r>
+            <a:r>
+              <a:rPr lang="is-IS" sz="1200" dirty="0">
+                <a:solidFill>
+                  <a:srgbClr val="FF0000"/>
+                </a:solidFill>
+                <a:latin typeface="Tahoma" charset="0"/>
+                <a:ea typeface="Tahoma" charset="0"/>
+                <a:cs typeface="Tahoma" charset="0"/>
+              </a:rPr>
+              <a:t>…</a:t>
             </a:r>
             <a:endParaRPr lang="en-US" sz="1200" dirty="0">
               <a:solidFill>
@@ -10450,14 +10227,14 @@
       </p:sp>
       <p:sp>
         <p:nvSpPr>
-          <p:cNvPr id="23" name="TextBox 22"/>
+          <p:cNvPr id="25" name="TextBox 24"/>
           <p:cNvSpPr txBox="1"/>
           <p:nvPr/>
         </p:nvSpPr>
         <p:spPr>
           <a:xfrm>
-            <a:off x="526317" y="7514133"/>
-            <a:ext cx="2560316" cy="246221"/>
+            <a:off x="88872" y="859272"/>
+            <a:ext cx="7427033" cy="246221"/>
           </a:xfrm>
           <a:prstGeom prst="rect">
             <a:avLst/>
@@ -10471,46 +10248,135 @@
           <a:lstStyle/>
           <a:p>
             <a:r>
-              <a:rPr lang="en-US" sz="1000" i="1" dirty="0" smtClean="0">
-                <a:latin typeface="Tahoma" charset="0"/>
-                <a:ea typeface="Tahoma" charset="0"/>
-                <a:cs typeface="Tahoma" charset="0"/>
-              </a:rPr>
-              <a:t>need to check if </a:t>
-            </a:r>
-            <a:r>
-              <a:rPr lang="en-US" sz="1000" i="1" smtClean="0">
-                <a:latin typeface="Tahoma" charset="0"/>
-                <a:ea typeface="Tahoma" charset="0"/>
-                <a:cs typeface="Tahoma" charset="0"/>
-              </a:rPr>
-              <a:t>things already exist too...</a:t>
-            </a:r>
-            <a:endParaRPr lang="en-US" sz="1000" i="1" dirty="0" smtClean="0">
-              <a:latin typeface="Tahoma" charset="0"/>
-              <a:ea typeface="Tahoma" charset="0"/>
-              <a:cs typeface="Tahoma" charset="0"/>
-            </a:endParaRPr>
-          </a:p>
-        </p:txBody>
-      </p:sp>
-      <p:sp>
-        <p:nvSpPr>
-          <p:cNvPr id="18" name="TextBox 17"/>
+              <a:rPr lang="en-US" sz="1000" dirty="0" err="1">
+                <a:latin typeface="Tahoma" charset="0"/>
+                <a:ea typeface="Tahoma" charset="0"/>
+                <a:cs typeface="Tahoma" charset="0"/>
+              </a:rPr>
+              <a:t>Process_Subject</a:t>
+            </a:r>
+            <a:r>
+              <a:rPr lang="en-US" sz="1000" dirty="0">
+                <a:latin typeface="Tahoma" charset="0"/>
+                <a:ea typeface="Tahoma" charset="0"/>
+                <a:cs typeface="Tahoma" charset="0"/>
+              </a:rPr>
+              <a:t> (</a:t>
+            </a:r>
+            <a:r>
+              <a:rPr lang="en-US" sz="1000" dirty="0" err="1">
+                <a:latin typeface="Tahoma" charset="0"/>
+                <a:ea typeface="Tahoma" charset="0"/>
+                <a:cs typeface="Tahoma" charset="0"/>
+              </a:rPr>
+              <a:t>nextsubject</a:t>
+            </a:r>
+            <a:r>
+              <a:rPr lang="en-US" sz="1000" dirty="0">
+                <a:latin typeface="Tahoma" charset="0"/>
+                <a:ea typeface="Tahoma" charset="0"/>
+                <a:cs typeface="Tahoma" charset="0"/>
+              </a:rPr>
+              <a:t>, </a:t>
+            </a:r>
+            <a:r>
+              <a:rPr lang="en-US" sz="1000" dirty="0" err="1">
+                <a:latin typeface="Tahoma" charset="0"/>
+                <a:ea typeface="Tahoma" charset="0"/>
+                <a:cs typeface="Tahoma" charset="0"/>
+              </a:rPr>
+              <a:t>recordingstring</a:t>
+            </a:r>
+            <a:r>
+              <a:rPr lang="en-US" sz="1000" dirty="0">
+                <a:latin typeface="Tahoma" charset="0"/>
+                <a:ea typeface="Tahoma" charset="0"/>
+                <a:cs typeface="Tahoma" charset="0"/>
+              </a:rPr>
+              <a:t>, </a:t>
+            </a:r>
+            <a:r>
+              <a:rPr lang="en-US" sz="1000" dirty="0" err="1">
+                <a:latin typeface="Tahoma" charset="0"/>
+                <a:ea typeface="Tahoma" charset="0"/>
+                <a:cs typeface="Tahoma" charset="0"/>
+              </a:rPr>
+              <a:t>referencename</a:t>
+            </a:r>
+            <a:r>
+              <a:rPr lang="en-US" sz="1000" dirty="0">
+                <a:latin typeface="Tahoma" charset="0"/>
+                <a:ea typeface="Tahoma" charset="0"/>
+                <a:cs typeface="Tahoma" charset="0"/>
+              </a:rPr>
+              <a:t>, </a:t>
+            </a:r>
+            <a:r>
+              <a:rPr lang="en-US" sz="1000" dirty="0" err="1">
+                <a:latin typeface="Tahoma" charset="0"/>
+                <a:ea typeface="Tahoma" charset="0"/>
+                <a:cs typeface="Tahoma" charset="0"/>
+              </a:rPr>
+              <a:t>channelliststring</a:t>
+            </a:r>
+            <a:r>
+              <a:rPr lang="en-US" sz="1000" dirty="0">
+                <a:latin typeface="Tahoma" charset="0"/>
+                <a:ea typeface="Tahoma" charset="0"/>
+                <a:cs typeface="Tahoma" charset="0"/>
+              </a:rPr>
+              <a:t>, </a:t>
+            </a:r>
+            <a:r>
+              <a:rPr lang="en-US" sz="1000" dirty="0" err="1">
+                <a:latin typeface="Tahoma" charset="0"/>
+                <a:ea typeface="Tahoma" charset="0"/>
+                <a:cs typeface="Tahoma" charset="0"/>
+              </a:rPr>
+              <a:t>whichanalysis</a:t>
+            </a:r>
+            <a:r>
+              <a:rPr lang="en-US" sz="1000" dirty="0">
+                <a:latin typeface="Tahoma" charset="0"/>
+                <a:ea typeface="Tahoma" charset="0"/>
+                <a:cs typeface="Tahoma" charset="0"/>
+              </a:rPr>
+              <a:t>, </a:t>
+            </a:r>
+            <a:r>
+              <a:rPr lang="en-US" sz="1000" dirty="0" err="1">
+                <a:latin typeface="Tahoma" charset="0"/>
+                <a:ea typeface="Tahoma" charset="0"/>
+                <a:cs typeface="Tahoma" charset="0"/>
+              </a:rPr>
+              <a:t>analysisparameters,keepinRAM</a:t>
+            </a:r>
+            <a:r>
+              <a:rPr lang="en-US" sz="1000" dirty="0">
+                <a:latin typeface="Tahoma" charset="0"/>
+                <a:ea typeface="Tahoma" charset="0"/>
+                <a:cs typeface="Tahoma" charset="0"/>
+              </a:rPr>
+              <a:t>)</a:t>
+            </a:r>
+          </a:p>
+        </p:txBody>
+      </p:sp>
+      <p:sp>
+        <p:nvSpPr>
+          <p:cNvPr id="26" name="TextBox 25"/>
           <p:cNvSpPr txBox="1"/>
           <p:nvPr/>
         </p:nvSpPr>
         <p:spPr>
           <a:xfrm>
-            <a:off x="7007443" y="175793"/>
-            <a:ext cx="933269" cy="276999"/>
-          </a:xfrm>
-          <a:prstGeom prst="rect">
-            <a:avLst/>
-          </a:prstGeom>
-          <a:solidFill>
-            <a:srgbClr val="FFFF00"/>
-          </a:solidFill>
+            <a:off x="0" y="688897"/>
+            <a:ext cx="4635243" cy="276999"/>
+          </a:xfrm>
+          <a:prstGeom prst="rect">
+            <a:avLst/>
+          </a:prstGeom>
+          <a:noFill/>
         </p:spPr>
         <p:txBody>
           <a:bodyPr wrap="none" rtlCol="0">
@@ -10519,48 +10385,255 @@
           <a:lstStyle/>
           <a:p>
             <a:r>
-              <a:rPr lang="en-US" sz="1200" dirty="0" smtClean="0">
-                <a:solidFill>
-                  <a:srgbClr val="FF0000"/>
-                </a:solidFill>
-                <a:latin typeface="Tahoma" charset="0"/>
-                <a:ea typeface="Tahoma" charset="0"/>
-                <a:cs typeface="Tahoma" charset="0"/>
-              </a:rPr>
-              <a:t>Updating</a:t>
-            </a:r>
-            <a:r>
-              <a:rPr lang="is-IS" sz="1200" dirty="0" smtClean="0">
-                <a:solidFill>
-                  <a:srgbClr val="FF0000"/>
-                </a:solidFill>
-                <a:latin typeface="Tahoma" charset="0"/>
-                <a:ea typeface="Tahoma" charset="0"/>
-                <a:cs typeface="Tahoma" charset="0"/>
-              </a:rPr>
-              <a:t>…</a:t>
-            </a:r>
-            <a:endParaRPr lang="en-US" sz="1200" dirty="0">
+              <a:rPr lang="en-US" sz="1200" dirty="0">
+                <a:solidFill>
+                  <a:srgbClr val="002060"/>
+                </a:solidFill>
+                <a:latin typeface="Tahoma" charset="0"/>
+                <a:ea typeface="Tahoma" charset="0"/>
+                <a:cs typeface="Tahoma" charset="0"/>
+              </a:rPr>
+              <a:t>A wrapper that calls </a:t>
+            </a:r>
+            <a:r>
+              <a:rPr lang="en-US" sz="1200" dirty="0" err="1">
+                <a:solidFill>
+                  <a:srgbClr val="002060"/>
+                </a:solidFill>
+                <a:latin typeface="Tahoma" charset="0"/>
+                <a:ea typeface="Tahoma" charset="0"/>
+                <a:cs typeface="Tahoma" charset="0"/>
+              </a:rPr>
+              <a:t>Process_Subject</a:t>
+            </a:r>
+            <a:r>
+              <a:rPr lang="en-US" sz="1200" dirty="0">
+                <a:solidFill>
+                  <a:srgbClr val="002060"/>
+                </a:solidFill>
+                <a:latin typeface="Tahoma" charset="0"/>
+                <a:ea typeface="Tahoma" charset="0"/>
+                <a:cs typeface="Tahoma" charset="0"/>
+              </a:rPr>
+              <a:t> as many times as necessary</a:t>
+            </a:r>
+          </a:p>
+        </p:txBody>
+      </p:sp>
+      <p:sp>
+        <p:nvSpPr>
+          <p:cNvPr id="27" name="Rectangle 26"/>
+          <p:cNvSpPr/>
+          <p:nvPr/>
+        </p:nvSpPr>
+        <p:spPr>
+          <a:xfrm>
+            <a:off x="150473" y="1067939"/>
+            <a:ext cx="6654364" cy="646331"/>
+          </a:xfrm>
+          <a:prstGeom prst="rect">
+            <a:avLst/>
+          </a:prstGeom>
+        </p:spPr>
+        <p:txBody>
+          <a:bodyPr wrap="square">
+            <a:spAutoFit/>
+          </a:bodyPr>
+          <a:lstStyle/>
+          <a:p>
+            <a:r>
+              <a:rPr lang="en-US" sz="1200" dirty="0">
+                <a:solidFill>
+                  <a:srgbClr val="002060"/>
+                </a:solidFill>
+                <a:latin typeface="Tahoma" charset="0"/>
+                <a:ea typeface="Tahoma" charset="0"/>
+                <a:cs typeface="Tahoma" charset="0"/>
+              </a:rPr>
+              <a:t>Make the output tracker, which may also be the output.</a:t>
+            </a:r>
+          </a:p>
+          <a:p>
+            <a:r>
+              <a:rPr lang="en-US" sz="1200" dirty="0">
+                <a:solidFill>
+                  <a:srgbClr val="002060"/>
+                </a:solidFill>
+                <a:latin typeface="Tahoma" charset="0"/>
+                <a:ea typeface="Tahoma" charset="0"/>
+                <a:cs typeface="Tahoma" charset="0"/>
+              </a:rPr>
+              <a:t>If </a:t>
+            </a:r>
+            <a:r>
+              <a:rPr lang="en-US" sz="1200" dirty="0" err="1">
+                <a:solidFill>
+                  <a:srgbClr val="002060"/>
+                </a:solidFill>
+                <a:latin typeface="Tahoma" charset="0"/>
+                <a:ea typeface="Tahoma" charset="0"/>
+                <a:cs typeface="Tahoma" charset="0"/>
+              </a:rPr>
+              <a:t>analysistype</a:t>
+            </a:r>
+            <a:r>
+              <a:rPr lang="en-US" sz="1200" dirty="0">
+                <a:solidFill>
+                  <a:srgbClr val="002060"/>
+                </a:solidFill>
+                <a:latin typeface="Tahoma" charset="0"/>
+                <a:ea typeface="Tahoma" charset="0"/>
+                <a:cs typeface="Tahoma" charset="0"/>
+              </a:rPr>
+              <a:t> is 0 or 1, make a grid. Grid gets filled with numbers or success/failure codes.</a:t>
+            </a:r>
+          </a:p>
+          <a:p>
+            <a:r>
+              <a:rPr lang="en-US" sz="1200" dirty="0" err="1">
+                <a:solidFill>
+                  <a:srgbClr val="002060"/>
+                </a:solidFill>
+                <a:latin typeface="Tahoma" charset="0"/>
+                <a:ea typeface="Tahoma" charset="0"/>
+                <a:cs typeface="Tahoma" charset="0"/>
+              </a:rPr>
+              <a:t>Process_session</a:t>
+            </a:r>
+            <a:r>
+              <a:rPr lang="en-US" sz="1200" dirty="0">
+                <a:solidFill>
+                  <a:srgbClr val="002060"/>
+                </a:solidFill>
+                <a:latin typeface="Tahoma" charset="0"/>
+                <a:ea typeface="Tahoma" charset="0"/>
+                <a:cs typeface="Tahoma" charset="0"/>
+              </a:rPr>
+              <a:t> will return a strip that gets dumped into this grid</a:t>
+            </a:r>
+          </a:p>
+        </p:txBody>
+      </p:sp>
+      <p:sp>
+        <p:nvSpPr>
+          <p:cNvPr id="11" name="TextBox 10"/>
+          <p:cNvSpPr txBox="1"/>
+          <p:nvPr/>
+        </p:nvSpPr>
+        <p:spPr>
+          <a:xfrm>
+            <a:off x="4324556" y="5922019"/>
+            <a:ext cx="4755944" cy="1015663"/>
+          </a:xfrm>
+          <a:prstGeom prst="rect">
+            <a:avLst/>
+          </a:prstGeom>
+          <a:noFill/>
+        </p:spPr>
+        <p:txBody>
+          <a:bodyPr wrap="square" rtlCol="0">
+            <a:spAutoFit/>
+          </a:bodyPr>
+          <a:lstStyle/>
+          <a:p>
+            <a:r>
+              <a:rPr lang="en-US" sz="1000" dirty="0">
+                <a:solidFill>
+                  <a:srgbClr val="002060"/>
+                </a:solidFill>
+                <a:latin typeface="Tahoma" charset="0"/>
+                <a:ea typeface="Tahoma" charset="0"/>
+                <a:cs typeface="Tahoma" charset="0"/>
+              </a:rPr>
+              <a:t> </a:t>
+            </a:r>
+            <a:r>
+              <a:rPr lang="en-US" sz="1000" dirty="0" err="1">
+                <a:solidFill>
+                  <a:srgbClr val="002060"/>
+                </a:solidFill>
+                <a:latin typeface="Tahoma" charset="0"/>
+                <a:ea typeface="Tahoma" charset="0"/>
+                <a:cs typeface="Tahoma" charset="0"/>
+              </a:rPr>
+              <a:t>Process_single_channel</a:t>
+            </a:r>
+            <a:endParaRPr lang="en-US" sz="1000" dirty="0">
               <a:solidFill>
-                <a:srgbClr val="FF0000"/>
+                <a:srgbClr val="002060"/>
               </a:solidFill>
               <a:latin typeface="Tahoma" charset="0"/>
               <a:ea typeface="Tahoma" charset="0"/>
               <a:cs typeface="Tahoma" charset="0"/>
             </a:endParaRPr>
           </a:p>
-        </p:txBody>
-      </p:sp>
-      <p:sp>
-        <p:nvSpPr>
-          <p:cNvPr id="25" name="TextBox 24"/>
+          <a:p>
+            <a:r>
+              <a:rPr lang="en-US" sz="1000" dirty="0">
+                <a:solidFill>
+                  <a:srgbClr val="002060"/>
+                </a:solidFill>
+                <a:latin typeface="Tahoma" charset="0"/>
+                <a:ea typeface="Tahoma" charset="0"/>
+                <a:cs typeface="Tahoma" charset="0"/>
+              </a:rPr>
+              <a:t>   </a:t>
+            </a:r>
+          </a:p>
+          <a:p>
+            <a:r>
+              <a:rPr lang="en-US" sz="1000" dirty="0">
+                <a:solidFill>
+                  <a:srgbClr val="002060"/>
+                </a:solidFill>
+                <a:latin typeface="Tahoma" charset="0"/>
+                <a:ea typeface="Tahoma" charset="0"/>
+                <a:cs typeface="Tahoma" charset="0"/>
+              </a:rPr>
+              <a:t>IF Single channel analysis, single-session multichannel output wave: SD</a:t>
+            </a:r>
+          </a:p>
+          <a:p>
+            <a:r>
+              <a:rPr lang="en-US" sz="1000" dirty="0">
+                <a:solidFill>
+                  <a:srgbClr val="002060"/>
+                </a:solidFill>
+                <a:latin typeface="Tahoma" charset="0"/>
+                <a:ea typeface="Tahoma" charset="0"/>
+                <a:cs typeface="Tahoma" charset="0"/>
+              </a:rPr>
+              <a:t>create it here, and handle the naming and saving when the next loop closes. (i.e. name will be different if saving vs keeping). if SD build wave and populate it with return values from </a:t>
+            </a:r>
+            <a:r>
+              <a:rPr lang="en-US" sz="1000" dirty="0" err="1">
+                <a:solidFill>
+                  <a:srgbClr val="002060"/>
+                </a:solidFill>
+                <a:latin typeface="Tahoma" charset="0"/>
+                <a:ea typeface="Tahoma" charset="0"/>
+                <a:cs typeface="Tahoma" charset="0"/>
+              </a:rPr>
+              <a:t>process_channels</a:t>
+            </a:r>
+            <a:endParaRPr lang="en-US" sz="1000" dirty="0">
+              <a:latin typeface="Tahoma" charset="0"/>
+              <a:ea typeface="Tahoma" charset="0"/>
+              <a:cs typeface="Tahoma" charset="0"/>
+            </a:endParaRPr>
+          </a:p>
+        </p:txBody>
+      </p:sp>
+      <p:sp>
+        <p:nvSpPr>
+          <p:cNvPr id="28" name="TextBox 27"/>
           <p:cNvSpPr txBox="1"/>
           <p:nvPr/>
         </p:nvSpPr>
         <p:spPr>
           <a:xfrm>
-            <a:off x="88872" y="859272"/>
-            <a:ext cx="7427033" cy="246221"/>
+            <a:off x="728344" y="2989086"/>
+            <a:ext cx="8662949" cy="246221"/>
           </a:xfrm>
           <a:prstGeom prst="rect">
             <a:avLst/>
@@ -10574,12 +10647,12 @@
           <a:lstStyle/>
           <a:p>
             <a:r>
-              <a:rPr lang="en-US" sz="1000" dirty="0" err="1" smtClean="0">
-                <a:latin typeface="Tahoma" charset="0"/>
-                <a:ea typeface="Tahoma" charset="0"/>
-                <a:cs typeface="Tahoma" charset="0"/>
-              </a:rPr>
-              <a:t>Process_Subject</a:t>
+              <a:rPr lang="en-US" sz="1000" dirty="0" err="1">
+                <a:latin typeface="Tahoma" charset="0"/>
+                <a:ea typeface="Tahoma" charset="0"/>
+                <a:cs typeface="Tahoma" charset="0"/>
+              </a:rPr>
+              <a:t>returnwave</a:t>
             </a:r>
             <a:r>
               <a:rPr lang="en-US" sz="1000" dirty="0">
@@ -10587,6 +10660,22 @@
                 <a:ea typeface="Tahoma" charset="0"/>
                 <a:cs typeface="Tahoma" charset="0"/>
               </a:rPr>
+              <a:t>[] = </a:t>
+            </a:r>
+            <a:r>
+              <a:rPr lang="en-US" sz="1000" dirty="0" err="1">
+                <a:latin typeface="Tahoma" charset="0"/>
+                <a:ea typeface="Tahoma" charset="0"/>
+                <a:cs typeface="Tahoma" charset="0"/>
+              </a:rPr>
+              <a:t>Process_Single_channel</a:t>
+            </a:r>
+            <a:r>
+              <a:rPr lang="en-US" sz="1000" dirty="0">
+                <a:latin typeface="Tahoma" charset="0"/>
+                <a:ea typeface="Tahoma" charset="0"/>
+                <a:cs typeface="Tahoma" charset="0"/>
+              </a:rPr>
               <a:t> (</a:t>
             </a:r>
             <a:r>
@@ -10595,7 +10684,7 @@
                 <a:ea typeface="Tahoma" charset="0"/>
                 <a:cs typeface="Tahoma" charset="0"/>
               </a:rPr>
-              <a:t>nextsubject</a:t>
+              <a:t>subjectname</a:t>
             </a:r>
             <a:r>
               <a:rPr lang="en-US" sz="1000" dirty="0">
@@ -10627,6 +10716,22 @@
                 <a:ea typeface="Tahoma" charset="0"/>
                 <a:cs typeface="Tahoma" charset="0"/>
               </a:rPr>
+              <a:t>nextChannel</a:t>
+            </a:r>
+            <a:r>
+              <a:rPr lang="en-US" sz="1000" dirty="0">
+                <a:latin typeface="Tahoma" charset="0"/>
+                <a:ea typeface="Tahoma" charset="0"/>
+                <a:cs typeface="Tahoma" charset="0"/>
+              </a:rPr>
+              <a:t>, </a:t>
+            </a:r>
+            <a:r>
+              <a:rPr lang="en-US" sz="1000" dirty="0" err="1">
+                <a:latin typeface="Tahoma" charset="0"/>
+                <a:ea typeface="Tahoma" charset="0"/>
+                <a:cs typeface="Tahoma" charset="0"/>
+              </a:rPr>
               <a:t>referencename</a:t>
             </a:r>
             <a:r>
@@ -10643,7 +10748,7 @@
                 <a:ea typeface="Tahoma" charset="0"/>
                 <a:cs typeface="Tahoma" charset="0"/>
               </a:rPr>
-              <a:t>channelliststring</a:t>
+              <a:t>whichanalysis</a:t>
             </a:r>
             <a:r>
               <a:rPr lang="en-US" sz="1000" dirty="0">
@@ -10659,7 +10764,7 @@
                 <a:ea typeface="Tahoma" charset="0"/>
                 <a:cs typeface="Tahoma" charset="0"/>
               </a:rPr>
-              <a:t>whichanalysis</a:t>
+              <a:t>analysisparameters</a:t>
             </a:r>
             <a:r>
               <a:rPr lang="en-US" sz="1000" dirty="0">
@@ -10675,10 +10780,10 @@
                 <a:ea typeface="Tahoma" charset="0"/>
                 <a:cs typeface="Tahoma" charset="0"/>
               </a:rPr>
-              <a:t>analysisparameters,keepinRAM</a:t>
-            </a:r>
-            <a:r>
-              <a:rPr lang="en-US" sz="1000" dirty="0" smtClean="0">
+              <a:t>keepinRAM</a:t>
+            </a:r>
+            <a:r>
+              <a:rPr lang="en-US" sz="1000" dirty="0">
                 <a:latin typeface="Tahoma" charset="0"/>
                 <a:ea typeface="Tahoma" charset="0"/>
                 <a:cs typeface="Tahoma" charset="0"/>
@@ -10690,14 +10795,83 @@
       </p:sp>
       <p:sp>
         <p:nvSpPr>
-          <p:cNvPr id="26" name="TextBox 25"/>
+          <p:cNvPr id="29" name="TextBox 28"/>
           <p:cNvSpPr txBox="1"/>
           <p:nvPr/>
         </p:nvSpPr>
         <p:spPr>
           <a:xfrm>
-            <a:off x="0" y="688897"/>
-            <a:ext cx="4635243" cy="276999"/>
+            <a:off x="646899" y="3826196"/>
+            <a:ext cx="5650841" cy="276999"/>
+          </a:xfrm>
+          <a:prstGeom prst="rect">
+            <a:avLst/>
+          </a:prstGeom>
+          <a:noFill/>
+        </p:spPr>
+        <p:txBody>
+          <a:bodyPr wrap="square" rtlCol="0">
+            <a:spAutoFit/>
+          </a:bodyPr>
+          <a:lstStyle/>
+          <a:p>
+            <a:r>
+              <a:rPr lang="en-US" sz="1200" dirty="0" err="1">
+                <a:solidFill>
+                  <a:srgbClr val="002060"/>
+                </a:solidFill>
+                <a:latin typeface="Tahoma" charset="0"/>
+                <a:ea typeface="Tahoma" charset="0"/>
+                <a:cs typeface="Tahoma" charset="0"/>
+              </a:rPr>
+              <a:t>Elseif</a:t>
+            </a:r>
+            <a:r>
+              <a:rPr lang="en-US" sz="1200" dirty="0">
+                <a:solidFill>
+                  <a:srgbClr val="002060"/>
+                </a:solidFill>
+                <a:latin typeface="Tahoma" charset="0"/>
+                <a:ea typeface="Tahoma" charset="0"/>
+                <a:cs typeface="Tahoma" charset="0"/>
+              </a:rPr>
+              <a:t> </a:t>
+            </a:r>
+            <a:r>
+              <a:rPr lang="en-US" sz="1200" dirty="0" err="1">
+                <a:solidFill>
+                  <a:srgbClr val="002060"/>
+                </a:solidFill>
+                <a:latin typeface="Tahoma" charset="0"/>
+                <a:ea typeface="Tahoma" charset="0"/>
+                <a:cs typeface="Tahoma" charset="0"/>
+              </a:rPr>
+              <a:t>analysistype</a:t>
+            </a:r>
+            <a:r>
+              <a:rPr lang="en-US" sz="1200" dirty="0">
+                <a:solidFill>
+                  <a:srgbClr val="002060"/>
+                </a:solidFill>
+                <a:latin typeface="Tahoma" charset="0"/>
+                <a:ea typeface="Tahoma" charset="0"/>
+                <a:cs typeface="Tahoma" charset="0"/>
+              </a:rPr>
+              <a:t> is 2 (i.e. more than one wave needed for computation)</a:t>
+            </a:r>
+          </a:p>
+        </p:txBody>
+      </p:sp>
+      <p:sp>
+        <p:nvSpPr>
+          <p:cNvPr id="31" name="TextBox 30"/>
+          <p:cNvSpPr txBox="1"/>
+          <p:nvPr/>
+        </p:nvSpPr>
+        <p:spPr>
+          <a:xfrm>
+            <a:off x="728344" y="4035961"/>
+            <a:ext cx="6210354" cy="246221"/>
           </a:xfrm>
           <a:prstGeom prst="rect">
             <a:avLst/>
@@ -10711,7 +10885,128 @@
           <a:lstStyle/>
           <a:p>
             <a:r>
-              <a:rPr lang="en-US" sz="1200" dirty="0" smtClean="0">
+              <a:rPr lang="en-US" sz="1000" dirty="0" err="1">
+                <a:latin typeface="Tahoma" charset="0"/>
+                <a:ea typeface="Tahoma" charset="0"/>
+                <a:cs typeface="Tahoma" charset="0"/>
+              </a:rPr>
+              <a:t>returnwave</a:t>
+            </a:r>
+            <a:r>
+              <a:rPr lang="en-US" sz="1000" dirty="0">
+                <a:latin typeface="Tahoma" charset="0"/>
+                <a:ea typeface="Tahoma" charset="0"/>
+                <a:cs typeface="Tahoma" charset="0"/>
+              </a:rPr>
+              <a:t> = </a:t>
+            </a:r>
+            <a:r>
+              <a:rPr lang="en-US" sz="1000" dirty="0" err="1">
+                <a:latin typeface="Tahoma" charset="0"/>
+                <a:ea typeface="Tahoma" charset="0"/>
+                <a:cs typeface="Tahoma" charset="0"/>
+              </a:rPr>
+              <a:t>Process_Multi_Channels</a:t>
+            </a:r>
+            <a:r>
+              <a:rPr lang="en-US" sz="1000" dirty="0">
+                <a:latin typeface="Tahoma" charset="0"/>
+                <a:ea typeface="Tahoma" charset="0"/>
+                <a:cs typeface="Tahoma" charset="0"/>
+              </a:rPr>
+              <a:t> (</a:t>
+            </a:r>
+            <a:r>
+              <a:rPr lang="en-US" sz="1000" dirty="0" err="1">
+                <a:latin typeface="Tahoma" charset="0"/>
+                <a:ea typeface="Tahoma" charset="0"/>
+                <a:cs typeface="Tahoma" charset="0"/>
+              </a:rPr>
+              <a:t>channelliststring</a:t>
+            </a:r>
+            <a:r>
+              <a:rPr lang="en-US" sz="1000" dirty="0">
+                <a:latin typeface="Tahoma" charset="0"/>
+                <a:ea typeface="Tahoma" charset="0"/>
+                <a:cs typeface="Tahoma" charset="0"/>
+              </a:rPr>
+              <a:t>, </a:t>
+            </a:r>
+            <a:r>
+              <a:rPr lang="en-US" sz="1000" dirty="0" err="1">
+                <a:latin typeface="Tahoma" charset="0"/>
+                <a:ea typeface="Tahoma" charset="0"/>
+                <a:cs typeface="Tahoma" charset="0"/>
+              </a:rPr>
+              <a:t>whichanalysis</a:t>
+            </a:r>
+            <a:r>
+              <a:rPr lang="en-US" sz="1000" dirty="0">
+                <a:latin typeface="Tahoma" charset="0"/>
+                <a:ea typeface="Tahoma" charset="0"/>
+                <a:cs typeface="Tahoma" charset="0"/>
+              </a:rPr>
+              <a:t>, </a:t>
+            </a:r>
+            <a:r>
+              <a:rPr lang="en-US" sz="1000" dirty="0" err="1">
+                <a:latin typeface="Tahoma" charset="0"/>
+                <a:ea typeface="Tahoma" charset="0"/>
+                <a:cs typeface="Tahoma" charset="0"/>
+              </a:rPr>
+              <a:t>analysisparameters</a:t>
+            </a:r>
+            <a:r>
+              <a:rPr lang="en-US" sz="1000" dirty="0">
+                <a:latin typeface="Tahoma" charset="0"/>
+                <a:ea typeface="Tahoma" charset="0"/>
+                <a:cs typeface="Tahoma" charset="0"/>
+              </a:rPr>
+              <a:t>, </a:t>
+            </a:r>
+            <a:r>
+              <a:rPr lang="en-US" sz="1000" dirty="0" err="1">
+                <a:latin typeface="Tahoma" charset="0"/>
+                <a:ea typeface="Tahoma" charset="0"/>
+                <a:cs typeface="Tahoma" charset="0"/>
+              </a:rPr>
+              <a:t>keepinRAM</a:t>
+            </a:r>
+            <a:r>
+              <a:rPr lang="en-US" sz="1000" dirty="0">
+                <a:latin typeface="Tahoma" charset="0"/>
+                <a:ea typeface="Tahoma" charset="0"/>
+                <a:cs typeface="Tahoma" charset="0"/>
+              </a:rPr>
+              <a:t>)  </a:t>
+            </a:r>
+          </a:p>
+        </p:txBody>
+      </p:sp>
+      <p:sp>
+        <p:nvSpPr>
+          <p:cNvPr id="32" name="TextBox 31"/>
+          <p:cNvSpPr txBox="1"/>
+          <p:nvPr/>
+        </p:nvSpPr>
+        <p:spPr>
+          <a:xfrm>
+            <a:off x="345642" y="4789852"/>
+            <a:ext cx="1451268" cy="276999"/>
+          </a:xfrm>
+          <a:prstGeom prst="rect">
+            <a:avLst/>
+          </a:prstGeom>
+          <a:noFill/>
+        </p:spPr>
+        <p:txBody>
+          <a:bodyPr wrap="square" rtlCol="0">
+            <a:spAutoFit/>
+          </a:bodyPr>
+          <a:lstStyle/>
+          <a:p>
+            <a:r>
+              <a:rPr lang="en-US" sz="1200" dirty="0">
                 <a:solidFill>
                   <a:srgbClr val="002060"/>
                 </a:solidFill>
@@ -10719,10 +11014,10 @@
                 <a:ea typeface="Tahoma" charset="0"/>
                 <a:cs typeface="Tahoma" charset="0"/>
               </a:rPr>
-              <a:t>A wrapper that calls </a:t>
-            </a:r>
-            <a:r>
-              <a:rPr lang="en-US" sz="1200" dirty="0" err="1" smtClean="0">
+              <a:t>Return </a:t>
+            </a:r>
+            <a:r>
+              <a:rPr lang="en-US" sz="1200" dirty="0" err="1">
                 <a:solidFill>
                   <a:srgbClr val="002060"/>
                 </a:solidFill>
@@ -10730,18 +11025,7 @@
                 <a:ea typeface="Tahoma" charset="0"/>
                 <a:cs typeface="Tahoma" charset="0"/>
               </a:rPr>
-              <a:t>Process_Subject</a:t>
-            </a:r>
-            <a:r>
-              <a:rPr lang="en-US" sz="1200" dirty="0" smtClean="0">
-                <a:solidFill>
-                  <a:srgbClr val="002060"/>
-                </a:solidFill>
-                <a:latin typeface="Tahoma" charset="0"/>
-                <a:ea typeface="Tahoma" charset="0"/>
-                <a:cs typeface="Tahoma" charset="0"/>
-              </a:rPr>
-              <a:t> as many times as necessary</a:t>
+              <a:t>returnwave</a:t>
             </a:r>
             <a:endParaRPr lang="en-US" sz="1200" dirty="0">
               <a:solidFill>
@@ -10756,119 +11040,14 @@
       </p:sp>
       <p:sp>
         <p:nvSpPr>
-          <p:cNvPr id="27" name="Rectangle 26"/>
-          <p:cNvSpPr/>
-          <p:nvPr/>
-        </p:nvSpPr>
-        <p:spPr>
-          <a:xfrm>
-            <a:off x="150473" y="1067939"/>
-            <a:ext cx="6654364" cy="646331"/>
-          </a:xfrm>
-          <a:prstGeom prst="rect">
-            <a:avLst/>
-          </a:prstGeom>
-        </p:spPr>
-        <p:txBody>
-          <a:bodyPr wrap="square">
-            <a:spAutoFit/>
-          </a:bodyPr>
-          <a:lstStyle/>
-          <a:p>
-            <a:r>
-              <a:rPr lang="en-US" sz="1200" dirty="0" smtClean="0">
-                <a:solidFill>
-                  <a:srgbClr val="002060"/>
-                </a:solidFill>
-                <a:latin typeface="Tahoma" charset="0"/>
-                <a:ea typeface="Tahoma" charset="0"/>
-                <a:cs typeface="Tahoma" charset="0"/>
-              </a:rPr>
-              <a:t>Make the output tracker, which may also be the output.</a:t>
-            </a:r>
-          </a:p>
-          <a:p>
-            <a:r>
-              <a:rPr lang="en-US" sz="1200" dirty="0" smtClean="0">
-                <a:solidFill>
-                  <a:srgbClr val="002060"/>
-                </a:solidFill>
-                <a:latin typeface="Tahoma" charset="0"/>
-                <a:ea typeface="Tahoma" charset="0"/>
-                <a:cs typeface="Tahoma" charset="0"/>
-              </a:rPr>
-              <a:t>If </a:t>
-            </a:r>
-            <a:r>
-              <a:rPr lang="en-US" sz="1200" dirty="0" err="1" smtClean="0">
-                <a:solidFill>
-                  <a:srgbClr val="002060"/>
-                </a:solidFill>
-                <a:latin typeface="Tahoma" charset="0"/>
-                <a:ea typeface="Tahoma" charset="0"/>
-                <a:cs typeface="Tahoma" charset="0"/>
-              </a:rPr>
-              <a:t>analysistype</a:t>
-            </a:r>
-            <a:r>
-              <a:rPr lang="en-US" sz="1200" dirty="0" smtClean="0">
-                <a:solidFill>
-                  <a:srgbClr val="002060"/>
-                </a:solidFill>
-                <a:latin typeface="Tahoma" charset="0"/>
-                <a:ea typeface="Tahoma" charset="0"/>
-                <a:cs typeface="Tahoma" charset="0"/>
-              </a:rPr>
-              <a:t> is 0 or 1, make a grid. Grid gets filled with numbers or success/failure codes.</a:t>
-            </a:r>
-          </a:p>
-          <a:p>
-            <a:r>
-              <a:rPr lang="en-US" sz="1200" dirty="0" err="1">
-                <a:solidFill>
-                  <a:srgbClr val="002060"/>
-                </a:solidFill>
-                <a:latin typeface="Tahoma" charset="0"/>
-                <a:ea typeface="Tahoma" charset="0"/>
-                <a:cs typeface="Tahoma" charset="0"/>
-              </a:rPr>
-              <a:t>P</a:t>
-            </a:r>
-            <a:r>
-              <a:rPr lang="en-US" sz="1200" dirty="0" err="1" smtClean="0">
-                <a:solidFill>
-                  <a:srgbClr val="002060"/>
-                </a:solidFill>
-                <a:latin typeface="Tahoma" charset="0"/>
-                <a:ea typeface="Tahoma" charset="0"/>
-                <a:cs typeface="Tahoma" charset="0"/>
-              </a:rPr>
-              <a:t>rocess_session</a:t>
-            </a:r>
-            <a:r>
-              <a:rPr lang="en-US" sz="1200" dirty="0" smtClean="0">
-                <a:solidFill>
-                  <a:srgbClr val="002060"/>
-                </a:solidFill>
-                <a:latin typeface="Tahoma" charset="0"/>
-                <a:ea typeface="Tahoma" charset="0"/>
-                <a:cs typeface="Tahoma" charset="0"/>
-              </a:rPr>
-              <a:t> will return a strip that gets dumped into this grid</a:t>
-            </a:r>
-          </a:p>
-        </p:txBody>
-      </p:sp>
-      <p:sp>
-        <p:nvSpPr>
-          <p:cNvPr id="11" name="TextBox 10"/>
+          <p:cNvPr id="33" name="TextBox 32"/>
           <p:cNvSpPr txBox="1"/>
           <p:nvPr/>
         </p:nvSpPr>
         <p:spPr>
           <a:xfrm>
-            <a:off x="4324556" y="5922019"/>
-            <a:ext cx="4755944" cy="1015663"/>
+            <a:off x="526317" y="5707452"/>
+            <a:ext cx="8851528" cy="276999"/>
           </a:xfrm>
           <a:prstGeom prst="rect">
             <a:avLst/>
@@ -10882,7 +11061,7 @@
           <a:lstStyle/>
           <a:p>
             <a:r>
-              <a:rPr lang="en-US" sz="1000" dirty="0">
+              <a:rPr lang="en-US" sz="1200" dirty="0">
                 <a:solidFill>
                   <a:srgbClr val="002060"/>
                 </a:solidFill>
@@ -10890,593 +11069,7 @@
                 <a:ea typeface="Tahoma" charset="0"/>
                 <a:cs typeface="Tahoma" charset="0"/>
               </a:rPr>
-              <a:t> </a:t>
-            </a:r>
-            <a:r>
-              <a:rPr lang="en-US" sz="1000" dirty="0" err="1">
-                <a:solidFill>
-                  <a:srgbClr val="002060"/>
-                </a:solidFill>
-                <a:latin typeface="Tahoma" charset="0"/>
-                <a:ea typeface="Tahoma" charset="0"/>
-                <a:cs typeface="Tahoma" charset="0"/>
-              </a:rPr>
-              <a:t>Process_single_channel</a:t>
-            </a:r>
-            <a:endParaRPr lang="en-US" sz="1000" dirty="0">
-              <a:solidFill>
-                <a:srgbClr val="002060"/>
-              </a:solidFill>
-              <a:latin typeface="Tahoma" charset="0"/>
-              <a:ea typeface="Tahoma" charset="0"/>
-              <a:cs typeface="Tahoma" charset="0"/>
-            </a:endParaRPr>
-          </a:p>
-          <a:p>
-            <a:r>
-              <a:rPr lang="en-US" sz="1000" dirty="0">
-                <a:solidFill>
-                  <a:srgbClr val="002060"/>
-                </a:solidFill>
-                <a:latin typeface="Tahoma" charset="0"/>
-                <a:ea typeface="Tahoma" charset="0"/>
-                <a:cs typeface="Tahoma" charset="0"/>
-              </a:rPr>
-              <a:t>   </a:t>
-            </a:r>
-          </a:p>
-          <a:p>
-            <a:r>
-              <a:rPr lang="en-US" sz="1000" dirty="0">
-                <a:solidFill>
-                  <a:srgbClr val="002060"/>
-                </a:solidFill>
-                <a:latin typeface="Tahoma" charset="0"/>
-                <a:ea typeface="Tahoma" charset="0"/>
-                <a:cs typeface="Tahoma" charset="0"/>
-              </a:rPr>
-              <a:t>IF Single channel analysis, single-session multichannel output wave: SD</a:t>
-            </a:r>
-          </a:p>
-          <a:p>
-            <a:r>
-              <a:rPr lang="en-US" sz="1000" dirty="0">
-                <a:solidFill>
-                  <a:srgbClr val="002060"/>
-                </a:solidFill>
-                <a:latin typeface="Tahoma" charset="0"/>
-                <a:ea typeface="Tahoma" charset="0"/>
-                <a:cs typeface="Tahoma" charset="0"/>
-              </a:rPr>
-              <a:t>create it here, and handle the naming and saving when the next loop closes. (i.e. name will be different if saving vs keeping). if SD build wave and populate it with return values from </a:t>
-            </a:r>
-            <a:r>
-              <a:rPr lang="en-US" sz="1000" dirty="0" err="1">
-                <a:solidFill>
-                  <a:srgbClr val="002060"/>
-                </a:solidFill>
-                <a:latin typeface="Tahoma" charset="0"/>
-                <a:ea typeface="Tahoma" charset="0"/>
-                <a:cs typeface="Tahoma" charset="0"/>
-              </a:rPr>
-              <a:t>process_channels</a:t>
-            </a:r>
-            <a:endParaRPr lang="en-US" sz="1000" dirty="0" smtClean="0">
-              <a:latin typeface="Tahoma" charset="0"/>
-              <a:ea typeface="Tahoma" charset="0"/>
-              <a:cs typeface="Tahoma" charset="0"/>
-            </a:endParaRPr>
-          </a:p>
-        </p:txBody>
-      </p:sp>
-      <p:sp>
-        <p:nvSpPr>
-          <p:cNvPr id="28" name="TextBox 27"/>
-          <p:cNvSpPr txBox="1"/>
-          <p:nvPr/>
-        </p:nvSpPr>
-        <p:spPr>
-          <a:xfrm>
-            <a:off x="728344" y="2989086"/>
-            <a:ext cx="8662949" cy="246221"/>
-          </a:xfrm>
-          <a:prstGeom prst="rect">
-            <a:avLst/>
-          </a:prstGeom>
-          <a:noFill/>
-        </p:spPr>
-        <p:txBody>
-          <a:bodyPr wrap="none" rtlCol="0">
-            <a:spAutoFit/>
-          </a:bodyPr>
-          <a:lstStyle/>
-          <a:p>
-            <a:r>
-              <a:rPr lang="en-US" sz="1000" dirty="0" err="1" smtClean="0">
-                <a:latin typeface="Tahoma" charset="0"/>
-                <a:ea typeface="Tahoma" charset="0"/>
-                <a:cs typeface="Tahoma" charset="0"/>
-              </a:rPr>
-              <a:t>returnwave</a:t>
-            </a:r>
-            <a:r>
-              <a:rPr lang="en-US" sz="1000" dirty="0" smtClean="0">
-                <a:latin typeface="Tahoma" charset="0"/>
-                <a:ea typeface="Tahoma" charset="0"/>
-                <a:cs typeface="Tahoma" charset="0"/>
-              </a:rPr>
-              <a:t>[] = </a:t>
-            </a:r>
-            <a:r>
-              <a:rPr lang="en-US" sz="1000" dirty="0" err="1" smtClean="0">
-                <a:latin typeface="Tahoma" charset="0"/>
-                <a:ea typeface="Tahoma" charset="0"/>
-                <a:cs typeface="Tahoma" charset="0"/>
-              </a:rPr>
-              <a:t>Process_Single_channel</a:t>
-            </a:r>
-            <a:r>
-              <a:rPr lang="en-US" sz="1000" dirty="0" smtClean="0">
-                <a:latin typeface="Tahoma" charset="0"/>
-                <a:ea typeface="Tahoma" charset="0"/>
-                <a:cs typeface="Tahoma" charset="0"/>
-              </a:rPr>
-              <a:t> (</a:t>
-            </a:r>
-            <a:r>
-              <a:rPr lang="en-US" sz="1000" dirty="0" err="1">
-                <a:latin typeface="Tahoma" charset="0"/>
-                <a:ea typeface="Tahoma" charset="0"/>
-                <a:cs typeface="Tahoma" charset="0"/>
-              </a:rPr>
-              <a:t>subjectname</a:t>
-            </a:r>
-            <a:r>
-              <a:rPr lang="en-US" sz="1000" dirty="0">
-                <a:latin typeface="Tahoma" charset="0"/>
-                <a:ea typeface="Tahoma" charset="0"/>
-                <a:cs typeface="Tahoma" charset="0"/>
-              </a:rPr>
-              <a:t>, </a:t>
-            </a:r>
-            <a:r>
-              <a:rPr lang="en-US" sz="1000" dirty="0" err="1">
-                <a:latin typeface="Tahoma" charset="0"/>
-                <a:ea typeface="Tahoma" charset="0"/>
-                <a:cs typeface="Tahoma" charset="0"/>
-              </a:rPr>
-              <a:t>recordingstring</a:t>
-            </a:r>
-            <a:r>
-              <a:rPr lang="en-US" sz="1000" dirty="0">
-                <a:latin typeface="Tahoma" charset="0"/>
-                <a:ea typeface="Tahoma" charset="0"/>
-                <a:cs typeface="Tahoma" charset="0"/>
-              </a:rPr>
-              <a:t>, </a:t>
-            </a:r>
-            <a:r>
-              <a:rPr lang="en-US" sz="1000" dirty="0" err="1">
-                <a:latin typeface="Tahoma" charset="0"/>
-                <a:ea typeface="Tahoma" charset="0"/>
-                <a:cs typeface="Tahoma" charset="0"/>
-              </a:rPr>
-              <a:t>nextChannel</a:t>
-            </a:r>
-            <a:r>
-              <a:rPr lang="en-US" sz="1000" dirty="0">
-                <a:latin typeface="Tahoma" charset="0"/>
-                <a:ea typeface="Tahoma" charset="0"/>
-                <a:cs typeface="Tahoma" charset="0"/>
-              </a:rPr>
-              <a:t>, </a:t>
-            </a:r>
-            <a:r>
-              <a:rPr lang="en-US" sz="1000" dirty="0" err="1">
-                <a:latin typeface="Tahoma" charset="0"/>
-                <a:ea typeface="Tahoma" charset="0"/>
-                <a:cs typeface="Tahoma" charset="0"/>
-              </a:rPr>
-              <a:t>referencename</a:t>
-            </a:r>
-            <a:r>
-              <a:rPr lang="en-US" sz="1000" dirty="0">
-                <a:latin typeface="Tahoma" charset="0"/>
-                <a:ea typeface="Tahoma" charset="0"/>
-                <a:cs typeface="Tahoma" charset="0"/>
-              </a:rPr>
-              <a:t>, </a:t>
-            </a:r>
-            <a:r>
-              <a:rPr lang="en-US" sz="1000" dirty="0" err="1">
-                <a:latin typeface="Tahoma" charset="0"/>
-                <a:ea typeface="Tahoma" charset="0"/>
-                <a:cs typeface="Tahoma" charset="0"/>
-              </a:rPr>
-              <a:t>whichanalysis</a:t>
-            </a:r>
-            <a:r>
-              <a:rPr lang="en-US" sz="1000" dirty="0">
-                <a:latin typeface="Tahoma" charset="0"/>
-                <a:ea typeface="Tahoma" charset="0"/>
-                <a:cs typeface="Tahoma" charset="0"/>
-              </a:rPr>
-              <a:t>, </a:t>
-            </a:r>
-            <a:r>
-              <a:rPr lang="en-US" sz="1000" dirty="0" err="1">
-                <a:latin typeface="Tahoma" charset="0"/>
-                <a:ea typeface="Tahoma" charset="0"/>
-                <a:cs typeface="Tahoma" charset="0"/>
-              </a:rPr>
-              <a:t>analysisparameters</a:t>
-            </a:r>
-            <a:r>
-              <a:rPr lang="en-US" sz="1000" dirty="0">
-                <a:latin typeface="Tahoma" charset="0"/>
-                <a:ea typeface="Tahoma" charset="0"/>
-                <a:cs typeface="Tahoma" charset="0"/>
-              </a:rPr>
-              <a:t>, </a:t>
-            </a:r>
-            <a:r>
-              <a:rPr lang="en-US" sz="1000" dirty="0" err="1" smtClean="0">
-                <a:latin typeface="Tahoma" charset="0"/>
-                <a:ea typeface="Tahoma" charset="0"/>
-                <a:cs typeface="Tahoma" charset="0"/>
-              </a:rPr>
-              <a:t>keepinRAM</a:t>
-            </a:r>
-            <a:r>
-              <a:rPr lang="en-US" sz="1000" dirty="0" smtClean="0">
-                <a:latin typeface="Tahoma" charset="0"/>
-                <a:ea typeface="Tahoma" charset="0"/>
-                <a:cs typeface="Tahoma" charset="0"/>
-              </a:rPr>
-              <a:t>)</a:t>
-            </a:r>
-            <a:endParaRPr lang="en-US" sz="1000" dirty="0">
-              <a:latin typeface="Tahoma" charset="0"/>
-              <a:ea typeface="Tahoma" charset="0"/>
-              <a:cs typeface="Tahoma" charset="0"/>
-            </a:endParaRPr>
-          </a:p>
-        </p:txBody>
-      </p:sp>
-      <p:sp>
-        <p:nvSpPr>
-          <p:cNvPr id="29" name="TextBox 28"/>
-          <p:cNvSpPr txBox="1"/>
-          <p:nvPr/>
-        </p:nvSpPr>
-        <p:spPr>
-          <a:xfrm>
-            <a:off x="646899" y="3826196"/>
-            <a:ext cx="5650841" cy="276999"/>
-          </a:xfrm>
-          <a:prstGeom prst="rect">
-            <a:avLst/>
-          </a:prstGeom>
-          <a:noFill/>
-        </p:spPr>
-        <p:txBody>
-          <a:bodyPr wrap="square" rtlCol="0">
-            <a:spAutoFit/>
-          </a:bodyPr>
-          <a:lstStyle/>
-          <a:p>
-            <a:r>
-              <a:rPr lang="en-US" sz="1200" dirty="0" err="1" smtClean="0">
-                <a:solidFill>
-                  <a:srgbClr val="002060"/>
-                </a:solidFill>
-                <a:latin typeface="Tahoma" charset="0"/>
-                <a:ea typeface="Tahoma" charset="0"/>
-                <a:cs typeface="Tahoma" charset="0"/>
-              </a:rPr>
-              <a:t>Elseif</a:t>
-            </a:r>
-            <a:r>
-              <a:rPr lang="en-US" sz="1200" dirty="0" smtClean="0">
-                <a:solidFill>
-                  <a:srgbClr val="002060"/>
-                </a:solidFill>
-                <a:latin typeface="Tahoma" charset="0"/>
-                <a:ea typeface="Tahoma" charset="0"/>
-                <a:cs typeface="Tahoma" charset="0"/>
-              </a:rPr>
-              <a:t> </a:t>
-            </a:r>
-            <a:r>
-              <a:rPr lang="en-US" sz="1200" dirty="0" err="1" smtClean="0">
-                <a:solidFill>
-                  <a:srgbClr val="002060"/>
-                </a:solidFill>
-                <a:latin typeface="Tahoma" charset="0"/>
-                <a:ea typeface="Tahoma" charset="0"/>
-                <a:cs typeface="Tahoma" charset="0"/>
-              </a:rPr>
-              <a:t>analysistype</a:t>
-            </a:r>
-            <a:r>
-              <a:rPr lang="en-US" sz="1200" dirty="0" smtClean="0">
-                <a:solidFill>
-                  <a:srgbClr val="002060"/>
-                </a:solidFill>
-                <a:latin typeface="Tahoma" charset="0"/>
-                <a:ea typeface="Tahoma" charset="0"/>
-                <a:cs typeface="Tahoma" charset="0"/>
-              </a:rPr>
-              <a:t> is 2 (i.e. more than one wave needed for computation)</a:t>
-            </a:r>
-          </a:p>
-        </p:txBody>
-      </p:sp>
-      <p:sp>
-        <p:nvSpPr>
-          <p:cNvPr id="31" name="TextBox 30"/>
-          <p:cNvSpPr txBox="1"/>
-          <p:nvPr/>
-        </p:nvSpPr>
-        <p:spPr>
-          <a:xfrm>
-            <a:off x="728344" y="4035961"/>
-            <a:ext cx="6210354" cy="246221"/>
-          </a:xfrm>
-          <a:prstGeom prst="rect">
-            <a:avLst/>
-          </a:prstGeom>
-          <a:noFill/>
-        </p:spPr>
-        <p:txBody>
-          <a:bodyPr wrap="none" rtlCol="0">
-            <a:spAutoFit/>
-          </a:bodyPr>
-          <a:lstStyle/>
-          <a:p>
-            <a:r>
-              <a:rPr lang="en-US" sz="1000" dirty="0" err="1">
-                <a:latin typeface="Tahoma" charset="0"/>
-                <a:ea typeface="Tahoma" charset="0"/>
-                <a:cs typeface="Tahoma" charset="0"/>
-              </a:rPr>
-              <a:t>r</a:t>
-            </a:r>
-            <a:r>
-              <a:rPr lang="en-US" sz="1000" dirty="0" err="1" smtClean="0">
-                <a:latin typeface="Tahoma" charset="0"/>
-                <a:ea typeface="Tahoma" charset="0"/>
-                <a:cs typeface="Tahoma" charset="0"/>
-              </a:rPr>
-              <a:t>eturnwave</a:t>
-            </a:r>
-            <a:r>
-              <a:rPr lang="en-US" sz="1000" dirty="0" smtClean="0">
-                <a:latin typeface="Tahoma" charset="0"/>
-                <a:ea typeface="Tahoma" charset="0"/>
-                <a:cs typeface="Tahoma" charset="0"/>
-              </a:rPr>
-              <a:t> = </a:t>
-            </a:r>
-            <a:r>
-              <a:rPr lang="en-US" sz="1000" dirty="0" err="1">
-                <a:latin typeface="Tahoma" charset="0"/>
-                <a:ea typeface="Tahoma" charset="0"/>
-                <a:cs typeface="Tahoma" charset="0"/>
-              </a:rPr>
-              <a:t>Process_Multi_Channels</a:t>
-            </a:r>
-            <a:r>
-              <a:rPr lang="en-US" sz="1000" dirty="0">
-                <a:latin typeface="Tahoma" charset="0"/>
-                <a:ea typeface="Tahoma" charset="0"/>
-                <a:cs typeface="Tahoma" charset="0"/>
-              </a:rPr>
-              <a:t> (</a:t>
-            </a:r>
-            <a:r>
-              <a:rPr lang="en-US" sz="1000" dirty="0" err="1">
-                <a:latin typeface="Tahoma" charset="0"/>
-                <a:ea typeface="Tahoma" charset="0"/>
-                <a:cs typeface="Tahoma" charset="0"/>
-              </a:rPr>
-              <a:t>channelliststring</a:t>
-            </a:r>
-            <a:r>
-              <a:rPr lang="en-US" sz="1000" dirty="0">
-                <a:latin typeface="Tahoma" charset="0"/>
-                <a:ea typeface="Tahoma" charset="0"/>
-                <a:cs typeface="Tahoma" charset="0"/>
-              </a:rPr>
-              <a:t>, </a:t>
-            </a:r>
-            <a:r>
-              <a:rPr lang="en-US" sz="1000" dirty="0" err="1">
-                <a:latin typeface="Tahoma" charset="0"/>
-                <a:ea typeface="Tahoma" charset="0"/>
-                <a:cs typeface="Tahoma" charset="0"/>
-              </a:rPr>
-              <a:t>whichanalysis</a:t>
-            </a:r>
-            <a:r>
-              <a:rPr lang="en-US" sz="1000" dirty="0">
-                <a:latin typeface="Tahoma" charset="0"/>
-                <a:ea typeface="Tahoma" charset="0"/>
-                <a:cs typeface="Tahoma" charset="0"/>
-              </a:rPr>
-              <a:t>, </a:t>
-            </a:r>
-            <a:r>
-              <a:rPr lang="en-US" sz="1000" dirty="0" err="1">
-                <a:latin typeface="Tahoma" charset="0"/>
-                <a:ea typeface="Tahoma" charset="0"/>
-                <a:cs typeface="Tahoma" charset="0"/>
-              </a:rPr>
-              <a:t>analysisparameters</a:t>
-            </a:r>
-            <a:r>
-              <a:rPr lang="en-US" sz="1000" dirty="0">
-                <a:latin typeface="Tahoma" charset="0"/>
-                <a:ea typeface="Tahoma" charset="0"/>
-                <a:cs typeface="Tahoma" charset="0"/>
-              </a:rPr>
-              <a:t>, </a:t>
-            </a:r>
-            <a:r>
-              <a:rPr lang="en-US" sz="1000" dirty="0" err="1">
-                <a:latin typeface="Tahoma" charset="0"/>
-                <a:ea typeface="Tahoma" charset="0"/>
-                <a:cs typeface="Tahoma" charset="0"/>
-              </a:rPr>
-              <a:t>keepinRAM</a:t>
-            </a:r>
-            <a:r>
-              <a:rPr lang="en-US" sz="1000" dirty="0" smtClean="0">
-                <a:latin typeface="Tahoma" charset="0"/>
-                <a:ea typeface="Tahoma" charset="0"/>
-                <a:cs typeface="Tahoma" charset="0"/>
-              </a:rPr>
-              <a:t>)  </a:t>
-            </a:r>
-            <a:endParaRPr lang="en-US" sz="1000" dirty="0">
-              <a:latin typeface="Tahoma" charset="0"/>
-              <a:ea typeface="Tahoma" charset="0"/>
-              <a:cs typeface="Tahoma" charset="0"/>
-            </a:endParaRPr>
-          </a:p>
-        </p:txBody>
-      </p:sp>
-      <p:sp>
-        <p:nvSpPr>
-          <p:cNvPr id="32" name="TextBox 31"/>
-          <p:cNvSpPr txBox="1"/>
-          <p:nvPr/>
-        </p:nvSpPr>
-        <p:spPr>
-          <a:xfrm>
-            <a:off x="345642" y="4789852"/>
-            <a:ext cx="1451268" cy="276999"/>
-          </a:xfrm>
-          <a:prstGeom prst="rect">
-            <a:avLst/>
-          </a:prstGeom>
-          <a:noFill/>
-        </p:spPr>
-        <p:txBody>
-          <a:bodyPr wrap="square" rtlCol="0">
-            <a:spAutoFit/>
-          </a:bodyPr>
-          <a:lstStyle/>
-          <a:p>
-            <a:r>
-              <a:rPr lang="en-US" sz="1200" dirty="0" smtClean="0">
-                <a:solidFill>
-                  <a:srgbClr val="002060"/>
-                </a:solidFill>
-                <a:latin typeface="Tahoma" charset="0"/>
-                <a:ea typeface="Tahoma" charset="0"/>
-                <a:cs typeface="Tahoma" charset="0"/>
-              </a:rPr>
-              <a:t>Return </a:t>
-            </a:r>
-            <a:r>
-              <a:rPr lang="en-US" sz="1200" dirty="0" err="1" smtClean="0">
-                <a:solidFill>
-                  <a:srgbClr val="002060"/>
-                </a:solidFill>
-                <a:latin typeface="Tahoma" charset="0"/>
-                <a:ea typeface="Tahoma" charset="0"/>
-                <a:cs typeface="Tahoma" charset="0"/>
-              </a:rPr>
-              <a:t>returnwave</a:t>
-            </a:r>
-            <a:endParaRPr lang="en-US" sz="1200" dirty="0" smtClean="0">
-              <a:solidFill>
-                <a:srgbClr val="002060"/>
-              </a:solidFill>
-              <a:latin typeface="Tahoma" charset="0"/>
-              <a:ea typeface="Tahoma" charset="0"/>
-              <a:cs typeface="Tahoma" charset="0"/>
-            </a:endParaRPr>
-          </a:p>
-        </p:txBody>
-      </p:sp>
-      <p:sp>
-        <p:nvSpPr>
-          <p:cNvPr id="33" name="TextBox 32"/>
-          <p:cNvSpPr txBox="1"/>
-          <p:nvPr/>
-        </p:nvSpPr>
-        <p:spPr>
-          <a:xfrm>
-            <a:off x="526317" y="5707452"/>
-            <a:ext cx="8851528" cy="276999"/>
-          </a:xfrm>
-          <a:prstGeom prst="rect">
-            <a:avLst/>
-          </a:prstGeom>
-          <a:noFill/>
-        </p:spPr>
-        <p:txBody>
-          <a:bodyPr wrap="square" rtlCol="0">
-            <a:spAutoFit/>
-          </a:bodyPr>
-          <a:lstStyle/>
-          <a:p>
-            <a:r>
-              <a:rPr lang="en-US" sz="1200" dirty="0" smtClean="0">
-                <a:solidFill>
-                  <a:srgbClr val="002060"/>
-                </a:solidFill>
-                <a:latin typeface="Tahoma" charset="0"/>
-                <a:ea typeface="Tahoma" charset="0"/>
-                <a:cs typeface="Tahoma" charset="0"/>
-              </a:rPr>
-              <a:t>For special case of SD waves, </a:t>
-            </a:r>
-            <a:r>
-              <a:rPr lang="en-US" sz="1200" dirty="0">
-                <a:solidFill>
-                  <a:srgbClr val="002060"/>
-                </a:solidFill>
-                <a:latin typeface="Tahoma" charset="0"/>
-                <a:ea typeface="Tahoma" charset="0"/>
-                <a:cs typeface="Tahoma" charset="0"/>
-              </a:rPr>
-              <a:t>build </a:t>
-            </a:r>
-            <a:r>
-              <a:rPr lang="en-US" sz="1200" dirty="0" smtClean="0">
-                <a:solidFill>
-                  <a:srgbClr val="002060"/>
-                </a:solidFill>
-                <a:latin typeface="Tahoma" charset="0"/>
-                <a:ea typeface="Tahoma" charset="0"/>
-                <a:cs typeface="Tahoma" charset="0"/>
-              </a:rPr>
-              <a:t>the weird 2D wave </a:t>
-            </a:r>
-            <a:r>
-              <a:rPr lang="en-US" sz="1200" dirty="0">
-                <a:solidFill>
-                  <a:srgbClr val="002060"/>
-                </a:solidFill>
-                <a:latin typeface="Tahoma" charset="0"/>
-                <a:ea typeface="Tahoma" charset="0"/>
-                <a:cs typeface="Tahoma" charset="0"/>
-              </a:rPr>
-              <a:t>and populate </a:t>
-            </a:r>
-            <a:r>
-              <a:rPr lang="en-US" sz="1200" dirty="0" smtClean="0">
-                <a:solidFill>
-                  <a:srgbClr val="002060"/>
-                </a:solidFill>
-                <a:latin typeface="Tahoma" charset="0"/>
-                <a:ea typeface="Tahoma" charset="0"/>
-                <a:cs typeface="Tahoma" charset="0"/>
-              </a:rPr>
-              <a:t>the newly created session wave and save it where it goes</a:t>
+              <a:t>For special case of SD waves, build the weird 2D wave and populate the newly created session wave and save it where it goes</a:t>
             </a:r>
             <a:endParaRPr lang="en-US" sz="1200" dirty="0">
               <a:latin typeface="Tahoma" charset="0"/>
@@ -11508,7 +11101,7 @@
           <a:lstStyle/>
           <a:p>
             <a:r>
-              <a:rPr lang="en-US" sz="1200" dirty="0" smtClean="0">
+              <a:rPr lang="en-US" sz="1200" dirty="0">
                 <a:solidFill>
                   <a:srgbClr val="002060"/>
                 </a:solidFill>
@@ -11519,7 +11112,7 @@
               <a:t>If </a:t>
             </a:r>
             <a:r>
-              <a:rPr lang="en-US" sz="1200" dirty="0" err="1" smtClean="0">
+              <a:rPr lang="en-US" sz="1200" dirty="0" err="1">
                 <a:solidFill>
                   <a:srgbClr val="002060"/>
                 </a:solidFill>
@@ -11530,7 +11123,7 @@
               <a:t>analysistype</a:t>
             </a:r>
             <a:r>
-              <a:rPr lang="en-US" sz="1200" dirty="0" smtClean="0">
+              <a:rPr lang="en-US" sz="1200" dirty="0">
                 <a:solidFill>
                   <a:srgbClr val="002060"/>
                 </a:solidFill>
@@ -11551,21 +11144,10 @@
                 <a:ea typeface="Tahoma" charset="0"/>
                 <a:cs typeface="Tahoma" charset="0"/>
               </a:rPr>
-              <a:t>P</a:t>
-            </a:r>
-            <a:r>
-              <a:rPr lang="en-US" sz="1200" dirty="0" err="1" smtClean="0">
-                <a:solidFill>
-                  <a:srgbClr val="002060"/>
-                </a:solidFill>
-                <a:latin typeface="Tahoma" charset="0"/>
-                <a:ea typeface="Tahoma" charset="0"/>
-                <a:cs typeface="Tahoma" charset="0"/>
-              </a:rPr>
-              <a:t>rocess_session</a:t>
-            </a:r>
-            <a:r>
-              <a:rPr lang="en-US" sz="1200" dirty="0" smtClean="0">
+              <a:t>Process_session</a:t>
+            </a:r>
+            <a:r>
+              <a:rPr lang="en-US" sz="1200" dirty="0">
                 <a:solidFill>
                   <a:srgbClr val="002060"/>
                 </a:solidFill>
@@ -11601,7 +11183,7 @@
           <a:lstStyle/>
           <a:p>
             <a:r>
-              <a:rPr lang="en-US" sz="1200" dirty="0" err="1" smtClean="0">
+              <a:rPr lang="en-US" sz="1200" dirty="0" err="1">
                 <a:solidFill>
                   <a:srgbClr val="002060"/>
                 </a:solidFill>
@@ -11612,7 +11194,7 @@
               <a:t>Process_Multi_channels</a:t>
             </a:r>
             <a:r>
-              <a:rPr lang="en-US" sz="1200" dirty="0" smtClean="0">
+              <a:rPr lang="en-US" sz="1200" dirty="0">
                 <a:solidFill>
                   <a:srgbClr val="002060"/>
                 </a:solidFill>
@@ -11623,7 +11205,7 @@
               <a:t> returns a </a:t>
             </a:r>
             <a:r>
-              <a:rPr lang="en-US" sz="1200" dirty="0" err="1" smtClean="0">
+              <a:rPr lang="en-US" sz="1200" dirty="0" err="1">
                 <a:solidFill>
                   <a:srgbClr val="002060"/>
                 </a:solidFill>
@@ -11634,7 +11216,7 @@
               <a:t>textwave</a:t>
             </a:r>
             <a:r>
-              <a:rPr lang="en-US" sz="1200" dirty="0" smtClean="0">
+              <a:rPr lang="en-US" sz="1200" dirty="0">
                 <a:solidFill>
                   <a:srgbClr val="002060"/>
                 </a:solidFill>
@@ -11670,7 +11252,7 @@
           <a:lstStyle/>
           <a:p>
             <a:r>
-              <a:rPr lang="en-US" sz="1000" dirty="0" smtClean="0">
+              <a:rPr lang="en-US" sz="1000" dirty="0">
                 <a:solidFill>
                   <a:srgbClr val="FF0000"/>
                 </a:solidFill>
@@ -11683,7 +11265,7 @@
           </a:p>
           <a:p>
             <a:r>
-              <a:rPr lang="en-US" sz="1000" dirty="0" smtClean="0">
+              <a:rPr lang="en-US" sz="1000" dirty="0">
                 <a:solidFill>
                   <a:srgbClr val="FF0000"/>
                 </a:solidFill>
@@ -11696,7 +11278,7 @@
           </a:p>
           <a:p>
             <a:r>
-              <a:rPr lang="en-US" sz="1000" dirty="0" smtClean="0">
+              <a:rPr lang="en-US" sz="1000" dirty="0">
                 <a:solidFill>
                   <a:srgbClr val="FF0000"/>
                 </a:solidFill>
@@ -11732,7 +11314,7 @@
           <a:lstStyle/>
           <a:p>
             <a:r>
-              <a:rPr lang="en-US" sz="1200" dirty="0" err="1" smtClean="0">
+              <a:rPr lang="en-US" sz="1200" dirty="0" err="1">
                 <a:solidFill>
                   <a:srgbClr val="002060"/>
                 </a:solidFill>
@@ -11743,7 +11325,7 @@
               <a:t>Process_single_channel</a:t>
             </a:r>
             <a:r>
-              <a:rPr lang="en-US" sz="1200" dirty="0" smtClean="0">
+              <a:rPr lang="en-US" sz="1200" dirty="0">
                 <a:solidFill>
                   <a:srgbClr val="002060"/>
                 </a:solidFill>
@@ -11849,7 +11431,7 @@
           <a:lstStyle/>
           <a:p>
             <a:r>
-              <a:rPr lang="en-US" sz="1200" dirty="0" smtClean="0">
+              <a:rPr lang="en-US" sz="1200" dirty="0">
                 <a:solidFill>
                   <a:sysClr val="windowText" lastClr="000000"/>
                 </a:solidFill>
@@ -11862,7 +11444,7 @@
           </a:p>
           <a:p>
             <a:r>
-              <a:rPr lang="en-US" sz="1200" dirty="0" smtClean="0">
+              <a:rPr lang="en-US" sz="1200" dirty="0">
                 <a:solidFill>
                   <a:sysClr val="windowText" lastClr="000000"/>
                 </a:solidFill>
@@ -11873,7 +11455,7 @@
               <a:t>Are we keeping in RAM?  Then duplicate and rename outputs received from </a:t>
             </a:r>
             <a:r>
-              <a:rPr lang="en-US" sz="1200" dirty="0" err="1" smtClean="0">
+              <a:rPr lang="en-US" sz="1200" dirty="0" err="1">
                 <a:solidFill>
                   <a:sysClr val="windowText" lastClr="000000"/>
                 </a:solidFill>
@@ -11884,7 +11466,7 @@
               <a:t>process_session</a:t>
             </a:r>
             <a:r>
-              <a:rPr lang="en-US" sz="1200" dirty="0" smtClean="0">
+              <a:rPr lang="en-US" sz="1200" dirty="0">
                 <a:solidFill>
                   <a:sysClr val="windowText" lastClr="000000"/>
                 </a:solidFill>
@@ -11920,7 +11502,7 @@
           <a:lstStyle/>
           <a:p>
             <a:r>
-              <a:rPr lang="en-US" sz="1200" dirty="0" smtClean="0">
+              <a:rPr lang="en-US" sz="1200" dirty="0">
                 <a:solidFill>
                   <a:sysClr val="windowText" lastClr="000000"/>
                 </a:solidFill>
@@ -11933,7 +11515,7 @@
           </a:p>
           <a:p>
             <a:r>
-              <a:rPr lang="en-US" sz="1200" dirty="0" smtClean="0">
+              <a:rPr lang="en-US" sz="1200" dirty="0">
                 <a:solidFill>
                   <a:sysClr val="windowText" lastClr="000000"/>
                 </a:solidFill>
@@ -11944,7 +11526,7 @@
               <a:t>Are we keeping in RAM?  Then duplicate and rename outputs received from </a:t>
             </a:r>
             <a:r>
-              <a:rPr lang="en-US" sz="1200" dirty="0" err="1" smtClean="0">
+              <a:rPr lang="en-US" sz="1200" dirty="0" err="1">
                 <a:solidFill>
                   <a:sysClr val="windowText" lastClr="000000"/>
                 </a:solidFill>
@@ -11955,7 +11537,7 @@
               <a:t>Process_channel</a:t>
             </a:r>
             <a:r>
-              <a:rPr lang="en-US" sz="1200" dirty="0" smtClean="0">
+              <a:rPr lang="en-US" sz="1200" dirty="0">
                 <a:solidFill>
                   <a:sysClr val="windowText" lastClr="000000"/>
                 </a:solidFill>
@@ -11978,13 +11560,6 @@
   <p:clrMapOvr>
     <a:masterClrMapping/>
   </p:clrMapOvr>
-  <p:timing>
-    <p:tnLst>
-      <p:par>
-        <p:cTn id="1" dur="indefinite" restart="never" nodeType="tmRoot"/>
-      </p:par>
-    </p:tnLst>
-  </p:timing>
 </p:sld>
 </file>
 
@@ -12026,10 +11601,9 @@
           <a:lstStyle/>
           <a:p>
             <a:r>
-              <a:rPr lang="en-US" dirty="0" smtClean="0"/>
+              <a:rPr lang="en-US" dirty="0"/>
               <a:t>Key functions for SE data and NSE files</a:t>
             </a:r>
-            <a:endParaRPr lang="en-US" dirty="0"/>
           </a:p>
         </p:txBody>
       </p:sp>
@@ -12056,7 +11630,7 @@
           <a:lstStyle/>
           <a:p>
             <a:r>
-              <a:rPr lang="en-US" sz="1400" dirty="0" smtClean="0">
+              <a:rPr lang="en-US" sz="1400" dirty="0">
                 <a:latin typeface="Consolas" charset="0"/>
                 <a:ea typeface="Consolas" charset="0"/>
                 <a:cs typeface="Consolas" charset="0"/>
@@ -12064,7 +11638,7 @@
               <a:t>MakeSEData_v3 (HI_NIPXX, ::</a:t>
             </a:r>
             <a:r>
-              <a:rPr lang="en-US" sz="1400" dirty="0" err="1" smtClean="0">
+              <a:rPr lang="en-US" sz="1400" dirty="0" err="1">
                 <a:latin typeface="Consolas" charset="0"/>
                 <a:ea typeface="Consolas" charset="0"/>
                 <a:cs typeface="Consolas" charset="0"/>
@@ -12072,7 +11646,7 @@
               <a:t>headers_records:HI_NIPXX</a:t>
             </a:r>
             <a:r>
-              <a:rPr lang="en-US" sz="1400" dirty="0" smtClean="0">
+              <a:rPr lang="en-US" sz="1400" dirty="0">
                 <a:latin typeface="Consolas" charset="0"/>
                 <a:ea typeface="Consolas" charset="0"/>
                 <a:cs typeface="Consolas" charset="0"/>
@@ -12081,121 +11655,116 @@
             </a:r>
           </a:p>
           <a:p>
-            <a:endParaRPr lang="en-US" sz="1400" dirty="0" smtClean="0">
-              <a:latin typeface="Consolas" charset="0"/>
-              <a:ea typeface="Consolas" charset="0"/>
-              <a:cs typeface="Consolas" charset="0"/>
-            </a:endParaRPr>
-          </a:p>
-          <a:p>
-            <a:r>
-              <a:rPr lang="en-US" sz="1400" dirty="0" err="1" smtClean="0">
-                <a:latin typeface="Consolas" charset="0"/>
-                <a:ea typeface="Consolas" charset="0"/>
-                <a:cs typeface="Consolas" charset="0"/>
-              </a:rPr>
-              <a:t>newdatafolder</a:t>
-            </a:r>
-            <a:r>
-              <a:rPr lang="en-US" sz="1400" dirty="0" smtClean="0">
-                <a:latin typeface="Consolas" charset="0"/>
-                <a:ea typeface="Consolas" charset="0"/>
-                <a:cs typeface="Consolas" charset="0"/>
-              </a:rPr>
-              <a:t> </a:t>
-            </a:r>
-            <a:r>
-              <a:rPr lang="en-US" sz="1400" dirty="0" err="1" smtClean="0">
-                <a:latin typeface="Consolas" charset="0"/>
-                <a:ea typeface="Consolas" charset="0"/>
-                <a:cs typeface="Consolas" charset="0"/>
-              </a:rPr>
-              <a:t>root:SEdata</a:t>
-            </a:r>
-            <a:endParaRPr lang="en-US" sz="1400" dirty="0" smtClean="0">
-              <a:latin typeface="Consolas" charset="0"/>
-              <a:ea typeface="Consolas" charset="0"/>
-              <a:cs typeface="Consolas" charset="0"/>
-            </a:endParaRPr>
-          </a:p>
-          <a:p>
-            <a:endParaRPr lang="en-US" sz="1400" dirty="0" smtClean="0">
-              <a:latin typeface="Consolas" charset="0"/>
-              <a:ea typeface="Consolas" charset="0"/>
-              <a:cs typeface="Consolas" charset="0"/>
-            </a:endParaRPr>
-          </a:p>
-          <a:p>
-            <a:r>
-              <a:rPr lang="en-US" sz="1400" dirty="0" err="1" smtClean="0">
-                <a:latin typeface="Consolas" charset="0"/>
-                <a:ea typeface="Consolas" charset="0"/>
-                <a:cs typeface="Consolas" charset="0"/>
-              </a:rPr>
-              <a:t>filter_SEdata_inplace</a:t>
-            </a:r>
-            <a:r>
-              <a:rPr lang="en-US" sz="1400" dirty="0" smtClean="0">
-                <a:latin typeface="Consolas" charset="0"/>
-                <a:ea typeface="Consolas" charset="0"/>
-                <a:cs typeface="Consolas" charset="0"/>
-              </a:rPr>
-              <a:t>("_sort1",30000,0,25,20)</a:t>
-            </a:r>
-          </a:p>
-          <a:p>
-            <a:endParaRPr lang="en-US" sz="1400" dirty="0" smtClean="0">
-              <a:latin typeface="Consolas" charset="0"/>
-              <a:ea typeface="Consolas" charset="0"/>
-              <a:cs typeface="Consolas" charset="0"/>
-            </a:endParaRPr>
-          </a:p>
-          <a:p>
-            <a:r>
-              <a:rPr lang="en-US" sz="1400" dirty="0" smtClean="0">
-                <a:latin typeface="Consolas" charset="0"/>
-                <a:ea typeface="Consolas" charset="0"/>
-                <a:cs typeface="Consolas" charset="0"/>
-              </a:rPr>
-              <a:t>write NSE: </a:t>
-            </a:r>
-            <a:r>
-              <a:rPr lang="en-US" sz="1400" dirty="0" err="1" smtClean="0">
-                <a:latin typeface="Consolas" charset="0"/>
-                <a:ea typeface="Consolas" charset="0"/>
-                <a:cs typeface="Consolas" charset="0"/>
-              </a:rPr>
-              <a:t>writeNSE</a:t>
-            </a:r>
-            <a:r>
-              <a:rPr lang="en-US" sz="1400" dirty="0" smtClean="0">
-                <a:latin typeface="Consolas" charset="0"/>
-                <a:ea typeface="Consolas" charset="0"/>
-                <a:cs typeface="Consolas" charset="0"/>
-              </a:rPr>
-              <a:t>(</a:t>
-            </a:r>
-            <a:r>
-              <a:rPr lang="en-US" sz="1400" dirty="0" err="1" smtClean="0">
-                <a:latin typeface="Consolas" charset="0"/>
-                <a:ea typeface="Consolas" charset="0"/>
-                <a:cs typeface="Consolas" charset="0"/>
-              </a:rPr>
-              <a:t>HI_NIPXX_SEheadfile,HI_NIPXX_SEheadrec,HI_NIPXX_SEdatarec</a:t>
-            </a:r>
-            <a:r>
-              <a:rPr lang="en-US" sz="1400" dirty="0" smtClean="0">
-                <a:latin typeface="Consolas" charset="0"/>
-                <a:ea typeface="Consolas" charset="0"/>
-                <a:cs typeface="Consolas" charset="0"/>
-              </a:rPr>
-              <a:t>, "Macintosh HD:Users:nipadmin:Desktop:00.nse")</a:t>
-            </a:r>
             <a:endParaRPr lang="en-US" sz="1400" dirty="0">
               <a:latin typeface="Consolas" charset="0"/>
               <a:ea typeface="Consolas" charset="0"/>
               <a:cs typeface="Consolas" charset="0"/>
             </a:endParaRPr>
+          </a:p>
+          <a:p>
+            <a:r>
+              <a:rPr lang="en-US" sz="1400" dirty="0" err="1">
+                <a:latin typeface="Consolas" charset="0"/>
+                <a:ea typeface="Consolas" charset="0"/>
+                <a:cs typeface="Consolas" charset="0"/>
+              </a:rPr>
+              <a:t>newdatafolder</a:t>
+            </a:r>
+            <a:r>
+              <a:rPr lang="en-US" sz="1400" dirty="0">
+                <a:latin typeface="Consolas" charset="0"/>
+                <a:ea typeface="Consolas" charset="0"/>
+                <a:cs typeface="Consolas" charset="0"/>
+              </a:rPr>
+              <a:t> </a:t>
+            </a:r>
+            <a:r>
+              <a:rPr lang="en-US" sz="1400" dirty="0" err="1">
+                <a:latin typeface="Consolas" charset="0"/>
+                <a:ea typeface="Consolas" charset="0"/>
+                <a:cs typeface="Consolas" charset="0"/>
+              </a:rPr>
+              <a:t>root:SEdata</a:t>
+            </a:r>
+            <a:endParaRPr lang="en-US" sz="1400" dirty="0">
+              <a:latin typeface="Consolas" charset="0"/>
+              <a:ea typeface="Consolas" charset="0"/>
+              <a:cs typeface="Consolas" charset="0"/>
+            </a:endParaRPr>
+          </a:p>
+          <a:p>
+            <a:endParaRPr lang="en-US" sz="1400" dirty="0">
+              <a:latin typeface="Consolas" charset="0"/>
+              <a:ea typeface="Consolas" charset="0"/>
+              <a:cs typeface="Consolas" charset="0"/>
+            </a:endParaRPr>
+          </a:p>
+          <a:p>
+            <a:r>
+              <a:rPr lang="en-US" sz="1400" dirty="0" err="1">
+                <a:latin typeface="Consolas" charset="0"/>
+                <a:ea typeface="Consolas" charset="0"/>
+                <a:cs typeface="Consolas" charset="0"/>
+              </a:rPr>
+              <a:t>filter_SEdata_inplace</a:t>
+            </a:r>
+            <a:r>
+              <a:rPr lang="en-US" sz="1400" dirty="0">
+                <a:latin typeface="Consolas" charset="0"/>
+                <a:ea typeface="Consolas" charset="0"/>
+                <a:cs typeface="Consolas" charset="0"/>
+              </a:rPr>
+              <a:t>("_sort1",30000,0,25,20)</a:t>
+            </a:r>
+          </a:p>
+          <a:p>
+            <a:endParaRPr lang="en-US" sz="1400" dirty="0">
+              <a:latin typeface="Consolas" charset="0"/>
+              <a:ea typeface="Consolas" charset="0"/>
+              <a:cs typeface="Consolas" charset="0"/>
+            </a:endParaRPr>
+          </a:p>
+          <a:p>
+            <a:r>
+              <a:rPr lang="en-US" sz="1400" dirty="0">
+                <a:latin typeface="Consolas" charset="0"/>
+                <a:ea typeface="Consolas" charset="0"/>
+                <a:cs typeface="Consolas" charset="0"/>
+              </a:rPr>
+              <a:t>write NSE: </a:t>
+            </a:r>
+            <a:r>
+              <a:rPr lang="en-US" sz="1400" dirty="0" err="1">
+                <a:latin typeface="Consolas" charset="0"/>
+                <a:ea typeface="Consolas" charset="0"/>
+                <a:cs typeface="Consolas" charset="0"/>
+              </a:rPr>
+              <a:t>writeNSE</a:t>
+            </a:r>
+            <a:r>
+              <a:rPr lang="en-US" sz="1400" dirty="0">
+                <a:latin typeface="Consolas" charset="0"/>
+                <a:ea typeface="Consolas" charset="0"/>
+                <a:cs typeface="Consolas" charset="0"/>
+              </a:rPr>
+              <a:t>(</a:t>
+            </a:r>
+            <a:r>
+              <a:rPr lang="en-US" sz="1400" dirty="0" err="1">
+                <a:latin typeface="Consolas" charset="0"/>
+                <a:ea typeface="Consolas" charset="0"/>
+                <a:cs typeface="Consolas" charset="0"/>
+              </a:rPr>
+              <a:t>HI_NIPXX_SEheadfile,HI_NIPXX_SEheadrec,HI_NIPXX_SEdatarec</a:t>
+            </a:r>
+            <a:r>
+              <a:rPr lang="en-US" sz="1400" dirty="0">
+                <a:latin typeface="Consolas" charset="0"/>
+                <a:ea typeface="Consolas" charset="0"/>
+                <a:cs typeface="Consolas" charset="0"/>
+              </a:rPr>
+              <a:t>, "Macintosh HD:Users:nipadmin:Desktop:00.nse")</a:t>
+            </a:r>
           </a:p>
         </p:txBody>
       </p:sp>
@@ -12209,13 +11778,6 @@
   <p:clrMapOvr>
     <a:masterClrMapping/>
   </p:clrMapOvr>
-  <p:timing>
-    <p:tnLst>
-      <p:par>
-        <p:cTn id="1" dur="indefinite" restart="never" nodeType="tmRoot"/>
-      </p:par>
-    </p:tnLst>
-  </p:timing>
 </p:sld>
 </file>
 
@@ -12259,7 +11821,7 @@
           <a:lstStyle/>
           <a:p>
             <a:r>
-              <a:rPr lang="en-US" sz="1400" i="1" dirty="0" smtClean="0">
+              <a:rPr lang="en-US" sz="1400" i="1" dirty="0">
                 <a:solidFill>
                   <a:srgbClr val="0070C0"/>
                 </a:solidFill>
@@ -12272,7 +11834,7 @@
           </a:p>
           <a:p>
             <a:r>
-              <a:rPr lang="en-US" sz="1400" i="1" dirty="0" smtClean="0">
+              <a:rPr lang="en-US" sz="1400" i="1" dirty="0">
                 <a:solidFill>
                   <a:srgbClr val="0070C0"/>
                 </a:solidFill>
@@ -12306,10 +11868,9 @@
           <a:lstStyle/>
           <a:p>
             <a:r>
-              <a:rPr lang="en-US" dirty="0" smtClean="0"/>
+              <a:rPr lang="en-US" dirty="0"/>
               <a:t>How SE data is handled at stage 2</a:t>
             </a:r>
-            <a:endParaRPr lang="en-US" dirty="0"/>
           </a:p>
         </p:txBody>
       </p:sp>
@@ -12335,7 +11896,7 @@
           <a:lstStyle/>
           <a:p>
             <a:r>
-              <a:rPr lang="en-US" sz="1200" dirty="0" smtClean="0">
+              <a:rPr lang="en-US" sz="1200" dirty="0">
                 <a:latin typeface="Tahoma" charset="0"/>
                 <a:ea typeface="Tahoma" charset="0"/>
                 <a:cs typeface="Tahoma" charset="0"/>
@@ -12343,7 +11904,7 @@
               <a:t>MakeAndSaveResultWave_Channel2 gets called with </a:t>
             </a:r>
             <a:r>
-              <a:rPr lang="en-US" sz="1200" dirty="0" err="1" smtClean="0">
+              <a:rPr lang="en-US" sz="1200" dirty="0" err="1">
                 <a:latin typeface="Tahoma" charset="0"/>
                 <a:ea typeface="Tahoma" charset="0"/>
                 <a:cs typeface="Tahoma" charset="0"/>
@@ -12351,7 +11912,7 @@
               <a:t>SEdata</a:t>
             </a:r>
             <a:r>
-              <a:rPr lang="en-US" sz="1200" dirty="0" smtClean="0">
+              <a:rPr lang="en-US" sz="1200" dirty="0">
                 <a:latin typeface="Tahoma" charset="0"/>
                 <a:ea typeface="Tahoma" charset="0"/>
                 <a:cs typeface="Tahoma" charset="0"/>
@@ -12361,7 +11922,7 @@
           </a:p>
           <a:p>
             <a:r>
-              <a:rPr lang="en-US" sz="1200" dirty="0" smtClean="0">
+              <a:rPr lang="en-US" sz="1200" dirty="0">
                 <a:latin typeface="Tahoma" charset="0"/>
                 <a:ea typeface="Tahoma" charset="0"/>
                 <a:cs typeface="Tahoma" charset="0"/>
@@ -12369,7 +11930,7 @@
               <a:t>requesting, for example, _</a:t>
             </a:r>
             <a:r>
-              <a:rPr lang="en-US" sz="1200" dirty="0" err="1" smtClean="0">
+              <a:rPr lang="en-US" sz="1200" dirty="0" err="1">
                 <a:latin typeface="Tahoma" charset="0"/>
                 <a:ea typeface="Tahoma" charset="0"/>
                 <a:cs typeface="Tahoma" charset="0"/>
@@ -12407,7 +11968,7 @@
           <a:lstStyle/>
           <a:p>
             <a:r>
-              <a:rPr lang="en-US" sz="1400" smtClean="0">
+              <a:rPr lang="en-US" sz="1400">
                 <a:solidFill>
                   <a:srgbClr val="7030A0"/>
                 </a:solidFill>
@@ -12418,7 +11979,7 @@
               <a:t>first logic choice: if we’re calling with </a:t>
             </a:r>
             <a:r>
-              <a:rPr lang="en-US" sz="1400" dirty="0" err="1" smtClean="0">
+              <a:rPr lang="en-US" sz="1400" dirty="0" err="1">
                 <a:solidFill>
                   <a:srgbClr val="7030A0"/>
                 </a:solidFill>
@@ -12429,7 +11990,7 @@
               <a:t>SEdata</a:t>
             </a:r>
             <a:r>
-              <a:rPr lang="en-US" sz="1400" dirty="0" smtClean="0">
+              <a:rPr lang="en-US" sz="1400" dirty="0">
                 <a:solidFill>
                   <a:srgbClr val="7030A0"/>
                 </a:solidFill>
@@ -12442,7 +12003,7 @@
           </a:p>
           <a:p>
             <a:r>
-              <a:rPr lang="en-US" sz="1400" dirty="0" smtClean="0">
+              <a:rPr lang="en-US" sz="1400" dirty="0">
                 <a:solidFill>
                   <a:srgbClr val="7030A0"/>
                 </a:solidFill>
@@ -12455,7 +12016,7 @@
           </a:p>
           <a:p>
             <a:r>
-              <a:rPr lang="en-US" sz="1400" dirty="0" smtClean="0">
+              <a:rPr lang="en-US" sz="1400" dirty="0">
                 <a:solidFill>
                   <a:srgbClr val="7030A0"/>
                 </a:solidFill>
@@ -12491,7 +12052,7 @@
           <a:lstStyle/>
           <a:p>
             <a:r>
-              <a:rPr lang="en-US" sz="800" i="1" dirty="0" smtClean="0">
+              <a:rPr lang="en-US" sz="800" i="1" dirty="0">
                 <a:solidFill>
                   <a:srgbClr val="FF0000"/>
                 </a:solidFill>
@@ -12527,7 +12088,7 @@
           <a:lstStyle/>
           <a:p>
             <a:r>
-              <a:rPr lang="en-US" sz="800" i="1" smtClean="0">
+              <a:rPr lang="en-US" sz="800" i="1">
                 <a:solidFill>
                   <a:srgbClr val="FF0000"/>
                 </a:solidFill>
@@ -12537,7 +12098,7 @@
               </a:rPr>
               <a:t>windowing threshold</a:t>
             </a:r>
-            <a:endParaRPr lang="en-US" sz="800" i="1" dirty="0" smtClean="0">
+            <a:endParaRPr lang="en-US" sz="800" i="1" dirty="0">
               <a:solidFill>
                 <a:srgbClr val="FF0000"/>
               </a:solidFill>
@@ -12571,7 +12132,7 @@
           <a:lstStyle/>
           <a:p>
             <a:r>
-              <a:rPr lang="en-US" sz="800" i="1" smtClean="0">
+              <a:rPr lang="en-US" sz="800" i="1">
                 <a:solidFill>
                   <a:srgbClr val="FF0000"/>
                 </a:solidFill>
@@ -12581,7 +12142,7 @@
               </a:rPr>
               <a:t>spike templating (00 = all)</a:t>
             </a:r>
-            <a:endParaRPr lang="en-US" sz="800" i="1" dirty="0" smtClean="0">
+            <a:endParaRPr lang="en-US" sz="800" i="1" dirty="0">
               <a:solidFill>
                 <a:srgbClr val="FF0000"/>
               </a:solidFill>
@@ -12615,7 +12176,7 @@
           <a:lstStyle/>
           <a:p>
             <a:r>
-              <a:rPr lang="en-US" sz="1400" dirty="0" smtClean="0">
+              <a:rPr lang="en-US" sz="1400" dirty="0">
                 <a:latin typeface="Tahoma" charset="0"/>
                 <a:ea typeface="Tahoma" charset="0"/>
                 <a:cs typeface="Tahoma" charset="0"/>
@@ -12648,14 +12209,14 @@
           <a:lstStyle/>
           <a:p>
             <a:r>
-              <a:rPr lang="en-US" sz="1400" smtClean="0">
+              <a:rPr lang="en-US" sz="1400">
                 <a:latin typeface="Tahoma" charset="0"/>
                 <a:ea typeface="Tahoma" charset="0"/>
                 <a:cs typeface="Tahoma" charset="0"/>
               </a:rPr>
               <a:t>no</a:t>
             </a:r>
-            <a:endParaRPr lang="en-US" sz="1400" dirty="0" smtClean="0">
+            <a:endParaRPr lang="en-US" sz="1400" dirty="0">
               <a:latin typeface="Tahoma" charset="0"/>
               <a:ea typeface="Tahoma" charset="0"/>
               <a:cs typeface="Tahoma" charset="0"/>
@@ -12686,7 +12247,7 @@
           <a:lstStyle/>
           <a:p>
             <a:r>
-              <a:rPr lang="en-US" sz="800" i="1" dirty="0" smtClean="0">
+              <a:rPr lang="en-US" sz="800" i="1" dirty="0">
                 <a:solidFill>
                   <a:srgbClr val="FF0000"/>
                 </a:solidFill>
@@ -12699,7 +12260,7 @@
           </a:p>
           <a:p>
             <a:r>
-              <a:rPr lang="en-US" sz="800" i="1" dirty="0" smtClean="0">
+              <a:rPr lang="en-US" sz="800" i="1" dirty="0">
                 <a:solidFill>
                   <a:srgbClr val="FF0000"/>
                 </a:solidFill>
@@ -12735,7 +12296,7 @@
           <a:lstStyle/>
           <a:p>
             <a:r>
-              <a:rPr lang="en-US" sz="1000" dirty="0" smtClean="0">
+              <a:rPr lang="en-US" sz="1000" dirty="0">
                 <a:latin typeface="Tahoma" charset="0"/>
                 <a:ea typeface="Tahoma" charset="0"/>
                 <a:cs typeface="Tahoma" charset="0"/>
@@ -12773,21 +12334,8 @@
                 <a:ea typeface="Consolas" charset="0"/>
                 <a:cs typeface="Consolas" charset="0"/>
               </a:rPr>
-              <a:t>MakeSEData_v3 </a:t>
-            </a:r>
-            <a:r>
-              <a:rPr lang="en-US" sz="1000" dirty="0" smtClean="0">
-                <a:latin typeface="Consolas" charset="0"/>
-                <a:ea typeface="Consolas" charset="0"/>
-                <a:cs typeface="Consolas" charset="0"/>
-              </a:rPr>
-              <a:t>(...)</a:t>
-            </a:r>
-            <a:endParaRPr lang="en-US" sz="1000" dirty="0">
-              <a:latin typeface="Consolas" charset="0"/>
-              <a:ea typeface="Consolas" charset="0"/>
-              <a:cs typeface="Consolas" charset="0"/>
-            </a:endParaRPr>
+              <a:t>MakeSEData_v3 (...)</a:t>
+            </a:r>
           </a:p>
         </p:txBody>
       </p:sp>
@@ -12814,7 +12362,7 @@
           <a:lstStyle/>
           <a:p>
             <a:r>
-              <a:rPr lang="en-US" sz="1000" i="1" dirty="0" smtClean="0">
+              <a:rPr lang="en-US" sz="1000" i="1" dirty="0">
                 <a:solidFill>
                   <a:schemeClr val="accent6">
                     <a:lumMod val="60000"/>
@@ -12828,7 +12376,7 @@
               <a:t>include what’s created </a:t>
             </a:r>
             <a:r>
-              <a:rPr lang="en-US" sz="1000" i="1" smtClean="0">
+              <a:rPr lang="en-US" sz="1000" i="1">
                 <a:solidFill>
                   <a:schemeClr val="accent6">
                     <a:lumMod val="60000"/>
@@ -12878,7 +12426,7 @@
           <a:lstStyle/>
           <a:p>
             <a:r>
-              <a:rPr lang="en-US" sz="1000" dirty="0" smtClean="0">
+              <a:rPr lang="en-US" sz="1000" dirty="0">
                 <a:latin typeface="Tahoma" charset="0"/>
                 <a:ea typeface="Tahoma" charset="0"/>
                 <a:cs typeface="Tahoma" charset="0"/>
@@ -12886,7 +12434,7 @@
               <a:t>load </a:t>
             </a:r>
             <a:r>
-              <a:rPr lang="en-US" sz="1000" dirty="0" err="1" smtClean="0">
+              <a:rPr lang="en-US" sz="1000" dirty="0" err="1">
                 <a:latin typeface="Tahoma" charset="0"/>
                 <a:ea typeface="Tahoma" charset="0"/>
                 <a:cs typeface="Tahoma" charset="0"/>
@@ -12894,7 +12442,7 @@
               <a:t>SEdata</a:t>
             </a:r>
             <a:r>
-              <a:rPr lang="en-US" sz="1000" dirty="0" smtClean="0">
+              <a:rPr lang="en-US" sz="1000" dirty="0">
                 <a:latin typeface="Tahoma" charset="0"/>
                 <a:ea typeface="Tahoma" charset="0"/>
                 <a:cs typeface="Tahoma" charset="0"/>
@@ -12927,14 +12475,14 @@
           <a:lstStyle/>
           <a:p>
             <a:r>
-              <a:rPr lang="en-US" sz="1400" smtClean="0">
+              <a:rPr lang="en-US" sz="1400">
                 <a:latin typeface="Tahoma" charset="0"/>
                 <a:ea typeface="Tahoma" charset="0"/>
                 <a:cs typeface="Tahoma" charset="0"/>
               </a:rPr>
               <a:t>have 3SD_s00</a:t>
             </a:r>
-            <a:endParaRPr lang="en-US" sz="1400" dirty="0" smtClean="0">
+            <a:endParaRPr lang="en-US" sz="1400" dirty="0">
               <a:latin typeface="Tahoma" charset="0"/>
               <a:ea typeface="Tahoma" charset="0"/>
               <a:cs typeface="Tahoma" charset="0"/>
@@ -12989,7 +12537,7 @@
           <a:lstStyle/>
           <a:p>
             <a:pPr algn="ctr"/>
-            <a:endParaRPr lang="en-US" dirty="0" smtClean="0">
+            <a:endParaRPr lang="en-US" dirty="0">
               <a:solidFill>
                 <a:schemeClr val="tx1"/>
               </a:solidFill>
@@ -13023,7 +12571,7 @@
           <a:lstStyle/>
           <a:p>
             <a:r>
-              <a:rPr lang="en-US" sz="1400" dirty="0" smtClean="0">
+              <a:rPr lang="en-US" sz="1400" dirty="0">
                 <a:solidFill>
                   <a:srgbClr val="7030A0"/>
                 </a:solidFill>
@@ -13034,7 +12582,7 @@
               <a:t>new template </a:t>
             </a:r>
             <a:r>
-              <a:rPr lang="en-US" sz="1400" smtClean="0">
+              <a:rPr lang="en-US" sz="1400">
                 <a:solidFill>
                   <a:srgbClr val="7030A0"/>
                 </a:solidFill>
@@ -13044,7 +12592,7 @@
               </a:rPr>
               <a:t>filter requested?</a:t>
             </a:r>
-            <a:endParaRPr lang="en-US" sz="1400" dirty="0" smtClean="0">
+            <a:endParaRPr lang="en-US" sz="1400" dirty="0">
               <a:solidFill>
                 <a:srgbClr val="7030A0"/>
               </a:solidFill>
@@ -13078,7 +12626,7 @@
           <a:lstStyle/>
           <a:p>
             <a:r>
-              <a:rPr lang="en-US" sz="1400" dirty="0" smtClean="0">
+              <a:rPr lang="en-US" sz="1400" dirty="0">
                 <a:latin typeface="Tahoma" charset="0"/>
                 <a:ea typeface="Tahoma" charset="0"/>
                 <a:cs typeface="Tahoma" charset="0"/>
@@ -13111,7 +12659,7 @@
           <a:lstStyle/>
           <a:p>
             <a:r>
-              <a:rPr lang="en-US" sz="1400" dirty="0" smtClean="0">
+              <a:rPr lang="en-US" sz="1400" dirty="0">
                 <a:latin typeface="Tahoma" charset="0"/>
                 <a:ea typeface="Tahoma" charset="0"/>
                 <a:cs typeface="Tahoma" charset="0"/>
@@ -13184,14 +12732,14 @@
           <a:lstStyle/>
           <a:p>
             <a:r>
-              <a:rPr lang="en-US" sz="1400" smtClean="0">
+              <a:rPr lang="en-US" sz="1400">
                 <a:latin typeface="Tahoma" charset="0"/>
                 <a:ea typeface="Tahoma" charset="0"/>
                 <a:cs typeface="Tahoma" charset="0"/>
               </a:rPr>
               <a:t>have 3SD_sYY</a:t>
             </a:r>
-            <a:endParaRPr lang="en-US" sz="1400" dirty="0" smtClean="0">
+            <a:endParaRPr lang="en-US" sz="1400" dirty="0">
               <a:latin typeface="Tahoma" charset="0"/>
               <a:ea typeface="Tahoma" charset="0"/>
               <a:cs typeface="Tahoma" charset="0"/>
@@ -13246,7 +12794,7 @@
           <a:lstStyle/>
           <a:p>
             <a:pPr algn="ctr"/>
-            <a:endParaRPr lang="en-US" dirty="0" smtClean="0">
+            <a:endParaRPr lang="en-US" dirty="0">
               <a:solidFill>
                 <a:schemeClr val="tx1"/>
               </a:solidFill>
@@ -13280,7 +12828,7 @@
           <a:lstStyle/>
           <a:p>
             <a:r>
-              <a:rPr lang="en-US" sz="1400" dirty="0" smtClean="0">
+              <a:rPr lang="en-US" sz="1400" dirty="0">
                 <a:solidFill>
                   <a:srgbClr val="7030A0"/>
                 </a:solidFill>
@@ -13316,7 +12864,7 @@
           <a:lstStyle/>
           <a:p>
             <a:r>
-              <a:rPr lang="en-US" sz="1000" i="1" dirty="0" smtClean="0">
+              <a:rPr lang="en-US" sz="1000" i="1" dirty="0">
                 <a:solidFill>
                   <a:schemeClr val="accent6">
                     <a:lumMod val="60000"/>
@@ -13329,13 +12877,106 @@
               </a:rPr>
               <a:t>include what’s created in save out list</a:t>
             </a:r>
-            <a:endParaRPr lang="en-US" sz="1000" i="1" dirty="0">
-              <a:solidFill>
-                <a:schemeClr val="accent6">
-                  <a:lumMod val="60000"/>
-                  <a:lumOff val="40000"/>
-                </a:schemeClr>
-              </a:solidFill>
+          </a:p>
+        </p:txBody>
+      </p:sp>
+      <p:sp>
+        <p:nvSpPr>
+          <p:cNvPr id="36" name="TextBox 35"/>
+          <p:cNvSpPr txBox="1"/>
+          <p:nvPr/>
+        </p:nvSpPr>
+        <p:spPr>
+          <a:xfrm>
+            <a:off x="3731306" y="5178263"/>
+            <a:ext cx="447880" cy="307777"/>
+          </a:xfrm>
+          <a:prstGeom prst="rect">
+            <a:avLst/>
+          </a:prstGeom>
+          <a:noFill/>
+        </p:spPr>
+        <p:txBody>
+          <a:bodyPr wrap="none" rtlCol="0">
+            <a:spAutoFit/>
+          </a:bodyPr>
+          <a:lstStyle/>
+          <a:p>
+            <a:r>
+              <a:rPr lang="en-US" sz="1400" dirty="0">
+                <a:latin typeface="Tahoma" charset="0"/>
+                <a:ea typeface="Tahoma" charset="0"/>
+                <a:cs typeface="Tahoma" charset="0"/>
+              </a:rPr>
+              <a:t>yes</a:t>
+            </a:r>
+          </a:p>
+        </p:txBody>
+      </p:sp>
+      <p:sp>
+        <p:nvSpPr>
+          <p:cNvPr id="37" name="TextBox 36"/>
+          <p:cNvSpPr txBox="1"/>
+          <p:nvPr/>
+        </p:nvSpPr>
+        <p:spPr>
+          <a:xfrm>
+            <a:off x="2262449" y="5174206"/>
+            <a:ext cx="381836" cy="307777"/>
+          </a:xfrm>
+          <a:prstGeom prst="rect">
+            <a:avLst/>
+          </a:prstGeom>
+          <a:noFill/>
+        </p:spPr>
+        <p:txBody>
+          <a:bodyPr wrap="none" rtlCol="0">
+            <a:spAutoFit/>
+          </a:bodyPr>
+          <a:lstStyle/>
+          <a:p>
+            <a:r>
+              <a:rPr lang="en-US" sz="1400" dirty="0">
+                <a:latin typeface="Tahoma" charset="0"/>
+                <a:ea typeface="Tahoma" charset="0"/>
+                <a:cs typeface="Tahoma" charset="0"/>
+              </a:rPr>
+              <a:t>no</a:t>
+            </a:r>
+          </a:p>
+        </p:txBody>
+      </p:sp>
+      <p:sp>
+        <p:nvSpPr>
+          <p:cNvPr id="38" name="TextBox 37"/>
+          <p:cNvSpPr txBox="1"/>
+          <p:nvPr/>
+        </p:nvSpPr>
+        <p:spPr>
+          <a:xfrm>
+            <a:off x="1796333" y="6041819"/>
+            <a:ext cx="1192186" cy="307777"/>
+          </a:xfrm>
+          <a:prstGeom prst="rect">
+            <a:avLst/>
+          </a:prstGeom>
+          <a:noFill/>
+        </p:spPr>
+        <p:txBody>
+          <a:bodyPr wrap="none" rtlCol="0">
+            <a:spAutoFit/>
+          </a:bodyPr>
+          <a:lstStyle/>
+          <a:p>
+            <a:r>
+              <a:rPr lang="en-US" sz="1400">
+                <a:latin typeface="Tahoma" charset="0"/>
+                <a:ea typeface="Tahoma" charset="0"/>
+                <a:cs typeface="Tahoma" charset="0"/>
+              </a:rPr>
+              <a:t>save outputs</a:t>
+            </a:r>
+            <a:endParaRPr lang="en-US" sz="1400" dirty="0">
               <a:latin typeface="Tahoma" charset="0"/>
               <a:ea typeface="Tahoma" charset="0"/>
               <a:cs typeface="Tahoma" charset="0"/>
@@ -13345,14 +12986,54 @@
       </p:sp>
       <p:sp>
         <p:nvSpPr>
-          <p:cNvPr id="36" name="TextBox 35"/>
+          <p:cNvPr id="39" name="Rectangle 38"/>
+          <p:cNvSpPr/>
+          <p:nvPr/>
+        </p:nvSpPr>
+        <p:spPr>
+          <a:xfrm>
+            <a:off x="3729303" y="5486392"/>
+            <a:ext cx="3161354" cy="215444"/>
+          </a:xfrm>
+          <a:prstGeom prst="rect">
+            <a:avLst/>
+          </a:prstGeom>
+        </p:spPr>
+        <p:txBody>
+          <a:bodyPr wrap="square">
+            <a:spAutoFit/>
+          </a:bodyPr>
+          <a:lstStyle/>
+          <a:p>
+            <a:r>
+              <a:rPr lang="en-US" sz="800" dirty="0" err="1">
+                <a:latin typeface="Consolas" charset="0"/>
+                <a:ea typeface="Consolas" charset="0"/>
+                <a:cs typeface="Consolas" charset="0"/>
+              </a:rPr>
+              <a:t>pareSEdata</a:t>
+            </a:r>
+            <a:r>
+              <a:rPr lang="en-US" sz="800" dirty="0">
+                <a:latin typeface="Consolas" charset="0"/>
+                <a:ea typeface="Consolas" charset="0"/>
+                <a:cs typeface="Consolas" charset="0"/>
+              </a:rPr>
+              <a:t> with time restriction (did I write this??)</a:t>
+            </a:r>
+          </a:p>
+        </p:txBody>
+      </p:sp>
+      <p:sp>
+        <p:nvSpPr>
+          <p:cNvPr id="40" name="TextBox 39"/>
           <p:cNvSpPr txBox="1"/>
           <p:nvPr/>
         </p:nvSpPr>
         <p:spPr>
           <a:xfrm>
-            <a:off x="3731306" y="5178263"/>
-            <a:ext cx="447880" cy="307777"/>
+            <a:off x="4356689" y="5650140"/>
+            <a:ext cx="2308645" cy="246221"/>
           </a:xfrm>
           <a:prstGeom prst="rect">
             <a:avLst/>
@@ -13366,156 +13047,7 @@
           <a:lstStyle/>
           <a:p>
             <a:r>
-              <a:rPr lang="en-US" sz="1400" dirty="0" smtClean="0">
-                <a:latin typeface="Tahoma" charset="0"/>
-                <a:ea typeface="Tahoma" charset="0"/>
-                <a:cs typeface="Tahoma" charset="0"/>
-              </a:rPr>
-              <a:t>yes</a:t>
-            </a:r>
-          </a:p>
-        </p:txBody>
-      </p:sp>
-      <p:sp>
-        <p:nvSpPr>
-          <p:cNvPr id="37" name="TextBox 36"/>
-          <p:cNvSpPr txBox="1"/>
-          <p:nvPr/>
-        </p:nvSpPr>
-        <p:spPr>
-          <a:xfrm>
-            <a:off x="2262449" y="5174206"/>
-            <a:ext cx="381836" cy="307777"/>
-          </a:xfrm>
-          <a:prstGeom prst="rect">
-            <a:avLst/>
-          </a:prstGeom>
-          <a:noFill/>
-        </p:spPr>
-        <p:txBody>
-          <a:bodyPr wrap="none" rtlCol="0">
-            <a:spAutoFit/>
-          </a:bodyPr>
-          <a:lstStyle/>
-          <a:p>
-            <a:r>
-              <a:rPr lang="en-US" sz="1400" dirty="0" smtClean="0">
-                <a:latin typeface="Tahoma" charset="0"/>
-                <a:ea typeface="Tahoma" charset="0"/>
-                <a:cs typeface="Tahoma" charset="0"/>
-              </a:rPr>
-              <a:t>no</a:t>
-            </a:r>
-          </a:p>
-        </p:txBody>
-      </p:sp>
-      <p:sp>
-        <p:nvSpPr>
-          <p:cNvPr id="38" name="TextBox 37"/>
-          <p:cNvSpPr txBox="1"/>
-          <p:nvPr/>
-        </p:nvSpPr>
-        <p:spPr>
-          <a:xfrm>
-            <a:off x="1796333" y="6041819"/>
-            <a:ext cx="1192186" cy="307777"/>
-          </a:xfrm>
-          <a:prstGeom prst="rect">
-            <a:avLst/>
-          </a:prstGeom>
-          <a:noFill/>
-        </p:spPr>
-        <p:txBody>
-          <a:bodyPr wrap="none" rtlCol="0">
-            <a:spAutoFit/>
-          </a:bodyPr>
-          <a:lstStyle/>
-          <a:p>
-            <a:r>
-              <a:rPr lang="en-US" sz="1400" smtClean="0">
-                <a:latin typeface="Tahoma" charset="0"/>
-                <a:ea typeface="Tahoma" charset="0"/>
-                <a:cs typeface="Tahoma" charset="0"/>
-              </a:rPr>
-              <a:t>save outputs</a:t>
-            </a:r>
-            <a:endParaRPr lang="en-US" sz="1400" dirty="0" smtClean="0">
-              <a:latin typeface="Tahoma" charset="0"/>
-              <a:ea typeface="Tahoma" charset="0"/>
-              <a:cs typeface="Tahoma" charset="0"/>
-            </a:endParaRPr>
-          </a:p>
-        </p:txBody>
-      </p:sp>
-      <p:sp>
-        <p:nvSpPr>
-          <p:cNvPr id="39" name="Rectangle 38"/>
-          <p:cNvSpPr/>
-          <p:nvPr/>
-        </p:nvSpPr>
-        <p:spPr>
-          <a:xfrm>
-            <a:off x="3729303" y="5486392"/>
-            <a:ext cx="3161354" cy="215444"/>
-          </a:xfrm>
-          <a:prstGeom prst="rect">
-            <a:avLst/>
-          </a:prstGeom>
-        </p:spPr>
-        <p:txBody>
-          <a:bodyPr wrap="square">
-            <a:spAutoFit/>
-          </a:bodyPr>
-          <a:lstStyle/>
-          <a:p>
-            <a:r>
-              <a:rPr lang="en-US" sz="800" dirty="0" err="1" smtClean="0">
-                <a:latin typeface="Consolas" charset="0"/>
-                <a:ea typeface="Consolas" charset="0"/>
-                <a:cs typeface="Consolas" charset="0"/>
-              </a:rPr>
-              <a:t>pareSEdata</a:t>
-            </a:r>
-            <a:r>
-              <a:rPr lang="en-US" sz="800" dirty="0" smtClean="0">
-                <a:latin typeface="Consolas" charset="0"/>
-                <a:ea typeface="Consolas" charset="0"/>
-                <a:cs typeface="Consolas" charset="0"/>
-              </a:rPr>
-              <a:t> with time restriction (did I write this??)</a:t>
-            </a:r>
-            <a:endParaRPr lang="en-US" sz="800" dirty="0">
-              <a:latin typeface="Consolas" charset="0"/>
-              <a:ea typeface="Consolas" charset="0"/>
-              <a:cs typeface="Consolas" charset="0"/>
-            </a:endParaRPr>
-          </a:p>
-        </p:txBody>
-      </p:sp>
-      <p:sp>
-        <p:nvSpPr>
-          <p:cNvPr id="40" name="TextBox 39"/>
-          <p:cNvSpPr txBox="1"/>
-          <p:nvPr/>
-        </p:nvSpPr>
-        <p:spPr>
-          <a:xfrm>
-            <a:off x="4356689" y="5650140"/>
-            <a:ext cx="2308645" cy="246221"/>
-          </a:xfrm>
-          <a:prstGeom prst="rect">
-            <a:avLst/>
-          </a:prstGeom>
-          <a:noFill/>
-        </p:spPr>
-        <p:txBody>
-          <a:bodyPr wrap="none" rtlCol="0">
-            <a:spAutoFit/>
-          </a:bodyPr>
-          <a:lstStyle/>
-          <a:p>
-            <a:r>
-              <a:rPr lang="en-US" sz="1000" i="1" dirty="0" smtClean="0">
+              <a:rPr lang="en-US" sz="1000" i="1" dirty="0">
                 <a:solidFill>
                   <a:schemeClr val="accent6">
                     <a:lumMod val="60000"/>
@@ -13529,7 +13061,7 @@
               <a:t>include what’s created </a:t>
             </a:r>
             <a:r>
-              <a:rPr lang="en-US" sz="1000" i="1" smtClean="0">
+              <a:rPr lang="en-US" sz="1000" i="1">
                 <a:solidFill>
                   <a:schemeClr val="accent6">
                     <a:lumMod val="60000"/>
@@ -13603,7 +13135,7 @@
           <a:lstStyle/>
           <a:p>
             <a:pPr algn="ctr"/>
-            <a:endParaRPr lang="en-US" dirty="0" smtClean="0">
+            <a:endParaRPr lang="en-US" dirty="0">
               <a:solidFill>
                 <a:schemeClr val="tx1"/>
               </a:solidFill>
@@ -13637,14 +13169,14 @@
           <a:lstStyle/>
           <a:p>
             <a:r>
-              <a:rPr lang="en-US" sz="1400" smtClean="0">
+              <a:rPr lang="en-US" sz="1400">
                 <a:latin typeface="Tahoma" charset="0"/>
                 <a:ea typeface="Tahoma" charset="0"/>
                 <a:cs typeface="Tahoma" charset="0"/>
               </a:rPr>
               <a:t>DONE</a:t>
             </a:r>
-            <a:endParaRPr lang="en-US" sz="1400" dirty="0" smtClean="0">
+            <a:endParaRPr lang="en-US" sz="1400" dirty="0">
               <a:latin typeface="Tahoma" charset="0"/>
               <a:ea typeface="Tahoma" charset="0"/>
               <a:cs typeface="Tahoma" charset="0"/>
@@ -13694,7 +13226,7 @@
           <a:lstStyle/>
           <a:p>
             <a:pPr algn="ctr"/>
-            <a:endParaRPr lang="en-US" dirty="0" smtClean="0">
+            <a:endParaRPr lang="en-US" dirty="0">
               <a:solidFill>
                 <a:schemeClr val="tx1"/>
               </a:solidFill>
@@ -13747,7 +13279,7 @@
           <a:lstStyle/>
           <a:p>
             <a:pPr algn="ctr"/>
-            <a:endParaRPr lang="en-US" dirty="0" smtClean="0">
+            <a:endParaRPr lang="en-US" dirty="0">
               <a:solidFill>
                 <a:schemeClr val="tx1"/>
               </a:solidFill>
@@ -13800,7 +13332,7 @@
           <a:lstStyle/>
           <a:p>
             <a:pPr algn="ctr"/>
-            <a:endParaRPr lang="en-US" dirty="0" smtClean="0">
+            <a:endParaRPr lang="en-US" dirty="0">
               <a:solidFill>
                 <a:schemeClr val="tx1"/>
               </a:solidFill>
@@ -13834,7 +13366,7 @@
           <a:lstStyle/>
           <a:p>
             <a:r>
-              <a:rPr lang="en-US" sz="800" dirty="0" smtClean="0">
+              <a:rPr lang="en-US" sz="800" dirty="0">
                 <a:solidFill>
                   <a:srgbClr val="FF0000"/>
                 </a:solidFill>
@@ -13847,7 +13379,7 @@
           </a:p>
           <a:p>
             <a:r>
-              <a:rPr lang="en-US" sz="800" dirty="0" smtClean="0">
+              <a:rPr lang="en-US" sz="800" dirty="0">
                 <a:solidFill>
                   <a:srgbClr val="FF0000"/>
                 </a:solidFill>
@@ -13860,7 +13392,7 @@
           </a:p>
           <a:p>
             <a:r>
-              <a:rPr lang="en-US" sz="800" dirty="0" smtClean="0">
+              <a:rPr lang="en-US" sz="800" dirty="0">
                 <a:solidFill>
                   <a:srgbClr val="FF0000"/>
                 </a:solidFill>
@@ -13871,7 +13403,7 @@
               <a:t>subdirectory and </a:t>
             </a:r>
             <a:r>
-              <a:rPr lang="en-US" sz="800" dirty="0" err="1" smtClean="0">
+              <a:rPr lang="en-US" sz="800" dirty="0" err="1">
                 <a:solidFill>
                   <a:srgbClr val="FF0000"/>
                 </a:solidFill>
@@ -13882,7 +13414,7 @@
               <a:t>wavenames</a:t>
             </a:r>
             <a:r>
-              <a:rPr lang="en-US" sz="800" dirty="0" smtClean="0">
+              <a:rPr lang="en-US" sz="800" dirty="0">
                 <a:solidFill>
                   <a:srgbClr val="FF0000"/>
                 </a:solidFill>
@@ -13948,14 +13480,14 @@
           <a:lstStyle/>
           <a:p>
             <a:r>
-              <a:rPr lang="en-US" sz="1400" smtClean="0">
+              <a:rPr lang="en-US" sz="1400">
                 <a:latin typeface="Tahoma" charset="0"/>
                 <a:ea typeface="Tahoma" charset="0"/>
                 <a:cs typeface="Tahoma" charset="0"/>
               </a:rPr>
               <a:t>what if we reversed the logic?</a:t>
             </a:r>
-            <a:endParaRPr lang="en-US" sz="1400" dirty="0" smtClean="0">
+            <a:endParaRPr lang="en-US" sz="1400" dirty="0">
               <a:latin typeface="Tahoma" charset="0"/>
               <a:ea typeface="Tahoma" charset="0"/>
               <a:cs typeface="Tahoma" charset="0"/>
@@ -13986,7 +13518,7 @@
           <a:lstStyle/>
           <a:p>
             <a:r>
-              <a:rPr lang="en-US" sz="1400" dirty="0" smtClean="0">
+              <a:rPr lang="en-US" sz="1400" dirty="0">
                 <a:latin typeface="Tahoma" charset="0"/>
                 <a:ea typeface="Tahoma" charset="0"/>
                 <a:cs typeface="Tahoma" charset="0"/>
@@ -14019,7 +13551,7 @@
           <a:lstStyle/>
           <a:p>
             <a:r>
-              <a:rPr lang="en-US" sz="1400" dirty="0" smtClean="0">
+              <a:rPr lang="en-US" sz="1400" dirty="0">
                 <a:latin typeface="Tahoma" charset="0"/>
                 <a:ea typeface="Tahoma" charset="0"/>
                 <a:cs typeface="Tahoma" charset="0"/>
@@ -14052,7 +13584,7 @@
           <a:lstStyle/>
           <a:p>
             <a:r>
-              <a:rPr lang="en-US" sz="1400" dirty="0" smtClean="0">
+              <a:rPr lang="en-US" sz="1400" dirty="0">
                 <a:latin typeface="Tahoma" charset="0"/>
                 <a:ea typeface="Tahoma" charset="0"/>
                 <a:cs typeface="Tahoma" charset="0"/>
@@ -14085,7 +13617,7 @@
           <a:lstStyle/>
           <a:p>
             <a:r>
-              <a:rPr lang="en-US" sz="1400" dirty="0" smtClean="0">
+              <a:rPr lang="en-US" sz="1400" dirty="0">
                 <a:latin typeface="Tahoma" charset="0"/>
                 <a:ea typeface="Tahoma" charset="0"/>
                 <a:cs typeface="Tahoma" charset="0"/>
@@ -14093,7 +13625,7 @@
               <a:t>does the s0N the interval is to be based on exist in the </a:t>
             </a:r>
             <a:r>
-              <a:rPr lang="en-US" sz="1400" dirty="0" err="1" smtClean="0">
+              <a:rPr lang="en-US" sz="1400" dirty="0" err="1">
                 <a:latin typeface="Tahoma" charset="0"/>
                 <a:ea typeface="Tahoma" charset="0"/>
                 <a:cs typeface="Tahoma" charset="0"/>
@@ -14101,7 +13633,7 @@
               <a:t>db</a:t>
             </a:r>
             <a:r>
-              <a:rPr lang="en-US" sz="1400" dirty="0" smtClean="0">
+              <a:rPr lang="en-US" sz="1400" dirty="0">
                 <a:latin typeface="Tahoma" charset="0"/>
                 <a:ea typeface="Tahoma" charset="0"/>
                 <a:cs typeface="Tahoma" charset="0"/>
@@ -14134,7 +13666,7 @@
           <a:lstStyle/>
           <a:p>
             <a:r>
-              <a:rPr lang="en-US" sz="1400" dirty="0" smtClean="0">
+              <a:rPr lang="en-US" sz="1400" dirty="0">
                 <a:latin typeface="Tahoma" charset="0"/>
                 <a:ea typeface="Tahoma" charset="0"/>
                 <a:cs typeface="Tahoma" charset="0"/>
@@ -14167,7 +13699,7 @@
           <a:lstStyle/>
           <a:p>
             <a:r>
-              <a:rPr lang="en-US" sz="1400" dirty="0" smtClean="0">
+              <a:rPr lang="en-US" sz="1400" dirty="0">
                 <a:latin typeface="Tahoma" charset="0"/>
                 <a:ea typeface="Tahoma" charset="0"/>
                 <a:cs typeface="Tahoma" charset="0"/>
@@ -14200,7 +13732,7 @@
           <a:lstStyle/>
           <a:p>
             <a:r>
-              <a:rPr lang="en-US" sz="1400" dirty="0" smtClean="0">
+              <a:rPr lang="en-US" sz="1400" dirty="0">
                 <a:latin typeface="Tahoma" charset="0"/>
                 <a:ea typeface="Tahoma" charset="0"/>
                 <a:cs typeface="Tahoma" charset="0"/>
@@ -14233,7 +13765,7 @@
           <a:lstStyle/>
           <a:p>
             <a:r>
-              <a:rPr lang="en-US" sz="1400" dirty="0" smtClean="0">
+              <a:rPr lang="en-US" sz="1400" dirty="0">
                 <a:latin typeface="Tahoma" charset="0"/>
                 <a:ea typeface="Tahoma" charset="0"/>
                 <a:cs typeface="Tahoma" charset="0"/>
@@ -14241,7 +13773,7 @@
               <a:t>does s00 exist in the </a:t>
             </a:r>
             <a:r>
-              <a:rPr lang="en-US" sz="1400" dirty="0" err="1" smtClean="0">
+              <a:rPr lang="en-US" sz="1400" dirty="0" err="1">
                 <a:latin typeface="Tahoma" charset="0"/>
                 <a:ea typeface="Tahoma" charset="0"/>
                 <a:cs typeface="Tahoma" charset="0"/>
@@ -14249,7 +13781,7 @@
               <a:t>db</a:t>
             </a:r>
             <a:r>
-              <a:rPr lang="en-US" sz="1400" dirty="0" smtClean="0">
+              <a:rPr lang="en-US" sz="1400" dirty="0">
                 <a:latin typeface="Tahoma" charset="0"/>
                 <a:ea typeface="Tahoma" charset="0"/>
                 <a:cs typeface="Tahoma" charset="0"/>
@@ -14282,7 +13814,7 @@
           <a:lstStyle/>
           <a:p>
             <a:r>
-              <a:rPr lang="en-US" sz="1400" dirty="0" smtClean="0">
+              <a:rPr lang="en-US" sz="1400" dirty="0">
                 <a:latin typeface="Tahoma" charset="0"/>
                 <a:ea typeface="Tahoma" charset="0"/>
                 <a:cs typeface="Tahoma" charset="0"/>
@@ -14315,7 +13847,7 @@
           <a:lstStyle/>
           <a:p>
             <a:r>
-              <a:rPr lang="en-US" sz="1400" dirty="0" smtClean="0">
+              <a:rPr lang="en-US" sz="1400" dirty="0">
                 <a:latin typeface="Tahoma" charset="0"/>
                 <a:ea typeface="Tahoma" charset="0"/>
                 <a:cs typeface="Tahoma" charset="0"/>
@@ -14354,7 +13886,7 @@
           <a:p>
             <a:pPr algn="ctr"/>
             <a:r>
-              <a:rPr lang="en-US" sz="1400" dirty="0" smtClean="0">
+              <a:rPr lang="en-US" sz="1400" dirty="0">
                 <a:latin typeface="Tahoma" charset="0"/>
                 <a:ea typeface="Tahoma" charset="0"/>
                 <a:cs typeface="Tahoma" charset="0"/>
@@ -14393,7 +13925,7 @@
           <a:p>
             <a:pPr algn="ctr"/>
             <a:r>
-              <a:rPr lang="en-US" sz="1400" dirty="0" smtClean="0">
+              <a:rPr lang="en-US" sz="1400" dirty="0">
                 <a:latin typeface="Tahoma" charset="0"/>
                 <a:ea typeface="Tahoma" charset="0"/>
                 <a:cs typeface="Tahoma" charset="0"/>
@@ -14426,14 +13958,14 @@
           <a:lstStyle/>
           <a:p>
             <a:r>
-              <a:rPr lang="en-US" sz="1400" smtClean="0">
+              <a:rPr lang="en-US" sz="1400">
                 <a:latin typeface="Tahoma" charset="0"/>
                 <a:ea typeface="Tahoma" charset="0"/>
                 <a:cs typeface="Tahoma" charset="0"/>
               </a:rPr>
               <a:t>DONE</a:t>
             </a:r>
-            <a:endParaRPr lang="en-US" sz="1400" dirty="0" smtClean="0">
+            <a:endParaRPr lang="en-US" sz="1400" dirty="0">
               <a:latin typeface="Tahoma" charset="0"/>
               <a:ea typeface="Tahoma" charset="0"/>
               <a:cs typeface="Tahoma" charset="0"/>
@@ -14530,14 +14062,14 @@
           <a:lstStyle/>
           <a:p>
             <a:r>
-              <a:rPr lang="en-US" sz="1400" smtClean="0">
+              <a:rPr lang="en-US" sz="1400">
                 <a:latin typeface="Tahoma" charset="0"/>
                 <a:ea typeface="Tahoma" charset="0"/>
                 <a:cs typeface="Tahoma" charset="0"/>
               </a:rPr>
               <a:t>make_SEdata</a:t>
             </a:r>
-            <a:endParaRPr lang="en-US" sz="1400" dirty="0" smtClean="0">
+            <a:endParaRPr lang="en-US" sz="1400" dirty="0">
               <a:latin typeface="Tahoma" charset="0"/>
               <a:ea typeface="Tahoma" charset="0"/>
               <a:cs typeface="Tahoma" charset="0"/>
@@ -14634,14 +14166,14 @@
           <a:lstStyle/>
           <a:p>
             <a:r>
-              <a:rPr lang="en-US" sz="1400" smtClean="0">
+              <a:rPr lang="en-US" sz="1400">
                 <a:latin typeface="Tahoma" charset="0"/>
                 <a:ea typeface="Tahoma" charset="0"/>
                 <a:cs typeface="Tahoma" charset="0"/>
               </a:rPr>
               <a:t>load it</a:t>
             </a:r>
-            <a:endParaRPr lang="en-US" sz="1400" dirty="0" smtClean="0">
+            <a:endParaRPr lang="en-US" sz="1400" dirty="0">
               <a:latin typeface="Tahoma" charset="0"/>
               <a:ea typeface="Tahoma" charset="0"/>
               <a:cs typeface="Tahoma" charset="0"/>
@@ -14672,7 +14204,7 @@
           <a:lstStyle/>
           <a:p>
             <a:r>
-              <a:rPr lang="en-US" sz="1400" dirty="0" smtClean="0">
+              <a:rPr lang="en-US" sz="1400" dirty="0">
                 <a:latin typeface="Tahoma" charset="0"/>
                 <a:ea typeface="Tahoma" charset="0"/>
                 <a:cs typeface="Tahoma" charset="0"/>
@@ -14680,14 +14212,14 @@
               <a:t>is function asking </a:t>
             </a:r>
             <a:r>
-              <a:rPr lang="en-US" sz="1400" smtClean="0">
+              <a:rPr lang="en-US" sz="1400">
                 <a:latin typeface="Tahoma" charset="0"/>
                 <a:ea typeface="Tahoma" charset="0"/>
                 <a:cs typeface="Tahoma" charset="0"/>
               </a:rPr>
               <a:t>for s0N?</a:t>
             </a:r>
-            <a:endParaRPr lang="en-US" sz="1400" dirty="0" smtClean="0">
+            <a:endParaRPr lang="en-US" sz="1400" dirty="0">
               <a:latin typeface="Tahoma" charset="0"/>
               <a:ea typeface="Tahoma" charset="0"/>
               <a:cs typeface="Tahoma" charset="0"/>
@@ -14718,7 +14250,7 @@
           <a:lstStyle/>
           <a:p>
             <a:r>
-              <a:rPr lang="en-US" sz="1400" dirty="0" smtClean="0">
+              <a:rPr lang="en-US" sz="1400" dirty="0">
                 <a:latin typeface="Tahoma" charset="0"/>
                 <a:ea typeface="Tahoma" charset="0"/>
                 <a:cs typeface="Tahoma" charset="0"/>
@@ -14751,14 +14283,14 @@
           <a:lstStyle/>
           <a:p>
             <a:r>
-              <a:rPr lang="en-US" sz="1400" smtClean="0">
+              <a:rPr lang="en-US" sz="1400">
                 <a:latin typeface="Tahoma" charset="0"/>
                 <a:ea typeface="Tahoma" charset="0"/>
                 <a:cs typeface="Tahoma" charset="0"/>
               </a:rPr>
               <a:t>DONE</a:t>
             </a:r>
-            <a:endParaRPr lang="en-US" sz="1400" dirty="0" smtClean="0">
+            <a:endParaRPr lang="en-US" sz="1400" dirty="0">
               <a:latin typeface="Tahoma" charset="0"/>
               <a:ea typeface="Tahoma" charset="0"/>
               <a:cs typeface="Tahoma" charset="0"/>
@@ -14789,7 +14321,7 @@
           <a:lstStyle/>
           <a:p>
             <a:r>
-              <a:rPr lang="en-US" sz="1400" dirty="0" smtClean="0">
+              <a:rPr lang="en-US" sz="1400" dirty="0">
                 <a:latin typeface="Tahoma" charset="0"/>
                 <a:ea typeface="Tahoma" charset="0"/>
                 <a:cs typeface="Tahoma" charset="0"/>
@@ -14896,14 +14428,14 @@
           <a:lstStyle/>
           <a:p>
             <a:r>
-              <a:rPr lang="en-US" sz="1400" smtClean="0">
+              <a:rPr lang="en-US" sz="1400">
                 <a:latin typeface="Tahoma" charset="0"/>
                 <a:ea typeface="Tahoma" charset="0"/>
                 <a:cs typeface="Tahoma" charset="0"/>
               </a:rPr>
               <a:t>DONE</a:t>
             </a:r>
-            <a:endParaRPr lang="en-US" sz="1400" dirty="0" smtClean="0">
+            <a:endParaRPr lang="en-US" sz="1400" dirty="0">
               <a:latin typeface="Tahoma" charset="0"/>
               <a:ea typeface="Tahoma" charset="0"/>
               <a:cs typeface="Tahoma" charset="0"/>
